--- a/contact-tracing-app.pptx
+++ b/contact-tracing-app.pptx
@@ -2,10 +2,16 @@
 <file path=ppt/presentation.xml><?xml version="1.0" encoding="utf-8"?>
 <p:presentation xmlns:a="http://schemas.openxmlformats.org/drawingml/2006/main" xmlns:r="http://schemas.openxmlformats.org/officeDocument/2006/relationships" xmlns:p="http://schemas.openxmlformats.org/presentationml/2006/main" saveSubsetFonts="1">
   <p:sldMasterIdLst>
-    <p:sldMasterId id="2147483648" r:id="rId1"/>
+    <p:sldMasterId id="2147483660" r:id="rId1"/>
   </p:sldMasterIdLst>
+  <p:notesMasterIdLst>
+    <p:notesMasterId r:id="rId6"/>
+  </p:notesMasterIdLst>
   <p:sldIdLst>
-    <p:sldId id="256" r:id="rId2"/>
+    <p:sldId id="261" r:id="rId2"/>
+    <p:sldId id="262" r:id="rId3"/>
+    <p:sldId id="265" r:id="rId4"/>
+    <p:sldId id="264" r:id="rId5"/>
   </p:sldIdLst>
   <p:sldSz cx="12192000" cy="6858000"/>
   <p:notesSz cx="6858000" cy="9144000"/>
@@ -104,7 +110,938 @@
       </a:defRPr>
     </a:lvl9pPr>
   </p:defaultTextStyle>
+  <p:extLst>
+    <p:ext uri="{EFAFB233-063F-42B5-8137-9DF3F51BA10A}">
+      <p15:sldGuideLst xmlns:p15="http://schemas.microsoft.com/office/powerpoint/2012/main"/>
+    </p:ext>
+  </p:extLst>
 </p:presentation>
+</file>
+
+<file path=ppt/notesMasters/notesMaster1.xml><?xml version="1.0" encoding="utf-8"?>
+<p:notesMaster xmlns:a="http://schemas.openxmlformats.org/drawingml/2006/main" xmlns:r="http://schemas.openxmlformats.org/officeDocument/2006/relationships" xmlns:p="http://schemas.openxmlformats.org/presentationml/2006/main">
+  <p:cSld>
+    <p:bg>
+      <p:bgRef idx="1001">
+        <a:schemeClr val="bg1"/>
+      </p:bgRef>
+    </p:bg>
+    <p:spTree>
+      <p:nvGrpSpPr>
+        <p:cNvPr id="1" name=""/>
+        <p:cNvGrpSpPr/>
+        <p:nvPr/>
+      </p:nvGrpSpPr>
+      <p:grpSpPr>
+        <a:xfrm>
+          <a:off x="0" y="0"/>
+          <a:ext cx="0" cy="0"/>
+          <a:chOff x="0" y="0"/>
+          <a:chExt cx="0" cy="0"/>
+        </a:xfrm>
+      </p:grpSpPr>
+      <p:sp>
+        <p:nvSpPr>
+          <p:cNvPr id="2" name="Header Placeholder 1"/>
+          <p:cNvSpPr>
+            <a:spLocks noGrp="1"/>
+          </p:cNvSpPr>
+          <p:nvPr>
+            <p:ph type="hdr" sz="quarter"/>
+          </p:nvPr>
+        </p:nvSpPr>
+        <p:spPr>
+          <a:xfrm>
+            <a:off x="0" y="0"/>
+            <a:ext cx="2971800" cy="458788"/>
+          </a:xfrm>
+          <a:prstGeom prst="rect">
+            <a:avLst/>
+          </a:prstGeom>
+        </p:spPr>
+        <p:txBody>
+          <a:bodyPr vert="horz" lIns="91440" tIns="45720" rIns="91440" bIns="45720" rtlCol="0"/>
+          <a:lstStyle>
+            <a:lvl1pPr algn="l">
+              <a:defRPr sz="1200"/>
+            </a:lvl1pPr>
+          </a:lstStyle>
+          <a:p>
+            <a:endParaRPr lang="en-IN"/>
+          </a:p>
+        </p:txBody>
+      </p:sp>
+      <p:sp>
+        <p:nvSpPr>
+          <p:cNvPr id="3" name="Date Placeholder 2"/>
+          <p:cNvSpPr>
+            <a:spLocks noGrp="1"/>
+          </p:cNvSpPr>
+          <p:nvPr>
+            <p:ph type="dt" idx="1"/>
+          </p:nvPr>
+        </p:nvSpPr>
+        <p:spPr>
+          <a:xfrm>
+            <a:off x="3884613" y="0"/>
+            <a:ext cx="2971800" cy="458788"/>
+          </a:xfrm>
+          <a:prstGeom prst="rect">
+            <a:avLst/>
+          </a:prstGeom>
+        </p:spPr>
+        <p:txBody>
+          <a:bodyPr vert="horz" lIns="91440" tIns="45720" rIns="91440" bIns="45720" rtlCol="0"/>
+          <a:lstStyle>
+            <a:lvl1pPr algn="r">
+              <a:defRPr sz="1200"/>
+            </a:lvl1pPr>
+          </a:lstStyle>
+          <a:p>
+            <a:fld id="{8EDA84DD-FAC2-4967-987E-3DFC45921D6F}" type="datetimeFigureOut">
+              <a:rPr lang="en-IN" smtClean="0"/>
+              <a:t>18-08-2022</a:t>
+            </a:fld>
+            <a:endParaRPr lang="en-IN"/>
+          </a:p>
+        </p:txBody>
+      </p:sp>
+      <p:sp>
+        <p:nvSpPr>
+          <p:cNvPr id="4" name="Slide Image Placeholder 3"/>
+          <p:cNvSpPr>
+            <a:spLocks noGrp="1" noRot="1" noChangeAspect="1"/>
+          </p:cNvSpPr>
+          <p:nvPr>
+            <p:ph type="sldImg" idx="2"/>
+          </p:nvPr>
+        </p:nvSpPr>
+        <p:spPr>
+          <a:xfrm>
+            <a:off x="685800" y="1143000"/>
+            <a:ext cx="5486400" cy="3086100"/>
+          </a:xfrm>
+          <a:prstGeom prst="rect">
+            <a:avLst/>
+          </a:prstGeom>
+          <a:noFill/>
+          <a:ln w="12700">
+            <a:solidFill>
+              <a:prstClr val="black"/>
+            </a:solidFill>
+          </a:ln>
+        </p:spPr>
+        <p:txBody>
+          <a:bodyPr vert="horz" lIns="91440" tIns="45720" rIns="91440" bIns="45720" rtlCol="0" anchor="ctr"/>
+          <a:lstStyle/>
+          <a:p>
+            <a:endParaRPr lang="en-IN"/>
+          </a:p>
+        </p:txBody>
+      </p:sp>
+      <p:sp>
+        <p:nvSpPr>
+          <p:cNvPr id="5" name="Notes Placeholder 4"/>
+          <p:cNvSpPr>
+            <a:spLocks noGrp="1"/>
+          </p:cNvSpPr>
+          <p:nvPr>
+            <p:ph type="body" sz="quarter" idx="3"/>
+          </p:nvPr>
+        </p:nvSpPr>
+        <p:spPr>
+          <a:xfrm>
+            <a:off x="685800" y="4400550"/>
+            <a:ext cx="5486400" cy="3600450"/>
+          </a:xfrm>
+          <a:prstGeom prst="rect">
+            <a:avLst/>
+          </a:prstGeom>
+        </p:spPr>
+        <p:txBody>
+          <a:bodyPr vert="horz" lIns="91440" tIns="45720" rIns="91440" bIns="45720" rtlCol="0"/>
+          <a:lstStyle/>
+          <a:p>
+            <a:pPr lvl="0"/>
+            <a:r>
+              <a:rPr lang="en-US"/>
+              <a:t>Click to edit Master text styles</a:t>
+            </a:r>
+          </a:p>
+          <a:p>
+            <a:pPr lvl="1"/>
+            <a:r>
+              <a:rPr lang="en-US"/>
+              <a:t>Second level</a:t>
+            </a:r>
+          </a:p>
+          <a:p>
+            <a:pPr lvl="2"/>
+            <a:r>
+              <a:rPr lang="en-US"/>
+              <a:t>Third level</a:t>
+            </a:r>
+          </a:p>
+          <a:p>
+            <a:pPr lvl="3"/>
+            <a:r>
+              <a:rPr lang="en-US"/>
+              <a:t>Fourth level</a:t>
+            </a:r>
+          </a:p>
+          <a:p>
+            <a:pPr lvl="4"/>
+            <a:r>
+              <a:rPr lang="en-US"/>
+              <a:t>Fifth level</a:t>
+            </a:r>
+            <a:endParaRPr lang="en-IN"/>
+          </a:p>
+        </p:txBody>
+      </p:sp>
+      <p:sp>
+        <p:nvSpPr>
+          <p:cNvPr id="6" name="Footer Placeholder 5"/>
+          <p:cNvSpPr>
+            <a:spLocks noGrp="1"/>
+          </p:cNvSpPr>
+          <p:nvPr>
+            <p:ph type="ftr" sz="quarter" idx="4"/>
+          </p:nvPr>
+        </p:nvSpPr>
+        <p:spPr>
+          <a:xfrm>
+            <a:off x="0" y="8685213"/>
+            <a:ext cx="2971800" cy="458787"/>
+          </a:xfrm>
+          <a:prstGeom prst="rect">
+            <a:avLst/>
+          </a:prstGeom>
+        </p:spPr>
+        <p:txBody>
+          <a:bodyPr vert="horz" lIns="91440" tIns="45720" rIns="91440" bIns="45720" rtlCol="0" anchor="b"/>
+          <a:lstStyle>
+            <a:lvl1pPr algn="l">
+              <a:defRPr sz="1200"/>
+            </a:lvl1pPr>
+          </a:lstStyle>
+          <a:p>
+            <a:endParaRPr lang="en-IN"/>
+          </a:p>
+        </p:txBody>
+      </p:sp>
+      <p:sp>
+        <p:nvSpPr>
+          <p:cNvPr id="7" name="Slide Number Placeholder 6"/>
+          <p:cNvSpPr>
+            <a:spLocks noGrp="1"/>
+          </p:cNvSpPr>
+          <p:nvPr>
+            <p:ph type="sldNum" sz="quarter" idx="5"/>
+          </p:nvPr>
+        </p:nvSpPr>
+        <p:spPr>
+          <a:xfrm>
+            <a:off x="3884613" y="8685213"/>
+            <a:ext cx="2971800" cy="458787"/>
+          </a:xfrm>
+          <a:prstGeom prst="rect">
+            <a:avLst/>
+          </a:prstGeom>
+        </p:spPr>
+        <p:txBody>
+          <a:bodyPr vert="horz" lIns="91440" tIns="45720" rIns="91440" bIns="45720" rtlCol="0" anchor="b"/>
+          <a:lstStyle>
+            <a:lvl1pPr algn="r">
+              <a:defRPr sz="1200"/>
+            </a:lvl1pPr>
+          </a:lstStyle>
+          <a:p>
+            <a:fld id="{3AF3FFD0-B235-4723-A200-9BE0D575451D}" type="slidenum">
+              <a:rPr lang="en-IN" smtClean="0"/>
+              <a:t>‹#›</a:t>
+            </a:fld>
+            <a:endParaRPr lang="en-IN"/>
+          </a:p>
+        </p:txBody>
+      </p:sp>
+    </p:spTree>
+    <p:extLst>
+      <p:ext uri="{BB962C8B-B14F-4D97-AF65-F5344CB8AC3E}">
+        <p14:creationId xmlns:p14="http://schemas.microsoft.com/office/powerpoint/2010/main" val="346180349"/>
+      </p:ext>
+    </p:extLst>
+  </p:cSld>
+  <p:clrMap bg1="lt1" tx1="dk1" bg2="lt2" tx2="dk2" accent1="accent1" accent2="accent2" accent3="accent3" accent4="accent4" accent5="accent5" accent6="accent6" hlink="hlink" folHlink="folHlink"/>
+  <p:notesStyle>
+    <a:lvl1pPr marL="0" algn="l" defTabSz="914400" rtl="0" eaLnBrk="1" latinLnBrk="0" hangingPunct="1">
+      <a:defRPr sz="1200" kern="1200">
+        <a:solidFill>
+          <a:schemeClr val="tx1"/>
+        </a:solidFill>
+        <a:latin typeface="+mn-lt"/>
+        <a:ea typeface="+mn-ea"/>
+        <a:cs typeface="+mn-cs"/>
+      </a:defRPr>
+    </a:lvl1pPr>
+    <a:lvl2pPr marL="457200" algn="l" defTabSz="914400" rtl="0" eaLnBrk="1" latinLnBrk="0" hangingPunct="1">
+      <a:defRPr sz="1200" kern="1200">
+        <a:solidFill>
+          <a:schemeClr val="tx1"/>
+        </a:solidFill>
+        <a:latin typeface="+mn-lt"/>
+        <a:ea typeface="+mn-ea"/>
+        <a:cs typeface="+mn-cs"/>
+      </a:defRPr>
+    </a:lvl2pPr>
+    <a:lvl3pPr marL="914400" algn="l" defTabSz="914400" rtl="0" eaLnBrk="1" latinLnBrk="0" hangingPunct="1">
+      <a:defRPr sz="1200" kern="1200">
+        <a:solidFill>
+          <a:schemeClr val="tx1"/>
+        </a:solidFill>
+        <a:latin typeface="+mn-lt"/>
+        <a:ea typeface="+mn-ea"/>
+        <a:cs typeface="+mn-cs"/>
+      </a:defRPr>
+    </a:lvl3pPr>
+    <a:lvl4pPr marL="1371600" algn="l" defTabSz="914400" rtl="0" eaLnBrk="1" latinLnBrk="0" hangingPunct="1">
+      <a:defRPr sz="1200" kern="1200">
+        <a:solidFill>
+          <a:schemeClr val="tx1"/>
+        </a:solidFill>
+        <a:latin typeface="+mn-lt"/>
+        <a:ea typeface="+mn-ea"/>
+        <a:cs typeface="+mn-cs"/>
+      </a:defRPr>
+    </a:lvl4pPr>
+    <a:lvl5pPr marL="1828800" algn="l" defTabSz="914400" rtl="0" eaLnBrk="1" latinLnBrk="0" hangingPunct="1">
+      <a:defRPr sz="1200" kern="1200">
+        <a:solidFill>
+          <a:schemeClr val="tx1"/>
+        </a:solidFill>
+        <a:latin typeface="+mn-lt"/>
+        <a:ea typeface="+mn-ea"/>
+        <a:cs typeface="+mn-cs"/>
+      </a:defRPr>
+    </a:lvl5pPr>
+    <a:lvl6pPr marL="2286000" algn="l" defTabSz="914400" rtl="0" eaLnBrk="1" latinLnBrk="0" hangingPunct="1">
+      <a:defRPr sz="1200" kern="1200">
+        <a:solidFill>
+          <a:schemeClr val="tx1"/>
+        </a:solidFill>
+        <a:latin typeface="+mn-lt"/>
+        <a:ea typeface="+mn-ea"/>
+        <a:cs typeface="+mn-cs"/>
+      </a:defRPr>
+    </a:lvl6pPr>
+    <a:lvl7pPr marL="2743200" algn="l" defTabSz="914400" rtl="0" eaLnBrk="1" latinLnBrk="0" hangingPunct="1">
+      <a:defRPr sz="1200" kern="1200">
+        <a:solidFill>
+          <a:schemeClr val="tx1"/>
+        </a:solidFill>
+        <a:latin typeface="+mn-lt"/>
+        <a:ea typeface="+mn-ea"/>
+        <a:cs typeface="+mn-cs"/>
+      </a:defRPr>
+    </a:lvl7pPr>
+    <a:lvl8pPr marL="3200400" algn="l" defTabSz="914400" rtl="0" eaLnBrk="1" latinLnBrk="0" hangingPunct="1">
+      <a:defRPr sz="1200" kern="1200">
+        <a:solidFill>
+          <a:schemeClr val="tx1"/>
+        </a:solidFill>
+        <a:latin typeface="+mn-lt"/>
+        <a:ea typeface="+mn-ea"/>
+        <a:cs typeface="+mn-cs"/>
+      </a:defRPr>
+    </a:lvl8pPr>
+    <a:lvl9pPr marL="3657600" algn="l" defTabSz="914400" rtl="0" eaLnBrk="1" latinLnBrk="0" hangingPunct="1">
+      <a:defRPr sz="1200" kern="1200">
+        <a:solidFill>
+          <a:schemeClr val="tx1"/>
+        </a:solidFill>
+        <a:latin typeface="+mn-lt"/>
+        <a:ea typeface="+mn-ea"/>
+        <a:cs typeface="+mn-cs"/>
+      </a:defRPr>
+    </a:lvl9pPr>
+  </p:notesStyle>
+</p:notesMaster>
+</file>
+
+<file path=ppt/notesSlides/notesSlide1.xml><?xml version="1.0" encoding="utf-8"?>
+<p:notes xmlns:a="http://schemas.openxmlformats.org/drawingml/2006/main" xmlns:r="http://schemas.openxmlformats.org/officeDocument/2006/relationships" xmlns:p="http://schemas.openxmlformats.org/presentationml/2006/main">
+  <p:cSld>
+    <p:spTree>
+      <p:nvGrpSpPr>
+        <p:cNvPr id="1" name=""/>
+        <p:cNvGrpSpPr/>
+        <p:nvPr/>
+      </p:nvGrpSpPr>
+      <p:grpSpPr>
+        <a:xfrm>
+          <a:off x="0" y="0"/>
+          <a:ext cx="0" cy="0"/>
+          <a:chOff x="0" y="0"/>
+          <a:chExt cx="0" cy="0"/>
+        </a:xfrm>
+      </p:grpSpPr>
+      <p:sp>
+        <p:nvSpPr>
+          <p:cNvPr id="2" name="Slide Image Placeholder 1"/>
+          <p:cNvSpPr>
+            <a:spLocks noGrp="1" noRot="1" noChangeAspect="1"/>
+          </p:cNvSpPr>
+          <p:nvPr>
+            <p:ph type="sldImg"/>
+          </p:nvPr>
+        </p:nvSpPr>
+        <p:spPr/>
+      </p:sp>
+      <p:sp>
+        <p:nvSpPr>
+          <p:cNvPr id="3" name="Notes Placeholder 2"/>
+          <p:cNvSpPr>
+            <a:spLocks noGrp="1"/>
+          </p:cNvSpPr>
+          <p:nvPr>
+            <p:ph type="body" idx="1"/>
+          </p:nvPr>
+        </p:nvSpPr>
+        <p:spPr/>
+        <p:txBody>
+          <a:bodyPr/>
+          <a:lstStyle/>
+          <a:p>
+            <a:endParaRPr lang="en-US" dirty="0"/>
+          </a:p>
+        </p:txBody>
+      </p:sp>
+      <p:sp>
+        <p:nvSpPr>
+          <p:cNvPr id="4" name="Slide Number Placeholder 3"/>
+          <p:cNvSpPr>
+            <a:spLocks noGrp="1"/>
+          </p:cNvSpPr>
+          <p:nvPr>
+            <p:ph type="sldNum" sz="quarter" idx="5"/>
+          </p:nvPr>
+        </p:nvSpPr>
+        <p:spPr/>
+        <p:txBody>
+          <a:bodyPr/>
+          <a:lstStyle/>
+          <a:p>
+            <a:pPr marL="0" marR="0" lvl="0" indent="0" algn="r" defTabSz="457200" rtl="0" eaLnBrk="1" fontAlgn="auto" latinLnBrk="0" hangingPunct="1">
+              <a:lnSpc>
+                <a:spcPct val="100000"/>
+              </a:lnSpc>
+              <a:spcBef>
+                <a:spcPts val="0"/>
+              </a:spcBef>
+              <a:spcAft>
+                <a:spcPts val="0"/>
+              </a:spcAft>
+              <a:buClrTx/>
+              <a:buSzTx/>
+              <a:buFontTx/>
+              <a:buNone/>
+              <a:tabLst/>
+              <a:defRPr/>
+            </a:pPr>
+            <a:fld id="{C6B3AB32-59DF-41F1-9618-EDFBF5049629}" type="slidenum">
+              <a:rPr kumimoji="0" lang="en-US" sz="1200" b="0" i="0" u="none" strike="noStrike" kern="1200" cap="none" spc="0" normalizeH="0" baseline="0" noProof="0" smtClean="0">
+                <a:ln>
+                  <a:noFill/>
+                </a:ln>
+                <a:solidFill>
+                  <a:prstClr val="black"/>
+                </a:solidFill>
+                <a:effectLst/>
+                <a:uLnTx/>
+                <a:uFillTx/>
+                <a:latin typeface="Calibri" panose="020F0502020204030204"/>
+                <a:ea typeface="+mn-ea"/>
+                <a:cs typeface="+mn-cs"/>
+              </a:rPr>
+              <a:pPr marL="0" marR="0" lvl="0" indent="0" algn="r" defTabSz="457200" rtl="0" eaLnBrk="1" fontAlgn="auto" latinLnBrk="0" hangingPunct="1">
+                <a:lnSpc>
+                  <a:spcPct val="100000"/>
+                </a:lnSpc>
+                <a:spcBef>
+                  <a:spcPts val="0"/>
+                </a:spcBef>
+                <a:spcAft>
+                  <a:spcPts val="0"/>
+                </a:spcAft>
+                <a:buClrTx/>
+                <a:buSzTx/>
+                <a:buFontTx/>
+                <a:buNone/>
+                <a:tabLst/>
+                <a:defRPr/>
+              </a:pPr>
+              <a:t>1</a:t>
+            </a:fld>
+            <a:endParaRPr kumimoji="0" lang="en-US" sz="1200" b="0" i="0" u="none" strike="noStrike" kern="1200" cap="none" spc="0" normalizeH="0" baseline="0" noProof="0" dirty="0">
+              <a:ln>
+                <a:noFill/>
+              </a:ln>
+              <a:solidFill>
+                <a:prstClr val="black"/>
+              </a:solidFill>
+              <a:effectLst/>
+              <a:uLnTx/>
+              <a:uFillTx/>
+              <a:latin typeface="Calibri" panose="020F0502020204030204"/>
+              <a:ea typeface="+mn-ea"/>
+              <a:cs typeface="+mn-cs"/>
+            </a:endParaRPr>
+          </a:p>
+        </p:txBody>
+      </p:sp>
+    </p:spTree>
+    <p:extLst>
+      <p:ext uri="{BB962C8B-B14F-4D97-AF65-F5344CB8AC3E}">
+        <p14:creationId xmlns:p14="http://schemas.microsoft.com/office/powerpoint/2010/main" val="431927585"/>
+      </p:ext>
+    </p:extLst>
+  </p:cSld>
+  <p:clrMapOvr>
+    <a:masterClrMapping/>
+  </p:clrMapOvr>
+</p:notes>
+</file>
+
+<file path=ppt/notesSlides/notesSlide2.xml><?xml version="1.0" encoding="utf-8"?>
+<p:notes xmlns:a="http://schemas.openxmlformats.org/drawingml/2006/main" xmlns:r="http://schemas.openxmlformats.org/officeDocument/2006/relationships" xmlns:p="http://schemas.openxmlformats.org/presentationml/2006/main">
+  <p:cSld>
+    <p:spTree>
+      <p:nvGrpSpPr>
+        <p:cNvPr id="1" name=""/>
+        <p:cNvGrpSpPr/>
+        <p:nvPr/>
+      </p:nvGrpSpPr>
+      <p:grpSpPr>
+        <a:xfrm>
+          <a:off x="0" y="0"/>
+          <a:ext cx="0" cy="0"/>
+          <a:chOff x="0" y="0"/>
+          <a:chExt cx="0" cy="0"/>
+        </a:xfrm>
+      </p:grpSpPr>
+      <p:sp>
+        <p:nvSpPr>
+          <p:cNvPr id="2" name="Slide Image Placeholder 1"/>
+          <p:cNvSpPr>
+            <a:spLocks noGrp="1" noRot="1" noChangeAspect="1"/>
+          </p:cNvSpPr>
+          <p:nvPr>
+            <p:ph type="sldImg"/>
+          </p:nvPr>
+        </p:nvSpPr>
+        <p:spPr/>
+      </p:sp>
+      <p:sp>
+        <p:nvSpPr>
+          <p:cNvPr id="3" name="Notes Placeholder 2"/>
+          <p:cNvSpPr>
+            <a:spLocks noGrp="1"/>
+          </p:cNvSpPr>
+          <p:nvPr>
+            <p:ph type="body" idx="1"/>
+          </p:nvPr>
+        </p:nvSpPr>
+        <p:spPr/>
+        <p:txBody>
+          <a:bodyPr/>
+          <a:lstStyle/>
+          <a:p>
+            <a:endParaRPr lang="en-US" dirty="0"/>
+          </a:p>
+        </p:txBody>
+      </p:sp>
+      <p:sp>
+        <p:nvSpPr>
+          <p:cNvPr id="4" name="Slide Number Placeholder 3"/>
+          <p:cNvSpPr>
+            <a:spLocks noGrp="1"/>
+          </p:cNvSpPr>
+          <p:nvPr>
+            <p:ph type="sldNum" sz="quarter" idx="5"/>
+          </p:nvPr>
+        </p:nvSpPr>
+        <p:spPr/>
+        <p:txBody>
+          <a:bodyPr/>
+          <a:lstStyle/>
+          <a:p>
+            <a:pPr marL="0" marR="0" lvl="0" indent="0" algn="r" defTabSz="457200" rtl="0" eaLnBrk="1" fontAlgn="auto" latinLnBrk="0" hangingPunct="1">
+              <a:lnSpc>
+                <a:spcPct val="100000"/>
+              </a:lnSpc>
+              <a:spcBef>
+                <a:spcPts val="0"/>
+              </a:spcBef>
+              <a:spcAft>
+                <a:spcPts val="0"/>
+              </a:spcAft>
+              <a:buClrTx/>
+              <a:buSzTx/>
+              <a:buFontTx/>
+              <a:buNone/>
+              <a:tabLst/>
+              <a:defRPr/>
+            </a:pPr>
+            <a:fld id="{C6B3AB32-59DF-41F1-9618-EDFBF5049629}" type="slidenum">
+              <a:rPr kumimoji="0" lang="en-US" sz="1200" b="0" i="0" u="none" strike="noStrike" kern="1200" cap="none" spc="0" normalizeH="0" baseline="0" noProof="0" smtClean="0">
+                <a:ln>
+                  <a:noFill/>
+                </a:ln>
+                <a:solidFill>
+                  <a:prstClr val="black"/>
+                </a:solidFill>
+                <a:effectLst/>
+                <a:uLnTx/>
+                <a:uFillTx/>
+                <a:latin typeface="Calibri" panose="020F0502020204030204"/>
+                <a:ea typeface="+mn-ea"/>
+                <a:cs typeface="+mn-cs"/>
+              </a:rPr>
+              <a:pPr marL="0" marR="0" lvl="0" indent="0" algn="r" defTabSz="457200" rtl="0" eaLnBrk="1" fontAlgn="auto" latinLnBrk="0" hangingPunct="1">
+                <a:lnSpc>
+                  <a:spcPct val="100000"/>
+                </a:lnSpc>
+                <a:spcBef>
+                  <a:spcPts val="0"/>
+                </a:spcBef>
+                <a:spcAft>
+                  <a:spcPts val="0"/>
+                </a:spcAft>
+                <a:buClrTx/>
+                <a:buSzTx/>
+                <a:buFontTx/>
+                <a:buNone/>
+                <a:tabLst/>
+                <a:defRPr/>
+              </a:pPr>
+              <a:t>2</a:t>
+            </a:fld>
+            <a:endParaRPr kumimoji="0" lang="en-US" sz="1200" b="0" i="0" u="none" strike="noStrike" kern="1200" cap="none" spc="0" normalizeH="0" baseline="0" noProof="0" dirty="0">
+              <a:ln>
+                <a:noFill/>
+              </a:ln>
+              <a:solidFill>
+                <a:prstClr val="black"/>
+              </a:solidFill>
+              <a:effectLst/>
+              <a:uLnTx/>
+              <a:uFillTx/>
+              <a:latin typeface="Calibri" panose="020F0502020204030204"/>
+              <a:ea typeface="+mn-ea"/>
+              <a:cs typeface="+mn-cs"/>
+            </a:endParaRPr>
+          </a:p>
+        </p:txBody>
+      </p:sp>
+    </p:spTree>
+    <p:extLst>
+      <p:ext uri="{BB962C8B-B14F-4D97-AF65-F5344CB8AC3E}">
+        <p14:creationId xmlns:p14="http://schemas.microsoft.com/office/powerpoint/2010/main" val="1375665718"/>
+      </p:ext>
+    </p:extLst>
+  </p:cSld>
+  <p:clrMapOvr>
+    <a:masterClrMapping/>
+  </p:clrMapOvr>
+</p:notes>
+</file>
+
+<file path=ppt/notesSlides/notesSlide3.xml><?xml version="1.0" encoding="utf-8"?>
+<p:notes xmlns:a="http://schemas.openxmlformats.org/drawingml/2006/main" xmlns:r="http://schemas.openxmlformats.org/officeDocument/2006/relationships" xmlns:p="http://schemas.openxmlformats.org/presentationml/2006/main">
+  <p:cSld>
+    <p:spTree>
+      <p:nvGrpSpPr>
+        <p:cNvPr id="1" name=""/>
+        <p:cNvGrpSpPr/>
+        <p:nvPr/>
+      </p:nvGrpSpPr>
+      <p:grpSpPr>
+        <a:xfrm>
+          <a:off x="0" y="0"/>
+          <a:ext cx="0" cy="0"/>
+          <a:chOff x="0" y="0"/>
+          <a:chExt cx="0" cy="0"/>
+        </a:xfrm>
+      </p:grpSpPr>
+      <p:sp>
+        <p:nvSpPr>
+          <p:cNvPr id="2" name="Slide Image Placeholder 1"/>
+          <p:cNvSpPr>
+            <a:spLocks noGrp="1" noRot="1" noChangeAspect="1"/>
+          </p:cNvSpPr>
+          <p:nvPr>
+            <p:ph type="sldImg"/>
+          </p:nvPr>
+        </p:nvSpPr>
+        <p:spPr/>
+      </p:sp>
+      <p:sp>
+        <p:nvSpPr>
+          <p:cNvPr id="3" name="Notes Placeholder 2"/>
+          <p:cNvSpPr>
+            <a:spLocks noGrp="1"/>
+          </p:cNvSpPr>
+          <p:nvPr>
+            <p:ph type="body" idx="1"/>
+          </p:nvPr>
+        </p:nvSpPr>
+        <p:spPr/>
+        <p:txBody>
+          <a:bodyPr/>
+          <a:lstStyle/>
+          <a:p>
+            <a:endParaRPr lang="en-US" dirty="0"/>
+          </a:p>
+        </p:txBody>
+      </p:sp>
+      <p:sp>
+        <p:nvSpPr>
+          <p:cNvPr id="4" name="Slide Number Placeholder 3"/>
+          <p:cNvSpPr>
+            <a:spLocks noGrp="1"/>
+          </p:cNvSpPr>
+          <p:nvPr>
+            <p:ph type="sldNum" sz="quarter" idx="5"/>
+          </p:nvPr>
+        </p:nvSpPr>
+        <p:spPr/>
+        <p:txBody>
+          <a:bodyPr/>
+          <a:lstStyle/>
+          <a:p>
+            <a:pPr marL="0" marR="0" lvl="0" indent="0" algn="r" defTabSz="457200" rtl="0" eaLnBrk="1" fontAlgn="auto" latinLnBrk="0" hangingPunct="1">
+              <a:lnSpc>
+                <a:spcPct val="100000"/>
+              </a:lnSpc>
+              <a:spcBef>
+                <a:spcPts val="0"/>
+              </a:spcBef>
+              <a:spcAft>
+                <a:spcPts val="0"/>
+              </a:spcAft>
+              <a:buClrTx/>
+              <a:buSzTx/>
+              <a:buFontTx/>
+              <a:buNone/>
+              <a:tabLst/>
+              <a:defRPr/>
+            </a:pPr>
+            <a:fld id="{C6B3AB32-59DF-41F1-9618-EDFBF5049629}" type="slidenum">
+              <a:rPr kumimoji="0" lang="en-US" sz="1200" b="0" i="0" u="none" strike="noStrike" kern="1200" cap="none" spc="0" normalizeH="0" baseline="0" noProof="0" smtClean="0">
+                <a:ln>
+                  <a:noFill/>
+                </a:ln>
+                <a:solidFill>
+                  <a:prstClr val="black"/>
+                </a:solidFill>
+                <a:effectLst/>
+                <a:uLnTx/>
+                <a:uFillTx/>
+                <a:latin typeface="Calibri" panose="020F0502020204030204"/>
+                <a:ea typeface="+mn-ea"/>
+                <a:cs typeface="+mn-cs"/>
+              </a:rPr>
+              <a:pPr marL="0" marR="0" lvl="0" indent="0" algn="r" defTabSz="457200" rtl="0" eaLnBrk="1" fontAlgn="auto" latinLnBrk="0" hangingPunct="1">
+                <a:lnSpc>
+                  <a:spcPct val="100000"/>
+                </a:lnSpc>
+                <a:spcBef>
+                  <a:spcPts val="0"/>
+                </a:spcBef>
+                <a:spcAft>
+                  <a:spcPts val="0"/>
+                </a:spcAft>
+                <a:buClrTx/>
+                <a:buSzTx/>
+                <a:buFontTx/>
+                <a:buNone/>
+                <a:tabLst/>
+                <a:defRPr/>
+              </a:pPr>
+              <a:t>3</a:t>
+            </a:fld>
+            <a:endParaRPr kumimoji="0" lang="en-US" sz="1200" b="0" i="0" u="none" strike="noStrike" kern="1200" cap="none" spc="0" normalizeH="0" baseline="0" noProof="0" dirty="0">
+              <a:ln>
+                <a:noFill/>
+              </a:ln>
+              <a:solidFill>
+                <a:prstClr val="black"/>
+              </a:solidFill>
+              <a:effectLst/>
+              <a:uLnTx/>
+              <a:uFillTx/>
+              <a:latin typeface="Calibri" panose="020F0502020204030204"/>
+              <a:ea typeface="+mn-ea"/>
+              <a:cs typeface="+mn-cs"/>
+            </a:endParaRPr>
+          </a:p>
+        </p:txBody>
+      </p:sp>
+    </p:spTree>
+    <p:extLst>
+      <p:ext uri="{BB962C8B-B14F-4D97-AF65-F5344CB8AC3E}">
+        <p14:creationId xmlns:p14="http://schemas.microsoft.com/office/powerpoint/2010/main" val="473722797"/>
+      </p:ext>
+    </p:extLst>
+  </p:cSld>
+  <p:clrMapOvr>
+    <a:masterClrMapping/>
+  </p:clrMapOvr>
+</p:notes>
+</file>
+
+<file path=ppt/notesSlides/notesSlide4.xml><?xml version="1.0" encoding="utf-8"?>
+<p:notes xmlns:a="http://schemas.openxmlformats.org/drawingml/2006/main" xmlns:r="http://schemas.openxmlformats.org/officeDocument/2006/relationships" xmlns:p="http://schemas.openxmlformats.org/presentationml/2006/main">
+  <p:cSld>
+    <p:spTree>
+      <p:nvGrpSpPr>
+        <p:cNvPr id="1" name=""/>
+        <p:cNvGrpSpPr/>
+        <p:nvPr/>
+      </p:nvGrpSpPr>
+      <p:grpSpPr>
+        <a:xfrm>
+          <a:off x="0" y="0"/>
+          <a:ext cx="0" cy="0"/>
+          <a:chOff x="0" y="0"/>
+          <a:chExt cx="0" cy="0"/>
+        </a:xfrm>
+      </p:grpSpPr>
+      <p:sp>
+        <p:nvSpPr>
+          <p:cNvPr id="2" name="Slide Image Placeholder 1"/>
+          <p:cNvSpPr>
+            <a:spLocks noGrp="1" noRot="1" noChangeAspect="1"/>
+          </p:cNvSpPr>
+          <p:nvPr>
+            <p:ph type="sldImg"/>
+          </p:nvPr>
+        </p:nvSpPr>
+        <p:spPr/>
+      </p:sp>
+      <p:sp>
+        <p:nvSpPr>
+          <p:cNvPr id="3" name="Notes Placeholder 2"/>
+          <p:cNvSpPr>
+            <a:spLocks noGrp="1"/>
+          </p:cNvSpPr>
+          <p:nvPr>
+            <p:ph type="body" idx="1"/>
+          </p:nvPr>
+        </p:nvSpPr>
+        <p:spPr/>
+        <p:txBody>
+          <a:bodyPr/>
+          <a:lstStyle/>
+          <a:p>
+            <a:endParaRPr lang="en-US" dirty="0"/>
+          </a:p>
+        </p:txBody>
+      </p:sp>
+      <p:sp>
+        <p:nvSpPr>
+          <p:cNvPr id="4" name="Slide Number Placeholder 3"/>
+          <p:cNvSpPr>
+            <a:spLocks noGrp="1"/>
+          </p:cNvSpPr>
+          <p:nvPr>
+            <p:ph type="sldNum" sz="quarter" idx="5"/>
+          </p:nvPr>
+        </p:nvSpPr>
+        <p:spPr/>
+        <p:txBody>
+          <a:bodyPr/>
+          <a:lstStyle/>
+          <a:p>
+            <a:pPr marL="0" marR="0" lvl="0" indent="0" algn="r" defTabSz="457200" rtl="0" eaLnBrk="1" fontAlgn="auto" latinLnBrk="0" hangingPunct="1">
+              <a:lnSpc>
+                <a:spcPct val="100000"/>
+              </a:lnSpc>
+              <a:spcBef>
+                <a:spcPts val="0"/>
+              </a:spcBef>
+              <a:spcAft>
+                <a:spcPts val="0"/>
+              </a:spcAft>
+              <a:buClrTx/>
+              <a:buSzTx/>
+              <a:buFontTx/>
+              <a:buNone/>
+              <a:tabLst/>
+              <a:defRPr/>
+            </a:pPr>
+            <a:fld id="{C6B3AB32-59DF-41F1-9618-EDFBF5049629}" type="slidenum">
+              <a:rPr kumimoji="0" lang="en-US" sz="1200" b="0" i="0" u="none" strike="noStrike" kern="1200" cap="none" spc="0" normalizeH="0" baseline="0" noProof="0" smtClean="0">
+                <a:ln>
+                  <a:noFill/>
+                </a:ln>
+                <a:solidFill>
+                  <a:prstClr val="black"/>
+                </a:solidFill>
+                <a:effectLst/>
+                <a:uLnTx/>
+                <a:uFillTx/>
+                <a:latin typeface="Calibri" panose="020F0502020204030204"/>
+                <a:ea typeface="+mn-ea"/>
+                <a:cs typeface="+mn-cs"/>
+              </a:rPr>
+              <a:pPr marL="0" marR="0" lvl="0" indent="0" algn="r" defTabSz="457200" rtl="0" eaLnBrk="1" fontAlgn="auto" latinLnBrk="0" hangingPunct="1">
+                <a:lnSpc>
+                  <a:spcPct val="100000"/>
+                </a:lnSpc>
+                <a:spcBef>
+                  <a:spcPts val="0"/>
+                </a:spcBef>
+                <a:spcAft>
+                  <a:spcPts val="0"/>
+                </a:spcAft>
+                <a:buClrTx/>
+                <a:buSzTx/>
+                <a:buFontTx/>
+                <a:buNone/>
+                <a:tabLst/>
+                <a:defRPr/>
+              </a:pPr>
+              <a:t>4</a:t>
+            </a:fld>
+            <a:endParaRPr kumimoji="0" lang="en-US" sz="1200" b="0" i="0" u="none" strike="noStrike" kern="1200" cap="none" spc="0" normalizeH="0" baseline="0" noProof="0" dirty="0">
+              <a:ln>
+                <a:noFill/>
+              </a:ln>
+              <a:solidFill>
+                <a:prstClr val="black"/>
+              </a:solidFill>
+              <a:effectLst/>
+              <a:uLnTx/>
+              <a:uFillTx/>
+              <a:latin typeface="Calibri" panose="020F0502020204030204"/>
+              <a:ea typeface="+mn-ea"/>
+              <a:cs typeface="+mn-cs"/>
+            </a:endParaRPr>
+          </a:p>
+        </p:txBody>
+      </p:sp>
+    </p:spTree>
+    <p:extLst>
+      <p:ext uri="{BB962C8B-B14F-4D97-AF65-F5344CB8AC3E}">
+        <p14:creationId xmlns:p14="http://schemas.microsoft.com/office/powerpoint/2010/main" val="2892397230"/>
+      </p:ext>
+    </p:extLst>
+  </p:cSld>
+  <p:clrMapOvr>
+    <a:masterClrMapping/>
+  </p:clrMapOvr>
+</p:notes>
 </file>
 
 <file path=ppt/slideLayouts/slideLayout1.xml><?xml version="1.0" encoding="utf-8"?>
@@ -126,200 +1063,317 @@
       </p:grpSpPr>
       <p:sp>
         <p:nvSpPr>
-          <p:cNvPr id="2" name="Title 1">
-            <a:extLst>
-              <a:ext uri="{FF2B5EF4-FFF2-40B4-BE49-F238E27FC236}">
-                <a16:creationId xmlns:a16="http://schemas.microsoft.com/office/drawing/2014/main" id="{3F2C57F9-B4FC-545B-C473-2AEC0693A75D}"/>
-              </a:ext>
-            </a:extLst>
-          </p:cNvPr>
-          <p:cNvSpPr>
-            <a:spLocks noGrp="1"/>
-          </p:cNvSpPr>
-          <p:nvPr>
-            <p:ph type="ctrTitle"/>
-          </p:nvPr>
+          <p:cNvPr id="7" name="Rectangle 6"/>
+          <p:cNvSpPr/>
+          <p:nvPr/>
         </p:nvSpPr>
         <p:spPr>
           <a:xfrm>
-            <a:off x="1524000" y="1122363"/>
-            <a:ext cx="9144000" cy="2387600"/>
+            <a:off x="464567" y="1355288"/>
+            <a:ext cx="11262866" cy="3304800"/>
+          </a:xfrm>
+          <a:prstGeom prst="rect">
+            <a:avLst/>
+          </a:prstGeom>
+          <a:solidFill>
+            <a:schemeClr val="accent1"/>
+          </a:solidFill>
+          <a:ln>
+            <a:noFill/>
+          </a:ln>
+          <a:effectLst/>
+        </p:spPr>
+        <p:style>
+          <a:lnRef idx="1">
+            <a:schemeClr val="accent1"/>
+          </a:lnRef>
+          <a:fillRef idx="3">
+            <a:schemeClr val="accent1"/>
+          </a:fillRef>
+          <a:effectRef idx="2">
+            <a:schemeClr val="accent1"/>
+          </a:effectRef>
+          <a:fontRef idx="minor">
+            <a:schemeClr val="lt1"/>
+          </a:fontRef>
+        </p:style>
+      </p:sp>
+      <p:sp>
+        <p:nvSpPr>
+          <p:cNvPr id="2" name="Title 1"/>
+          <p:cNvSpPr>
+            <a:spLocks noGrp="1"/>
+          </p:cNvSpPr>
+          <p:nvPr>
+            <p:ph type="ctrTitle"/>
+          </p:nvPr>
+        </p:nvSpPr>
+        <p:spPr>
+          <a:xfrm>
+            <a:off x="581191" y="1020431"/>
+            <a:ext cx="10993549" cy="1475013"/>
+          </a:xfrm>
+          <a:effectLst/>
+        </p:spPr>
+        <p:txBody>
+          <a:bodyPr anchor="b">
+            <a:normAutofit/>
+          </a:bodyPr>
+          <a:lstStyle>
+            <a:lvl1pPr>
+              <a:defRPr sz="3600">
+                <a:solidFill>
+                  <a:schemeClr val="accent1"/>
+                </a:solidFill>
+              </a:defRPr>
+            </a:lvl1pPr>
+          </a:lstStyle>
+          <a:p>
+            <a:r>
+              <a:rPr lang="en-US"/>
+              <a:t>Click to edit Master title style</a:t>
+            </a:r>
+            <a:endParaRPr lang="en-US" dirty="0"/>
+          </a:p>
+        </p:txBody>
+      </p:sp>
+      <p:sp>
+        <p:nvSpPr>
+          <p:cNvPr id="3" name="Subtitle 2"/>
+          <p:cNvSpPr>
+            <a:spLocks noGrp="1"/>
+          </p:cNvSpPr>
+          <p:nvPr>
+            <p:ph type="subTitle" idx="1"/>
+          </p:nvPr>
+        </p:nvSpPr>
+        <p:spPr>
+          <a:xfrm>
+            <a:off x="581194" y="2495445"/>
+            <a:ext cx="10993546" cy="590321"/>
           </a:xfrm>
         </p:spPr>
         <p:txBody>
-          <a:bodyPr anchor="b"/>
+          <a:bodyPr anchor="t">
+            <a:normAutofit/>
+          </a:bodyPr>
           <a:lstStyle>
-            <a:lvl1pPr algn="ctr">
-              <a:defRPr sz="6000"/>
+            <a:lvl1pPr marL="0" indent="0" algn="l">
+              <a:buNone/>
+              <a:defRPr sz="1600" cap="all">
+                <a:solidFill>
+                  <a:schemeClr val="accent2"/>
+                </a:solidFill>
+              </a:defRPr>
+            </a:lvl1pPr>
+            <a:lvl2pPr marL="457200" indent="0" algn="ctr">
+              <a:buNone/>
+              <a:defRPr>
+                <a:solidFill>
+                  <a:schemeClr val="tx1">
+                    <a:tint val="75000"/>
+                  </a:schemeClr>
+                </a:solidFill>
+              </a:defRPr>
+            </a:lvl2pPr>
+            <a:lvl3pPr marL="914400" indent="0" algn="ctr">
+              <a:buNone/>
+              <a:defRPr>
+                <a:solidFill>
+                  <a:schemeClr val="tx1">
+                    <a:tint val="75000"/>
+                  </a:schemeClr>
+                </a:solidFill>
+              </a:defRPr>
+            </a:lvl3pPr>
+            <a:lvl4pPr marL="1371600" indent="0" algn="ctr">
+              <a:buNone/>
+              <a:defRPr>
+                <a:solidFill>
+                  <a:schemeClr val="tx1">
+                    <a:tint val="75000"/>
+                  </a:schemeClr>
+                </a:solidFill>
+              </a:defRPr>
+            </a:lvl4pPr>
+            <a:lvl5pPr marL="1828800" indent="0" algn="ctr">
+              <a:buNone/>
+              <a:defRPr>
+                <a:solidFill>
+                  <a:schemeClr val="tx1">
+                    <a:tint val="75000"/>
+                  </a:schemeClr>
+                </a:solidFill>
+              </a:defRPr>
+            </a:lvl5pPr>
+            <a:lvl6pPr marL="2286000" indent="0" algn="ctr">
+              <a:buNone/>
+              <a:defRPr>
+                <a:solidFill>
+                  <a:schemeClr val="tx1">
+                    <a:tint val="75000"/>
+                  </a:schemeClr>
+                </a:solidFill>
+              </a:defRPr>
+            </a:lvl6pPr>
+            <a:lvl7pPr marL="2743200" indent="0" algn="ctr">
+              <a:buNone/>
+              <a:defRPr>
+                <a:solidFill>
+                  <a:schemeClr val="tx1">
+                    <a:tint val="75000"/>
+                  </a:schemeClr>
+                </a:solidFill>
+              </a:defRPr>
+            </a:lvl7pPr>
+            <a:lvl8pPr marL="3200400" indent="0" algn="ctr">
+              <a:buNone/>
+              <a:defRPr>
+                <a:solidFill>
+                  <a:schemeClr val="tx1">
+                    <a:tint val="75000"/>
+                  </a:schemeClr>
+                </a:solidFill>
+              </a:defRPr>
+            </a:lvl8pPr>
+            <a:lvl9pPr marL="3657600" indent="0" algn="ctr">
+              <a:buNone/>
+              <a:defRPr>
+                <a:solidFill>
+                  <a:schemeClr val="tx1">
+                    <a:tint val="75000"/>
+                  </a:schemeClr>
+                </a:solidFill>
+              </a:defRPr>
+            </a:lvl9pPr>
+          </a:lstStyle>
+          <a:p>
+            <a:r>
+              <a:rPr lang="en-US"/>
+              <a:t>Click to edit Master subtitle style</a:t>
+            </a:r>
+            <a:endParaRPr lang="en-US" dirty="0"/>
+          </a:p>
+        </p:txBody>
+      </p:sp>
+      <p:sp>
+        <p:nvSpPr>
+          <p:cNvPr id="4" name="Date Placeholder 3"/>
+          <p:cNvSpPr>
+            <a:spLocks noGrp="1"/>
+          </p:cNvSpPr>
+          <p:nvPr>
+            <p:ph type="dt" sz="half" idx="10"/>
+          </p:nvPr>
+        </p:nvSpPr>
+        <p:spPr>
+          <a:xfrm>
+            <a:off x="7605951" y="5956137"/>
+            <a:ext cx="2844800" cy="365125"/>
+          </a:xfrm>
+        </p:spPr>
+        <p:txBody>
+          <a:bodyPr/>
+          <a:lstStyle>
+            <a:lvl1pPr>
+              <a:defRPr>
+                <a:solidFill>
+                  <a:schemeClr val="accent1">
+                    <a:lumMod val="75000"/>
+                    <a:lumOff val="25000"/>
+                  </a:schemeClr>
+                </a:solidFill>
+              </a:defRPr>
             </a:lvl1pPr>
           </a:lstStyle>
           <a:p>
-            <a:r>
-              <a:rPr lang="en-US"/>
-              <a:t>Click to edit Master title style</a:t>
-            </a:r>
-            <a:endParaRPr lang="en-IN"/>
-          </a:p>
-        </p:txBody>
-      </p:sp>
-      <p:sp>
-        <p:nvSpPr>
-          <p:cNvPr id="3" name="Subtitle 2">
-            <a:extLst>
-              <a:ext uri="{FF2B5EF4-FFF2-40B4-BE49-F238E27FC236}">
-                <a16:creationId xmlns:a16="http://schemas.microsoft.com/office/drawing/2014/main" id="{836A18C0-CCD8-4F8C-40B6-D336FA594331}"/>
-              </a:ext>
-            </a:extLst>
-          </p:cNvPr>
-          <p:cNvSpPr>
-            <a:spLocks noGrp="1"/>
-          </p:cNvSpPr>
-          <p:nvPr>
-            <p:ph type="subTitle" idx="1"/>
+            <a:fld id="{54695789-8D22-4BBB-9170-D93AA0BD7898}" type="datetime1">
+              <a:rPr lang="en-US" smtClean="0"/>
+              <a:t>8/18/2022</a:t>
+            </a:fld>
+            <a:endParaRPr lang="en-US" dirty="0"/>
+          </a:p>
+        </p:txBody>
+      </p:sp>
+      <p:sp>
+        <p:nvSpPr>
+          <p:cNvPr id="5" name="Footer Placeholder 4"/>
+          <p:cNvSpPr>
+            <a:spLocks noGrp="1"/>
+          </p:cNvSpPr>
+          <p:nvPr>
+            <p:ph type="ftr" sz="quarter" idx="11"/>
           </p:nvPr>
         </p:nvSpPr>
         <p:spPr>
           <a:xfrm>
-            <a:off x="1524000" y="3602038"/>
-            <a:ext cx="9144000" cy="1655762"/>
+            <a:off x="581192" y="5951811"/>
+            <a:ext cx="6917210" cy="365125"/>
           </a:xfrm>
         </p:spPr>
         <p:txBody>
           <a:bodyPr/>
           <a:lstStyle>
-            <a:lvl1pPr marL="0" indent="0" algn="ctr">
-              <a:buNone/>
-              <a:defRPr sz="2400"/>
+            <a:lvl1pPr>
+              <a:defRPr>
+                <a:solidFill>
+                  <a:schemeClr val="accent1">
+                    <a:lumMod val="75000"/>
+                    <a:lumOff val="25000"/>
+                  </a:schemeClr>
+                </a:solidFill>
+              </a:defRPr>
             </a:lvl1pPr>
-            <a:lvl2pPr marL="457200" indent="0" algn="ctr">
-              <a:buNone/>
-              <a:defRPr sz="2000"/>
-            </a:lvl2pPr>
-            <a:lvl3pPr marL="914400" indent="0" algn="ctr">
-              <a:buNone/>
-              <a:defRPr sz="1800"/>
-            </a:lvl3pPr>
-            <a:lvl4pPr marL="1371600" indent="0" algn="ctr">
-              <a:buNone/>
-              <a:defRPr sz="1600"/>
-            </a:lvl4pPr>
-            <a:lvl5pPr marL="1828800" indent="0" algn="ctr">
-              <a:buNone/>
-              <a:defRPr sz="1600"/>
-            </a:lvl5pPr>
-            <a:lvl6pPr marL="2286000" indent="0" algn="ctr">
-              <a:buNone/>
-              <a:defRPr sz="1600"/>
-            </a:lvl6pPr>
-            <a:lvl7pPr marL="2743200" indent="0" algn="ctr">
-              <a:buNone/>
-              <a:defRPr sz="1600"/>
-            </a:lvl7pPr>
-            <a:lvl8pPr marL="3200400" indent="0" algn="ctr">
-              <a:buNone/>
-              <a:defRPr sz="1600"/>
-            </a:lvl8pPr>
-            <a:lvl9pPr marL="3657600" indent="0" algn="ctr">
-              <a:buNone/>
-              <a:defRPr sz="1600"/>
-            </a:lvl9pPr>
           </a:lstStyle>
           <a:p>
-            <a:r>
-              <a:rPr lang="en-US"/>
-              <a:t>Click to edit Master subtitle style</a:t>
-            </a:r>
-            <a:endParaRPr lang="en-IN"/>
-          </a:p>
-        </p:txBody>
-      </p:sp>
-      <p:sp>
-        <p:nvSpPr>
-          <p:cNvPr id="4" name="Date Placeholder 3">
-            <a:extLst>
-              <a:ext uri="{FF2B5EF4-FFF2-40B4-BE49-F238E27FC236}">
-                <a16:creationId xmlns:a16="http://schemas.microsoft.com/office/drawing/2014/main" id="{59EC4F73-8FB3-BC37-2C06-43ED0ABAEAE7}"/>
-              </a:ext>
-            </a:extLst>
-          </p:cNvPr>
-          <p:cNvSpPr>
-            <a:spLocks noGrp="1"/>
-          </p:cNvSpPr>
-          <p:nvPr>
-            <p:ph type="dt" sz="half" idx="10"/>
-          </p:nvPr>
-        </p:nvSpPr>
-        <p:spPr/>
+            <a:endParaRPr lang="en-US" dirty="0"/>
+          </a:p>
+        </p:txBody>
+      </p:sp>
+      <p:sp>
+        <p:nvSpPr>
+          <p:cNvPr id="6" name="Slide Number Placeholder 5"/>
+          <p:cNvSpPr>
+            <a:spLocks noGrp="1"/>
+          </p:cNvSpPr>
+          <p:nvPr>
+            <p:ph type="sldNum" sz="quarter" idx="12"/>
+          </p:nvPr>
+        </p:nvSpPr>
+        <p:spPr>
+          <a:xfrm>
+            <a:off x="10558300" y="5956137"/>
+            <a:ext cx="1016440" cy="365125"/>
+          </a:xfrm>
+        </p:spPr>
         <p:txBody>
           <a:bodyPr/>
-          <a:lstStyle/>
-          <a:p>
-            <a:fld id="{611936E0-B627-4E1C-9547-8319A602A7B6}" type="datetimeFigureOut">
-              <a:rPr lang="en-IN" smtClean="0"/>
-              <a:t>18-08-2022</a:t>
-            </a:fld>
-            <a:endParaRPr lang="en-IN"/>
-          </a:p>
-        </p:txBody>
-      </p:sp>
-      <p:sp>
-        <p:nvSpPr>
-          <p:cNvPr id="5" name="Footer Placeholder 4">
-            <a:extLst>
-              <a:ext uri="{FF2B5EF4-FFF2-40B4-BE49-F238E27FC236}">
-                <a16:creationId xmlns:a16="http://schemas.microsoft.com/office/drawing/2014/main" id="{F358F18E-6CA9-51A9-4009-8FF8D80D326A}"/>
-              </a:ext>
-            </a:extLst>
-          </p:cNvPr>
-          <p:cNvSpPr>
-            <a:spLocks noGrp="1"/>
-          </p:cNvSpPr>
-          <p:nvPr>
-            <p:ph type="ftr" sz="quarter" idx="11"/>
-          </p:nvPr>
-        </p:nvSpPr>
-        <p:spPr/>
-        <p:txBody>
-          <a:bodyPr/>
-          <a:lstStyle/>
-          <a:p>
-            <a:endParaRPr lang="en-IN"/>
-          </a:p>
-        </p:txBody>
-      </p:sp>
-      <p:sp>
-        <p:nvSpPr>
-          <p:cNvPr id="6" name="Slide Number Placeholder 5">
-            <a:extLst>
-              <a:ext uri="{FF2B5EF4-FFF2-40B4-BE49-F238E27FC236}">
-                <a16:creationId xmlns:a16="http://schemas.microsoft.com/office/drawing/2014/main" id="{ABA93CC1-8EB1-2C8A-20C9-56CC63156177}"/>
-              </a:ext>
-            </a:extLst>
-          </p:cNvPr>
-          <p:cNvSpPr>
-            <a:spLocks noGrp="1"/>
-          </p:cNvSpPr>
-          <p:nvPr>
-            <p:ph type="sldNum" sz="quarter" idx="12"/>
-          </p:nvPr>
-        </p:nvSpPr>
-        <p:spPr/>
-        <p:txBody>
-          <a:bodyPr/>
-          <a:lstStyle/>
-          <a:p>
-            <a:fld id="{8C03C3B1-0BAE-4F9C-A912-AA6A00B43AA9}" type="slidenum">
-              <a:rPr lang="en-IN" smtClean="0"/>
+          <a:lstStyle>
+            <a:lvl1pPr>
+              <a:defRPr>
+                <a:solidFill>
+                  <a:schemeClr val="accent1">
+                    <a:lumMod val="75000"/>
+                    <a:lumOff val="25000"/>
+                  </a:schemeClr>
+                </a:solidFill>
+              </a:defRPr>
+            </a:lvl1pPr>
+          </a:lstStyle>
+          <a:p>
+            <a:fld id="{D57F1E4F-1CFF-5643-939E-217C01CDF565}" type="slidenum">
+              <a:rPr lang="en-US" smtClean="0"/>
+              <a:pPr/>
               <a:t>‹#›</a:t>
             </a:fld>
-            <a:endParaRPr lang="en-IN"/>
+            <a:endParaRPr lang="en-US" dirty="0"/>
           </a:p>
         </p:txBody>
       </p:sp>
     </p:spTree>
     <p:extLst>
       <p:ext uri="{BB962C8B-B14F-4D97-AF65-F5344CB8AC3E}">
-        <p14:creationId xmlns:p14="http://schemas.microsoft.com/office/powerpoint/2010/main" val="3284499376"/>
+        <p14:creationId xmlns:p14="http://schemas.microsoft.com/office/powerpoint/2010/main" val="3826209467"/>
       </p:ext>
     </p:extLst>
   </p:cSld>
@@ -348,13 +1402,46 @@
       </p:grpSpPr>
       <p:sp>
         <p:nvSpPr>
-          <p:cNvPr id="2" name="Title 1">
-            <a:extLst>
-              <a:ext uri="{FF2B5EF4-FFF2-40B4-BE49-F238E27FC236}">
-                <a16:creationId xmlns:a16="http://schemas.microsoft.com/office/drawing/2014/main" id="{D8E097FE-6257-8B93-DA99-96C0B579AC21}"/>
-              </a:ext>
-            </a:extLst>
-          </p:cNvPr>
+          <p:cNvPr id="8" name="Rectangle 7"/>
+          <p:cNvSpPr>
+            <a:spLocks noChangeAspect="1"/>
+          </p:cNvSpPr>
+          <p:nvPr/>
+        </p:nvSpPr>
+        <p:spPr>
+          <a:xfrm>
+            <a:off x="440286" y="614407"/>
+            <a:ext cx="11309338" cy="1189298"/>
+          </a:xfrm>
+          <a:prstGeom prst="rect">
+            <a:avLst/>
+          </a:prstGeom>
+          <a:solidFill>
+            <a:schemeClr val="accent1"/>
+          </a:solidFill>
+          <a:ln>
+            <a:noFill/>
+          </a:ln>
+          <a:effectLst/>
+        </p:spPr>
+        <p:style>
+          <a:lnRef idx="1">
+            <a:schemeClr val="accent1"/>
+          </a:lnRef>
+          <a:fillRef idx="3">
+            <a:schemeClr val="accent1"/>
+          </a:fillRef>
+          <a:effectRef idx="2">
+            <a:schemeClr val="accent1"/>
+          </a:effectRef>
+          <a:fontRef idx="minor">
+            <a:schemeClr val="lt1"/>
+          </a:fontRef>
+        </p:style>
+      </p:sp>
+      <p:sp>
+        <p:nvSpPr>
+          <p:cNvPr id="9" name="Title 1"/>
           <p:cNvSpPr>
             <a:spLocks noGrp="1"/>
           </p:cNvSpPr>
@@ -362,7 +1449,12 @@
             <p:ph type="title"/>
           </p:nvPr>
         </p:nvSpPr>
-        <p:spPr/>
+        <p:spPr>
+          <a:xfrm>
+            <a:off x="581192" y="702156"/>
+            <a:ext cx="11029616" cy="1013800"/>
+          </a:xfrm>
+        </p:spPr>
         <p:txBody>
           <a:bodyPr/>
           <a:lstStyle/>
@@ -371,19 +1463,13 @@
               <a:rPr lang="en-US"/>
               <a:t>Click to edit Master title style</a:t>
             </a:r>
-            <a:endParaRPr lang="en-IN"/>
-          </a:p>
-        </p:txBody>
-      </p:sp>
-      <p:sp>
-        <p:nvSpPr>
-          <p:cNvPr id="3" name="Vertical Text Placeholder 2">
-            <a:extLst>
-              <a:ext uri="{FF2B5EF4-FFF2-40B4-BE49-F238E27FC236}">
-                <a16:creationId xmlns:a16="http://schemas.microsoft.com/office/drawing/2014/main" id="{7FBB2D7E-33D1-2D71-711F-4321A6198362}"/>
-              </a:ext>
-            </a:extLst>
-          </p:cNvPr>
+            <a:endParaRPr lang="en-US" dirty="0"/>
+          </a:p>
+        </p:txBody>
+      </p:sp>
+      <p:sp>
+        <p:nvSpPr>
+          <p:cNvPr id="3" name="Vertical Text Placeholder 2"/>
           <p:cNvSpPr>
             <a:spLocks noGrp="1"/>
           </p:cNvSpPr>
@@ -393,8 +1479,24 @@
         </p:nvSpPr>
         <p:spPr/>
         <p:txBody>
-          <a:bodyPr vert="eaVert"/>
-          <a:lstStyle/>
+          <a:bodyPr vert="eaVert" anchor="t"/>
+          <a:lstStyle>
+            <a:lvl1pPr algn="l">
+              <a:defRPr/>
+            </a:lvl1pPr>
+            <a:lvl2pPr algn="l">
+              <a:defRPr/>
+            </a:lvl2pPr>
+            <a:lvl3pPr algn="l">
+              <a:defRPr/>
+            </a:lvl3pPr>
+            <a:lvl4pPr algn="l">
+              <a:defRPr/>
+            </a:lvl4pPr>
+            <a:lvl5pPr algn="l">
+              <a:defRPr/>
+            </a:lvl5pPr>
+          </a:lstStyle>
           <a:p>
             <a:pPr lvl="0"/>
             <a:r>
@@ -429,19 +1531,13 @@
               <a:rPr lang="en-US"/>
               <a:t>Fifth level</a:t>
             </a:r>
-            <a:endParaRPr lang="en-IN"/>
-          </a:p>
-        </p:txBody>
-      </p:sp>
-      <p:sp>
-        <p:nvSpPr>
-          <p:cNvPr id="4" name="Date Placeholder 3">
-            <a:extLst>
-              <a:ext uri="{FF2B5EF4-FFF2-40B4-BE49-F238E27FC236}">
-                <a16:creationId xmlns:a16="http://schemas.microsoft.com/office/drawing/2014/main" id="{48B484B0-7B4B-8196-2EB0-A5F24DB64D71}"/>
-              </a:ext>
-            </a:extLst>
-          </p:cNvPr>
+            <a:endParaRPr lang="en-US" dirty="0"/>
+          </a:p>
+        </p:txBody>
+      </p:sp>
+      <p:sp>
+        <p:nvSpPr>
+          <p:cNvPr id="4" name="Date Placeholder 3"/>
           <p:cNvSpPr>
             <a:spLocks noGrp="1"/>
           </p:cNvSpPr>
@@ -454,23 +1550,17 @@
           <a:bodyPr/>
           <a:lstStyle/>
           <a:p>
-            <a:fld id="{611936E0-B627-4E1C-9547-8319A602A7B6}" type="datetimeFigureOut">
-              <a:rPr lang="en-IN" smtClean="0"/>
-              <a:t>18-08-2022</a:t>
+            <a:fld id="{431CA2CD-7FC5-4F61-BEB6-3ABE9EEF8D2D}" type="datetime1">
+              <a:rPr lang="en-US" smtClean="0"/>
+              <a:t>8/18/2022</a:t>
             </a:fld>
-            <a:endParaRPr lang="en-IN"/>
-          </a:p>
-        </p:txBody>
-      </p:sp>
-      <p:sp>
-        <p:nvSpPr>
-          <p:cNvPr id="5" name="Footer Placeholder 4">
-            <a:extLst>
-              <a:ext uri="{FF2B5EF4-FFF2-40B4-BE49-F238E27FC236}">
-                <a16:creationId xmlns:a16="http://schemas.microsoft.com/office/drawing/2014/main" id="{0A8CA30D-5B0C-7B09-E16A-F692B5CE84B8}"/>
-              </a:ext>
-            </a:extLst>
-          </p:cNvPr>
+            <a:endParaRPr lang="en-US" dirty="0"/>
+          </a:p>
+        </p:txBody>
+      </p:sp>
+      <p:sp>
+        <p:nvSpPr>
+          <p:cNvPr id="5" name="Footer Placeholder 4"/>
           <p:cNvSpPr>
             <a:spLocks noGrp="1"/>
           </p:cNvSpPr>
@@ -483,19 +1573,13 @@
           <a:bodyPr/>
           <a:lstStyle/>
           <a:p>
-            <a:endParaRPr lang="en-IN"/>
-          </a:p>
-        </p:txBody>
-      </p:sp>
-      <p:sp>
-        <p:nvSpPr>
-          <p:cNvPr id="6" name="Slide Number Placeholder 5">
-            <a:extLst>
-              <a:ext uri="{FF2B5EF4-FFF2-40B4-BE49-F238E27FC236}">
-                <a16:creationId xmlns:a16="http://schemas.microsoft.com/office/drawing/2014/main" id="{E71890FB-33D4-101C-6A0A-F6A6EAF1D1B4}"/>
-              </a:ext>
-            </a:extLst>
-          </p:cNvPr>
+            <a:endParaRPr lang="en-US" dirty="0"/>
+          </a:p>
+        </p:txBody>
+      </p:sp>
+      <p:sp>
+        <p:nvSpPr>
+          <p:cNvPr id="6" name="Slide Number Placeholder 5"/>
           <p:cNvSpPr>
             <a:spLocks noGrp="1"/>
           </p:cNvSpPr>
@@ -508,18 +1592,19 @@
           <a:bodyPr/>
           <a:lstStyle/>
           <a:p>
-            <a:fld id="{8C03C3B1-0BAE-4F9C-A912-AA6A00B43AA9}" type="slidenum">
-              <a:rPr lang="en-IN" smtClean="0"/>
+            <a:fld id="{D57F1E4F-1CFF-5643-939E-217C01CDF565}" type="slidenum">
+              <a:rPr lang="en-US" smtClean="0"/>
+              <a:pPr/>
               <a:t>‹#›</a:t>
             </a:fld>
-            <a:endParaRPr lang="en-IN"/>
+            <a:endParaRPr lang="en-US" dirty="0"/>
           </a:p>
         </p:txBody>
       </p:sp>
     </p:spTree>
     <p:extLst>
       <p:ext uri="{BB962C8B-B14F-4D97-AF65-F5344CB8AC3E}">
-        <p14:creationId xmlns:p14="http://schemas.microsoft.com/office/powerpoint/2010/main" val="709140497"/>
+        <p14:creationId xmlns:p14="http://schemas.microsoft.com/office/powerpoint/2010/main" val="364190633"/>
       </p:ext>
     </p:extLst>
   </p:cSld>
@@ -548,24 +1633,57 @@
       </p:grpSpPr>
       <p:sp>
         <p:nvSpPr>
-          <p:cNvPr id="2" name="Vertical Title 1">
-            <a:extLst>
-              <a:ext uri="{FF2B5EF4-FFF2-40B4-BE49-F238E27FC236}">
-                <a16:creationId xmlns:a16="http://schemas.microsoft.com/office/drawing/2014/main" id="{B79B683A-5835-2D50-1A3F-460B8F36EAC2}"/>
-              </a:ext>
-            </a:extLst>
-          </p:cNvPr>
-          <p:cNvSpPr>
-            <a:spLocks noGrp="1"/>
-          </p:cNvSpPr>
-          <p:nvPr>
-            <p:ph type="title" orient="vert"/>
-          </p:nvPr>
+          <p:cNvPr id="7" name="Rectangle 6"/>
+          <p:cNvSpPr>
+            <a:spLocks noChangeAspect="1"/>
+          </p:cNvSpPr>
+          <p:nvPr/>
         </p:nvSpPr>
         <p:spPr>
           <a:xfrm>
-            <a:off x="8724900" y="365125"/>
-            <a:ext cx="2628900" cy="5811838"/>
+            <a:off x="8839201" y="599725"/>
+            <a:ext cx="2906817" cy="5816950"/>
+          </a:xfrm>
+          <a:prstGeom prst="rect">
+            <a:avLst/>
+          </a:prstGeom>
+          <a:solidFill>
+            <a:schemeClr val="accent1"/>
+          </a:solidFill>
+          <a:ln>
+            <a:noFill/>
+          </a:ln>
+          <a:effectLst/>
+        </p:spPr>
+        <p:style>
+          <a:lnRef idx="1">
+            <a:schemeClr val="accent1"/>
+          </a:lnRef>
+          <a:fillRef idx="3">
+            <a:schemeClr val="accent1"/>
+          </a:fillRef>
+          <a:effectRef idx="2">
+            <a:schemeClr val="accent1"/>
+          </a:effectRef>
+          <a:fontRef idx="minor">
+            <a:schemeClr val="lt1"/>
+          </a:fontRef>
+        </p:style>
+      </p:sp>
+      <p:sp>
+        <p:nvSpPr>
+          <p:cNvPr id="2" name="Vertical Title 1"/>
+          <p:cNvSpPr>
+            <a:spLocks noGrp="1"/>
+          </p:cNvSpPr>
+          <p:nvPr>
+            <p:ph type="title" orient="vert"/>
+          </p:nvPr>
+        </p:nvSpPr>
+        <p:spPr>
+          <a:xfrm>
+            <a:off x="8839201" y="675726"/>
+            <a:ext cx="2004164" cy="5183073"/>
           </a:xfrm>
         </p:spPr>
         <p:txBody>
@@ -576,19 +1694,13 @@
               <a:rPr lang="en-US"/>
               <a:t>Click to edit Master title style</a:t>
             </a:r>
-            <a:endParaRPr lang="en-IN"/>
-          </a:p>
-        </p:txBody>
-      </p:sp>
-      <p:sp>
-        <p:nvSpPr>
-          <p:cNvPr id="3" name="Vertical Text Placeholder 2">
-            <a:extLst>
-              <a:ext uri="{FF2B5EF4-FFF2-40B4-BE49-F238E27FC236}">
-                <a16:creationId xmlns:a16="http://schemas.microsoft.com/office/drawing/2014/main" id="{4E2DDB22-E839-2258-C59A-6B47FBEF3506}"/>
-              </a:ext>
-            </a:extLst>
-          </p:cNvPr>
+            <a:endParaRPr lang="en-US" dirty="0"/>
+          </a:p>
+        </p:txBody>
+      </p:sp>
+      <p:sp>
+        <p:nvSpPr>
+          <p:cNvPr id="3" name="Vertical Text Placeholder 2"/>
           <p:cNvSpPr>
             <a:spLocks noGrp="1"/>
           </p:cNvSpPr>
@@ -598,12 +1710,12 @@
         </p:nvSpPr>
         <p:spPr>
           <a:xfrm>
-            <a:off x="838200" y="365125"/>
-            <a:ext cx="7734300" cy="5811838"/>
+            <a:off x="774923" y="675726"/>
+            <a:ext cx="7896279" cy="5183073"/>
           </a:xfrm>
         </p:spPr>
         <p:txBody>
-          <a:bodyPr vert="eaVert"/>
+          <a:bodyPr vert="eaVert" anchor="t"/>
           <a:lstStyle/>
           <a:p>
             <a:pPr lvl="0"/>
@@ -639,19 +1751,13 @@
               <a:rPr lang="en-US"/>
               <a:t>Fifth level</a:t>
             </a:r>
-            <a:endParaRPr lang="en-IN"/>
-          </a:p>
-        </p:txBody>
-      </p:sp>
-      <p:sp>
-        <p:nvSpPr>
-          <p:cNvPr id="4" name="Date Placeholder 3">
-            <a:extLst>
-              <a:ext uri="{FF2B5EF4-FFF2-40B4-BE49-F238E27FC236}">
-                <a16:creationId xmlns:a16="http://schemas.microsoft.com/office/drawing/2014/main" id="{34FDB8F3-A85C-52E3-9983-C007C42D9148}"/>
-              </a:ext>
-            </a:extLst>
-          </p:cNvPr>
+            <a:endParaRPr lang="en-US" dirty="0"/>
+          </a:p>
+        </p:txBody>
+      </p:sp>
+      <p:sp>
+        <p:nvSpPr>
+          <p:cNvPr id="4" name="Date Placeholder 3"/>
           <p:cNvSpPr>
             <a:spLocks noGrp="1"/>
           </p:cNvSpPr>
@@ -659,77 +1765,103 @@
             <p:ph type="dt" sz="half" idx="10"/>
           </p:nvPr>
         </p:nvSpPr>
-        <p:spPr/>
+        <p:spPr>
+          <a:xfrm>
+            <a:off x="8993673" y="5956137"/>
+            <a:ext cx="1328141" cy="365125"/>
+          </a:xfrm>
+        </p:spPr>
+        <p:txBody>
+          <a:bodyPr/>
+          <a:lstStyle>
+            <a:lvl1pPr>
+              <a:defRPr>
+                <a:solidFill>
+                  <a:schemeClr val="accent1">
+                    <a:lumMod val="75000"/>
+                    <a:lumOff val="25000"/>
+                  </a:schemeClr>
+                </a:solidFill>
+              </a:defRPr>
+            </a:lvl1pPr>
+          </a:lstStyle>
+          <a:p>
+            <a:fld id="{6691DB7D-DBF0-46AA-83C4-913D0049CC04}" type="datetime1">
+              <a:rPr lang="en-US" smtClean="0"/>
+              <a:t>8/18/2022</a:t>
+            </a:fld>
+            <a:endParaRPr lang="en-US" dirty="0"/>
+          </a:p>
+        </p:txBody>
+      </p:sp>
+      <p:sp>
+        <p:nvSpPr>
+          <p:cNvPr id="5" name="Footer Placeholder 4"/>
+          <p:cNvSpPr>
+            <a:spLocks noGrp="1"/>
+          </p:cNvSpPr>
+          <p:nvPr>
+            <p:ph type="ftr" sz="quarter" idx="11"/>
+          </p:nvPr>
+        </p:nvSpPr>
+        <p:spPr>
+          <a:xfrm>
+            <a:off x="774923" y="5951811"/>
+            <a:ext cx="7896279" cy="365125"/>
+          </a:xfrm>
+        </p:spPr>
         <p:txBody>
           <a:bodyPr/>
           <a:lstStyle/>
           <a:p>
-            <a:fld id="{611936E0-B627-4E1C-9547-8319A602A7B6}" type="datetimeFigureOut">
-              <a:rPr lang="en-IN" smtClean="0"/>
-              <a:t>18-08-2022</a:t>
-            </a:fld>
-            <a:endParaRPr lang="en-IN"/>
-          </a:p>
-        </p:txBody>
-      </p:sp>
-      <p:sp>
-        <p:nvSpPr>
-          <p:cNvPr id="5" name="Footer Placeholder 4">
-            <a:extLst>
-              <a:ext uri="{FF2B5EF4-FFF2-40B4-BE49-F238E27FC236}">
-                <a16:creationId xmlns:a16="http://schemas.microsoft.com/office/drawing/2014/main" id="{096AD1B4-5992-B262-0534-BA68122E454F}"/>
-              </a:ext>
-            </a:extLst>
-          </p:cNvPr>
-          <p:cNvSpPr>
-            <a:spLocks noGrp="1"/>
-          </p:cNvSpPr>
-          <p:nvPr>
-            <p:ph type="ftr" sz="quarter" idx="11"/>
-          </p:nvPr>
-        </p:nvSpPr>
-        <p:spPr/>
+            <a:endParaRPr lang="en-US" dirty="0"/>
+          </a:p>
+        </p:txBody>
+      </p:sp>
+      <p:sp>
+        <p:nvSpPr>
+          <p:cNvPr id="6" name="Slide Number Placeholder 5"/>
+          <p:cNvSpPr>
+            <a:spLocks noGrp="1"/>
+          </p:cNvSpPr>
+          <p:nvPr>
+            <p:ph type="sldNum" sz="quarter" idx="12"/>
+          </p:nvPr>
+        </p:nvSpPr>
+        <p:spPr>
+          <a:xfrm>
+            <a:off x="10446615" y="5956137"/>
+            <a:ext cx="1164195" cy="365125"/>
+          </a:xfrm>
+        </p:spPr>
         <p:txBody>
           <a:bodyPr/>
-          <a:lstStyle/>
-          <a:p>
-            <a:endParaRPr lang="en-IN"/>
-          </a:p>
-        </p:txBody>
-      </p:sp>
-      <p:sp>
-        <p:nvSpPr>
-          <p:cNvPr id="6" name="Slide Number Placeholder 5">
-            <a:extLst>
-              <a:ext uri="{FF2B5EF4-FFF2-40B4-BE49-F238E27FC236}">
-                <a16:creationId xmlns:a16="http://schemas.microsoft.com/office/drawing/2014/main" id="{1DB22B77-5365-C86F-B67B-DC378610E8F6}"/>
-              </a:ext>
-            </a:extLst>
-          </p:cNvPr>
-          <p:cNvSpPr>
-            <a:spLocks noGrp="1"/>
-          </p:cNvSpPr>
-          <p:nvPr>
-            <p:ph type="sldNum" sz="quarter" idx="12"/>
-          </p:nvPr>
-        </p:nvSpPr>
-        <p:spPr/>
-        <p:txBody>
-          <a:bodyPr/>
-          <a:lstStyle/>
-          <a:p>
-            <a:fld id="{8C03C3B1-0BAE-4F9C-A912-AA6A00B43AA9}" type="slidenum">
-              <a:rPr lang="en-IN" smtClean="0"/>
+          <a:lstStyle>
+            <a:lvl1pPr>
+              <a:defRPr>
+                <a:solidFill>
+                  <a:schemeClr val="accent1">
+                    <a:lumMod val="75000"/>
+                    <a:lumOff val="25000"/>
+                  </a:schemeClr>
+                </a:solidFill>
+              </a:defRPr>
+            </a:lvl1pPr>
+          </a:lstStyle>
+          <a:p>
+            <a:fld id="{D57F1E4F-1CFF-5643-939E-217C01CDF565}" type="slidenum">
+              <a:rPr lang="en-US" smtClean="0"/>
+              <a:pPr/>
               <a:t>‹#›</a:t>
             </a:fld>
-            <a:endParaRPr lang="en-IN"/>
+            <a:endParaRPr lang="en-US" dirty="0"/>
           </a:p>
         </p:txBody>
       </p:sp>
     </p:spTree>
     <p:extLst>
       <p:ext uri="{BB962C8B-B14F-4D97-AF65-F5344CB8AC3E}">
-        <p14:creationId xmlns:p14="http://schemas.microsoft.com/office/powerpoint/2010/main" val="2140512890"/>
+        <p14:creationId xmlns:p14="http://schemas.microsoft.com/office/powerpoint/2010/main" val="1571412041"/>
       </p:ext>
     </p:extLst>
   </p:cSld>
@@ -758,13 +1890,46 @@
       </p:grpSpPr>
       <p:sp>
         <p:nvSpPr>
-          <p:cNvPr id="2" name="Title 1">
-            <a:extLst>
-              <a:ext uri="{FF2B5EF4-FFF2-40B4-BE49-F238E27FC236}">
-                <a16:creationId xmlns:a16="http://schemas.microsoft.com/office/drawing/2014/main" id="{76AA3222-F068-71A8-BE69-FE2B7DBAA0F7}"/>
-              </a:ext>
-            </a:extLst>
-          </p:cNvPr>
+          <p:cNvPr id="7" name="Rectangle 6"/>
+          <p:cNvSpPr>
+            <a:spLocks noChangeAspect="1"/>
+          </p:cNvSpPr>
+          <p:nvPr/>
+        </p:nvSpPr>
+        <p:spPr>
+          <a:xfrm>
+            <a:off x="581192" y="1488509"/>
+            <a:ext cx="11309338" cy="1189298"/>
+          </a:xfrm>
+          <a:prstGeom prst="rect">
+            <a:avLst/>
+          </a:prstGeom>
+          <a:solidFill>
+            <a:schemeClr val="accent1"/>
+          </a:solidFill>
+          <a:ln>
+            <a:noFill/>
+          </a:ln>
+          <a:effectLst/>
+        </p:spPr>
+        <p:style>
+          <a:lnRef idx="1">
+            <a:schemeClr val="accent1"/>
+          </a:lnRef>
+          <a:fillRef idx="3">
+            <a:schemeClr val="accent1"/>
+          </a:fillRef>
+          <a:effectRef idx="2">
+            <a:schemeClr val="accent1"/>
+          </a:effectRef>
+          <a:fontRef idx="minor">
+            <a:schemeClr val="lt1"/>
+          </a:fontRef>
+        </p:style>
+      </p:sp>
+      <p:sp>
+        <p:nvSpPr>
+          <p:cNvPr id="2" name="Title 1"/>
           <p:cNvSpPr>
             <a:spLocks noGrp="1"/>
           </p:cNvSpPr>
@@ -772,7 +1937,12 @@
             <p:ph type="title"/>
           </p:nvPr>
         </p:nvSpPr>
-        <p:spPr/>
+        <p:spPr>
+          <a:xfrm>
+            <a:off x="581192" y="702156"/>
+            <a:ext cx="11029616" cy="1013800"/>
+          </a:xfrm>
+        </p:spPr>
         <p:txBody>
           <a:bodyPr/>
           <a:lstStyle/>
@@ -781,19 +1951,13 @@
               <a:rPr lang="en-US"/>
               <a:t>Click to edit Master title style</a:t>
             </a:r>
-            <a:endParaRPr lang="en-IN"/>
-          </a:p>
-        </p:txBody>
-      </p:sp>
-      <p:sp>
-        <p:nvSpPr>
-          <p:cNvPr id="3" name="Content Placeholder 2">
-            <a:extLst>
-              <a:ext uri="{FF2B5EF4-FFF2-40B4-BE49-F238E27FC236}">
-                <a16:creationId xmlns:a16="http://schemas.microsoft.com/office/drawing/2014/main" id="{2767C549-ABB6-5097-D380-D9808C5A0AF3}"/>
-              </a:ext>
-            </a:extLst>
-          </p:cNvPr>
+            <a:endParaRPr lang="en-US" dirty="0"/>
+          </a:p>
+        </p:txBody>
+      </p:sp>
+      <p:sp>
+        <p:nvSpPr>
+          <p:cNvPr id="3" name="Content Placeholder 2"/>
           <p:cNvSpPr>
             <a:spLocks noGrp="1"/>
           </p:cNvSpPr>
@@ -801,7 +1965,12 @@
             <p:ph idx="1"/>
           </p:nvPr>
         </p:nvSpPr>
-        <p:spPr/>
+        <p:spPr>
+          <a:xfrm>
+            <a:off x="581192" y="2180496"/>
+            <a:ext cx="11029615" cy="3678303"/>
+          </a:xfrm>
+        </p:spPr>
         <p:txBody>
           <a:bodyPr/>
           <a:lstStyle/>
@@ -839,19 +2008,13 @@
               <a:rPr lang="en-US"/>
               <a:t>Fifth level</a:t>
             </a:r>
-            <a:endParaRPr lang="en-IN"/>
-          </a:p>
-        </p:txBody>
-      </p:sp>
-      <p:sp>
-        <p:nvSpPr>
-          <p:cNvPr id="4" name="Date Placeholder 3">
-            <a:extLst>
-              <a:ext uri="{FF2B5EF4-FFF2-40B4-BE49-F238E27FC236}">
-                <a16:creationId xmlns:a16="http://schemas.microsoft.com/office/drawing/2014/main" id="{362D89E3-93A1-86AF-B999-2557DB76F065}"/>
-              </a:ext>
-            </a:extLst>
-          </p:cNvPr>
+            <a:endParaRPr lang="en-US" dirty="0"/>
+          </a:p>
+        </p:txBody>
+      </p:sp>
+      <p:sp>
+        <p:nvSpPr>
+          <p:cNvPr id="4" name="Date Placeholder 3"/>
           <p:cNvSpPr>
             <a:spLocks noGrp="1"/>
           </p:cNvSpPr>
@@ -864,23 +2027,17 @@
           <a:bodyPr/>
           <a:lstStyle/>
           <a:p>
-            <a:fld id="{611936E0-B627-4E1C-9547-8319A602A7B6}" type="datetimeFigureOut">
-              <a:rPr lang="en-IN" smtClean="0"/>
-              <a:t>18-08-2022</a:t>
+            <a:fld id="{54F15219-0BAE-48E7-A27C-C5494A9AD695}" type="datetime1">
+              <a:rPr lang="en-US" smtClean="0"/>
+              <a:t>8/18/2022</a:t>
             </a:fld>
-            <a:endParaRPr lang="en-IN"/>
-          </a:p>
-        </p:txBody>
-      </p:sp>
-      <p:sp>
-        <p:nvSpPr>
-          <p:cNvPr id="5" name="Footer Placeholder 4">
-            <a:extLst>
-              <a:ext uri="{FF2B5EF4-FFF2-40B4-BE49-F238E27FC236}">
-                <a16:creationId xmlns:a16="http://schemas.microsoft.com/office/drawing/2014/main" id="{D6B82889-EB2E-C48A-4CAF-F57C3B2EDB76}"/>
-              </a:ext>
-            </a:extLst>
-          </p:cNvPr>
+            <a:endParaRPr lang="en-US" dirty="0"/>
+          </a:p>
+        </p:txBody>
+      </p:sp>
+      <p:sp>
+        <p:nvSpPr>
+          <p:cNvPr id="5" name="Footer Placeholder 4"/>
           <p:cNvSpPr>
             <a:spLocks noGrp="1"/>
           </p:cNvSpPr>
@@ -893,19 +2050,13 @@
           <a:bodyPr/>
           <a:lstStyle/>
           <a:p>
-            <a:endParaRPr lang="en-IN"/>
-          </a:p>
-        </p:txBody>
-      </p:sp>
-      <p:sp>
-        <p:nvSpPr>
-          <p:cNvPr id="6" name="Slide Number Placeholder 5">
-            <a:extLst>
-              <a:ext uri="{FF2B5EF4-FFF2-40B4-BE49-F238E27FC236}">
-                <a16:creationId xmlns:a16="http://schemas.microsoft.com/office/drawing/2014/main" id="{5F4A8EAF-15B9-6B95-1F17-E4AE8C55CE33}"/>
-              </a:ext>
-            </a:extLst>
-          </p:cNvPr>
+            <a:endParaRPr lang="en-US" dirty="0"/>
+          </a:p>
+        </p:txBody>
+      </p:sp>
+      <p:sp>
+        <p:nvSpPr>
+          <p:cNvPr id="6" name="Slide Number Placeholder 5"/>
           <p:cNvSpPr>
             <a:spLocks noGrp="1"/>
           </p:cNvSpPr>
@@ -913,23 +2064,29 @@
             <p:ph type="sldNum" sz="quarter" idx="12"/>
           </p:nvPr>
         </p:nvSpPr>
-        <p:spPr/>
+        <p:spPr>
+          <a:xfrm>
+            <a:off x="10558300" y="5956137"/>
+            <a:ext cx="1052508" cy="365125"/>
+          </a:xfrm>
+        </p:spPr>
         <p:txBody>
           <a:bodyPr/>
           <a:lstStyle/>
           <a:p>
-            <a:fld id="{8C03C3B1-0BAE-4F9C-A912-AA6A00B43AA9}" type="slidenum">
-              <a:rPr lang="en-IN" smtClean="0"/>
+            <a:fld id="{D57F1E4F-1CFF-5643-939E-217C01CDF565}" type="slidenum">
+              <a:rPr lang="en-US" smtClean="0"/>
+              <a:pPr/>
               <a:t>‹#›</a:t>
             </a:fld>
-            <a:endParaRPr lang="en-IN"/>
+            <a:endParaRPr lang="en-US" dirty="0"/>
           </a:p>
         </p:txBody>
       </p:sp>
     </p:spTree>
     <p:extLst>
       <p:ext uri="{BB962C8B-B14F-4D97-AF65-F5344CB8AC3E}">
-        <p14:creationId xmlns:p14="http://schemas.microsoft.com/office/powerpoint/2010/main" val="3307169916"/>
+        <p14:creationId xmlns:p14="http://schemas.microsoft.com/office/powerpoint/2010/main" val="3426142604"/>
       </p:ext>
     </p:extLst>
   </p:cSld>
@@ -958,31 +2115,70 @@
       </p:grpSpPr>
       <p:sp>
         <p:nvSpPr>
-          <p:cNvPr id="2" name="Title 1">
-            <a:extLst>
-              <a:ext uri="{FF2B5EF4-FFF2-40B4-BE49-F238E27FC236}">
-                <a16:creationId xmlns:a16="http://schemas.microsoft.com/office/drawing/2014/main" id="{A2B87496-F71C-97F4-19D5-AF5687C0E2A1}"/>
-              </a:ext>
-            </a:extLst>
-          </p:cNvPr>
-          <p:cNvSpPr>
-            <a:spLocks noGrp="1"/>
-          </p:cNvSpPr>
-          <p:nvPr>
-            <p:ph type="title"/>
-          </p:nvPr>
+          <p:cNvPr id="8" name="Rectangle 7"/>
+          <p:cNvSpPr>
+            <a:spLocks noChangeAspect="1"/>
+          </p:cNvSpPr>
+          <p:nvPr/>
         </p:nvSpPr>
         <p:spPr>
           <a:xfrm>
-            <a:off x="831850" y="1709738"/>
-            <a:ext cx="10515600" cy="2852737"/>
+            <a:off x="447817" y="5141974"/>
+            <a:ext cx="11290860" cy="1258827"/>
+          </a:xfrm>
+          <a:prstGeom prst="rect">
+            <a:avLst/>
+          </a:prstGeom>
+          <a:solidFill>
+            <a:schemeClr val="accent1"/>
+          </a:solidFill>
+          <a:ln>
+            <a:noFill/>
+          </a:ln>
+          <a:effectLst/>
+        </p:spPr>
+        <p:style>
+          <a:lnRef idx="1">
+            <a:schemeClr val="accent1"/>
+          </a:lnRef>
+          <a:fillRef idx="3">
+            <a:schemeClr val="accent1"/>
+          </a:fillRef>
+          <a:effectRef idx="2">
+            <a:schemeClr val="accent1"/>
+          </a:effectRef>
+          <a:fontRef idx="minor">
+            <a:schemeClr val="lt1"/>
+          </a:fontRef>
+        </p:style>
+      </p:sp>
+      <p:sp>
+        <p:nvSpPr>
+          <p:cNvPr id="2" name="Title 1"/>
+          <p:cNvSpPr>
+            <a:spLocks noGrp="1"/>
+          </p:cNvSpPr>
+          <p:nvPr>
+            <p:ph type="title"/>
+          </p:nvPr>
+        </p:nvSpPr>
+        <p:spPr>
+          <a:xfrm>
+            <a:off x="581193" y="3043910"/>
+            <a:ext cx="11029615" cy="1497507"/>
           </a:xfrm>
         </p:spPr>
         <p:txBody>
-          <a:bodyPr anchor="b"/>
+          <a:bodyPr anchor="b">
+            <a:normAutofit/>
+          </a:bodyPr>
           <a:lstStyle>
-            <a:lvl1pPr>
-              <a:defRPr sz="6000"/>
+            <a:lvl1pPr algn="l">
+              <a:defRPr sz="3600" b="0" cap="all">
+                <a:solidFill>
+                  <a:schemeClr val="accent1"/>
+                </a:solidFill>
+              </a:defRPr>
             </a:lvl1pPr>
           </a:lstStyle>
           <a:p>
@@ -990,19 +2186,13 @@
               <a:rPr lang="en-US"/>
               <a:t>Click to edit Master title style</a:t>
             </a:r>
-            <a:endParaRPr lang="en-IN"/>
-          </a:p>
-        </p:txBody>
-      </p:sp>
-      <p:sp>
-        <p:nvSpPr>
-          <p:cNvPr id="3" name="Text Placeholder 2">
-            <a:extLst>
-              <a:ext uri="{FF2B5EF4-FFF2-40B4-BE49-F238E27FC236}">
-                <a16:creationId xmlns:a16="http://schemas.microsoft.com/office/drawing/2014/main" id="{89A0ABF1-2C19-4243-8938-4862A6859BF0}"/>
-              </a:ext>
-            </a:extLst>
-          </p:cNvPr>
+            <a:endParaRPr lang="en-US" dirty="0"/>
+          </a:p>
+        </p:txBody>
+      </p:sp>
+      <p:sp>
+        <p:nvSpPr>
+          <p:cNvPr id="3" name="Text Placeholder 2"/>
           <p:cNvSpPr>
             <a:spLocks noGrp="1"/>
           </p:cNvSpPr>
@@ -1012,102 +2202,102 @@
         </p:nvSpPr>
         <p:spPr>
           <a:xfrm>
-            <a:off x="831850" y="4589463"/>
-            <a:ext cx="10515600" cy="1500187"/>
+            <a:off x="581192" y="4541417"/>
+            <a:ext cx="11029615" cy="600556"/>
           </a:xfrm>
         </p:spPr>
         <p:txBody>
-          <a:bodyPr/>
+          <a:bodyPr anchor="t">
+            <a:normAutofit/>
+          </a:bodyPr>
           <a:lstStyle>
-            <a:lvl1pPr marL="0" indent="0">
-              <a:buNone/>
-              <a:defRPr sz="2400">
+            <a:lvl1pPr marL="0" indent="0" algn="l">
+              <a:buNone/>
+              <a:defRPr sz="1800" cap="all">
+                <a:solidFill>
+                  <a:schemeClr val="accent2"/>
+                </a:solidFill>
+              </a:defRPr>
+            </a:lvl1pPr>
+            <a:lvl2pPr marL="457200" indent="0">
+              <a:buNone/>
+              <a:defRPr sz="1800">
                 <a:solidFill>
                   <a:schemeClr val="tx1">
                     <a:tint val="75000"/>
                   </a:schemeClr>
                 </a:solidFill>
               </a:defRPr>
-            </a:lvl1pPr>
-            <a:lvl2pPr marL="457200" indent="0">
-              <a:buNone/>
-              <a:defRPr sz="2000">
+            </a:lvl2pPr>
+            <a:lvl3pPr marL="914400" indent="0">
+              <a:buNone/>
+              <a:defRPr sz="1600">
                 <a:solidFill>
                   <a:schemeClr val="tx1">
                     <a:tint val="75000"/>
                   </a:schemeClr>
                 </a:solidFill>
               </a:defRPr>
-            </a:lvl2pPr>
-            <a:lvl3pPr marL="914400" indent="0">
-              <a:buNone/>
-              <a:defRPr sz="1800">
+            </a:lvl3pPr>
+            <a:lvl4pPr marL="1371600" indent="0">
+              <a:buNone/>
+              <a:defRPr sz="1400">
                 <a:solidFill>
                   <a:schemeClr val="tx1">
                     <a:tint val="75000"/>
                   </a:schemeClr>
                 </a:solidFill>
               </a:defRPr>
-            </a:lvl3pPr>
-            <a:lvl4pPr marL="1371600" indent="0">
-              <a:buNone/>
-              <a:defRPr sz="1600">
+            </a:lvl4pPr>
+            <a:lvl5pPr marL="1828800" indent="0">
+              <a:buNone/>
+              <a:defRPr sz="1400">
                 <a:solidFill>
                   <a:schemeClr val="tx1">
                     <a:tint val="75000"/>
                   </a:schemeClr>
                 </a:solidFill>
               </a:defRPr>
-            </a:lvl4pPr>
-            <a:lvl5pPr marL="1828800" indent="0">
-              <a:buNone/>
-              <a:defRPr sz="1600">
+            </a:lvl5pPr>
+            <a:lvl6pPr marL="2286000" indent="0">
+              <a:buNone/>
+              <a:defRPr sz="1400">
                 <a:solidFill>
                   <a:schemeClr val="tx1">
                     <a:tint val="75000"/>
                   </a:schemeClr>
                 </a:solidFill>
               </a:defRPr>
-            </a:lvl5pPr>
-            <a:lvl6pPr marL="2286000" indent="0">
-              <a:buNone/>
-              <a:defRPr sz="1600">
+            </a:lvl6pPr>
+            <a:lvl7pPr marL="2743200" indent="0">
+              <a:buNone/>
+              <a:defRPr sz="1400">
                 <a:solidFill>
                   <a:schemeClr val="tx1">
                     <a:tint val="75000"/>
                   </a:schemeClr>
                 </a:solidFill>
               </a:defRPr>
-            </a:lvl6pPr>
-            <a:lvl7pPr marL="2743200" indent="0">
-              <a:buNone/>
-              <a:defRPr sz="1600">
+            </a:lvl7pPr>
+            <a:lvl8pPr marL="3200400" indent="0">
+              <a:buNone/>
+              <a:defRPr sz="1400">
                 <a:solidFill>
                   <a:schemeClr val="tx1">
                     <a:tint val="75000"/>
                   </a:schemeClr>
                 </a:solidFill>
               </a:defRPr>
-            </a:lvl7pPr>
-            <a:lvl8pPr marL="3200400" indent="0">
-              <a:buNone/>
-              <a:defRPr sz="1600">
+            </a:lvl8pPr>
+            <a:lvl9pPr marL="3657600" indent="0">
+              <a:buNone/>
+              <a:defRPr sz="1400">
                 <a:solidFill>
                   <a:schemeClr val="tx1">
                     <a:tint val="75000"/>
                   </a:schemeClr>
                 </a:solidFill>
               </a:defRPr>
-            </a:lvl8pPr>
-            <a:lvl9pPr marL="3657600" indent="0">
-              <a:buNone/>
-              <a:defRPr sz="1600">
-                <a:solidFill>
-                  <a:schemeClr val="tx1">
-                    <a:tint val="75000"/>
-                  </a:schemeClr>
-                </a:solidFill>
-              </a:defRPr>
             </a:lvl9pPr>
           </a:lstStyle>
           <a:p>
@@ -1121,13 +2311,7 @@
       </p:sp>
       <p:sp>
         <p:nvSpPr>
-          <p:cNvPr id="4" name="Date Placeholder 3">
-            <a:extLst>
-              <a:ext uri="{FF2B5EF4-FFF2-40B4-BE49-F238E27FC236}">
-                <a16:creationId xmlns:a16="http://schemas.microsoft.com/office/drawing/2014/main" id="{B972DB2B-7B58-A9E9-3833-DA125C16F9B5}"/>
-              </a:ext>
-            </a:extLst>
-          </p:cNvPr>
+          <p:cNvPr id="4" name="Date Placeholder 3"/>
           <p:cNvSpPr>
             <a:spLocks noGrp="1"/>
           </p:cNvSpPr>
@@ -1138,25 +2322,30 @@
         <p:spPr/>
         <p:txBody>
           <a:bodyPr/>
-          <a:lstStyle/>
-          <a:p>
-            <a:fld id="{611936E0-B627-4E1C-9547-8319A602A7B6}" type="datetimeFigureOut">
-              <a:rPr lang="en-IN" smtClean="0"/>
-              <a:t>18-08-2022</a:t>
+          <a:lstStyle>
+            <a:lvl1pPr>
+              <a:defRPr>
+                <a:solidFill>
+                  <a:schemeClr val="accent1">
+                    <a:lumMod val="75000"/>
+                    <a:lumOff val="25000"/>
+                  </a:schemeClr>
+                </a:solidFill>
+              </a:defRPr>
+            </a:lvl1pPr>
+          </a:lstStyle>
+          <a:p>
+            <a:fld id="{FF19142C-58F9-4A3D-A44A-0DD4DD233EB8}" type="datetime1">
+              <a:rPr lang="en-US" smtClean="0"/>
+              <a:t>8/18/2022</a:t>
             </a:fld>
-            <a:endParaRPr lang="en-IN"/>
-          </a:p>
-        </p:txBody>
-      </p:sp>
-      <p:sp>
-        <p:nvSpPr>
-          <p:cNvPr id="5" name="Footer Placeholder 4">
-            <a:extLst>
-              <a:ext uri="{FF2B5EF4-FFF2-40B4-BE49-F238E27FC236}">
-                <a16:creationId xmlns:a16="http://schemas.microsoft.com/office/drawing/2014/main" id="{5981AF64-D50B-27B9-3463-3C1031F7C53D}"/>
-              </a:ext>
-            </a:extLst>
-          </p:cNvPr>
+            <a:endParaRPr lang="en-US" dirty="0"/>
+          </a:p>
+        </p:txBody>
+      </p:sp>
+      <p:sp>
+        <p:nvSpPr>
+          <p:cNvPr id="5" name="Footer Placeholder 4"/>
           <p:cNvSpPr>
             <a:spLocks noGrp="1"/>
           </p:cNvSpPr>
@@ -1167,21 +2356,26 @@
         <p:spPr/>
         <p:txBody>
           <a:bodyPr/>
-          <a:lstStyle/>
-          <a:p>
-            <a:endParaRPr lang="en-IN"/>
-          </a:p>
-        </p:txBody>
-      </p:sp>
-      <p:sp>
-        <p:nvSpPr>
-          <p:cNvPr id="6" name="Slide Number Placeholder 5">
-            <a:extLst>
-              <a:ext uri="{FF2B5EF4-FFF2-40B4-BE49-F238E27FC236}">
-                <a16:creationId xmlns:a16="http://schemas.microsoft.com/office/drawing/2014/main" id="{EF82664D-3282-3C54-6CF3-644DA4F4DFFF}"/>
-              </a:ext>
-            </a:extLst>
-          </p:cNvPr>
+          <a:lstStyle>
+            <a:lvl1pPr>
+              <a:defRPr>
+                <a:solidFill>
+                  <a:schemeClr val="accent1">
+                    <a:lumMod val="75000"/>
+                    <a:lumOff val="25000"/>
+                  </a:schemeClr>
+                </a:solidFill>
+              </a:defRPr>
+            </a:lvl1pPr>
+          </a:lstStyle>
+          <a:p>
+            <a:endParaRPr lang="en-US" dirty="0"/>
+          </a:p>
+        </p:txBody>
+      </p:sp>
+      <p:sp>
+        <p:nvSpPr>
+          <p:cNvPr id="6" name="Slide Number Placeholder 5"/>
           <p:cNvSpPr>
             <a:spLocks noGrp="1"/>
           </p:cNvSpPr>
@@ -1192,20 +2386,32 @@
         <p:spPr/>
         <p:txBody>
           <a:bodyPr/>
-          <a:lstStyle/>
-          <a:p>
-            <a:fld id="{8C03C3B1-0BAE-4F9C-A912-AA6A00B43AA9}" type="slidenum">
-              <a:rPr lang="en-IN" smtClean="0"/>
+          <a:lstStyle>
+            <a:lvl1pPr>
+              <a:defRPr>
+                <a:solidFill>
+                  <a:schemeClr val="accent1">
+                    <a:lumMod val="75000"/>
+                    <a:lumOff val="25000"/>
+                  </a:schemeClr>
+                </a:solidFill>
+              </a:defRPr>
+            </a:lvl1pPr>
+          </a:lstStyle>
+          <a:p>
+            <a:fld id="{D57F1E4F-1CFF-5643-939E-217C01CDF565}" type="slidenum">
+              <a:rPr lang="en-US" smtClean="0"/>
+              <a:pPr/>
               <a:t>‹#›</a:t>
             </a:fld>
-            <a:endParaRPr lang="en-IN"/>
+            <a:endParaRPr lang="en-US" dirty="0"/>
           </a:p>
         </p:txBody>
       </p:sp>
     </p:spTree>
     <p:extLst>
       <p:ext uri="{BB962C8B-B14F-4D97-AF65-F5344CB8AC3E}">
-        <p14:creationId xmlns:p14="http://schemas.microsoft.com/office/powerpoint/2010/main" val="1611915306"/>
+        <p14:creationId xmlns:p14="http://schemas.microsoft.com/office/powerpoint/2010/main" val="1134570894"/>
       </p:ext>
     </p:extLst>
   </p:cSld>
@@ -1234,13 +2440,46 @@
       </p:grpSpPr>
       <p:sp>
         <p:nvSpPr>
-          <p:cNvPr id="2" name="Title 1">
-            <a:extLst>
-              <a:ext uri="{FF2B5EF4-FFF2-40B4-BE49-F238E27FC236}">
-                <a16:creationId xmlns:a16="http://schemas.microsoft.com/office/drawing/2014/main" id="{953FA535-D0BD-63EE-6810-5565928AC9E6}"/>
-              </a:ext>
-            </a:extLst>
-          </p:cNvPr>
+          <p:cNvPr id="8" name="Rectangle 7"/>
+          <p:cNvSpPr>
+            <a:spLocks noChangeAspect="1"/>
+          </p:cNvSpPr>
+          <p:nvPr/>
+        </p:nvSpPr>
+        <p:spPr>
+          <a:xfrm>
+            <a:off x="0" y="0"/>
+            <a:ext cx="12192000" cy="1258827"/>
+          </a:xfrm>
+          <a:prstGeom prst="rect">
+            <a:avLst/>
+          </a:prstGeom>
+          <a:solidFill>
+            <a:schemeClr val="accent1"/>
+          </a:solidFill>
+          <a:ln>
+            <a:noFill/>
+          </a:ln>
+          <a:effectLst/>
+        </p:spPr>
+        <p:style>
+          <a:lnRef idx="1">
+            <a:schemeClr val="accent1"/>
+          </a:lnRef>
+          <a:fillRef idx="3">
+            <a:schemeClr val="accent1"/>
+          </a:fillRef>
+          <a:effectRef idx="2">
+            <a:schemeClr val="accent1"/>
+          </a:effectRef>
+          <a:fontRef idx="minor">
+            <a:schemeClr val="lt1"/>
+          </a:fontRef>
+        </p:style>
+      </p:sp>
+      <p:sp>
+        <p:nvSpPr>
+          <p:cNvPr id="2" name="Title 1"/>
           <p:cNvSpPr>
             <a:spLocks noGrp="1"/>
           </p:cNvSpPr>
@@ -1248,7 +2487,12 @@
             <p:ph type="title"/>
           </p:nvPr>
         </p:nvSpPr>
-        <p:spPr/>
+        <p:spPr>
+          <a:xfrm>
+            <a:off x="581191" y="1638750"/>
+            <a:ext cx="11029616" cy="988332"/>
+          </a:xfrm>
+        </p:spPr>
         <p:txBody>
           <a:bodyPr/>
           <a:lstStyle/>
@@ -1257,19 +2501,13 @@
               <a:rPr lang="en-US"/>
               <a:t>Click to edit Master title style</a:t>
             </a:r>
-            <a:endParaRPr lang="en-IN"/>
-          </a:p>
-        </p:txBody>
-      </p:sp>
-      <p:sp>
-        <p:nvSpPr>
-          <p:cNvPr id="3" name="Content Placeholder 2">
-            <a:extLst>
-              <a:ext uri="{FF2B5EF4-FFF2-40B4-BE49-F238E27FC236}">
-                <a16:creationId xmlns:a16="http://schemas.microsoft.com/office/drawing/2014/main" id="{37BD58C1-BFEF-6D95-5202-430967C1FF7F}"/>
-              </a:ext>
-            </a:extLst>
-          </p:cNvPr>
+            <a:endParaRPr lang="en-US" dirty="0"/>
+          </a:p>
+        </p:txBody>
+      </p:sp>
+      <p:sp>
+        <p:nvSpPr>
+          <p:cNvPr id="3" name="Content Placeholder 2"/>
           <p:cNvSpPr>
             <a:spLocks noGrp="1"/>
           </p:cNvSpPr>
@@ -1279,128 +2517,162 @@
         </p:nvSpPr>
         <p:spPr>
           <a:xfrm>
-            <a:off x="838200" y="1825625"/>
-            <a:ext cx="5181600" cy="4351338"/>
+            <a:off x="581193" y="2228003"/>
+            <a:ext cx="5422390" cy="3633047"/>
           </a:xfrm>
         </p:spPr>
         <p:txBody>
+          <a:bodyPr>
+            <a:normAutofit/>
+          </a:bodyPr>
+          <a:lstStyle/>
+          <a:p>
+            <a:pPr lvl="0"/>
+            <a:r>
+              <a:rPr lang="en-US"/>
+              <a:t>Click to edit Master text styles</a:t>
+            </a:r>
+          </a:p>
+          <a:p>
+            <a:pPr lvl="1"/>
+            <a:r>
+              <a:rPr lang="en-US"/>
+              <a:t>Second level</a:t>
+            </a:r>
+          </a:p>
+          <a:p>
+            <a:pPr lvl="2"/>
+            <a:r>
+              <a:rPr lang="en-US"/>
+              <a:t>Third level</a:t>
+            </a:r>
+          </a:p>
+          <a:p>
+            <a:pPr lvl="3"/>
+            <a:r>
+              <a:rPr lang="en-US"/>
+              <a:t>Fourth level</a:t>
+            </a:r>
+          </a:p>
+          <a:p>
+            <a:pPr lvl="4"/>
+            <a:r>
+              <a:rPr lang="en-US"/>
+              <a:t>Fifth level</a:t>
+            </a:r>
+            <a:endParaRPr lang="en-US" dirty="0"/>
+          </a:p>
+        </p:txBody>
+      </p:sp>
+      <p:sp>
+        <p:nvSpPr>
+          <p:cNvPr id="4" name="Content Placeholder 3"/>
+          <p:cNvSpPr>
+            <a:spLocks noGrp="1"/>
+          </p:cNvSpPr>
+          <p:nvPr>
+            <p:ph sz="half" idx="2"/>
+          </p:nvPr>
+        </p:nvSpPr>
+        <p:spPr>
+          <a:xfrm>
+            <a:off x="6188417" y="2228003"/>
+            <a:ext cx="5422392" cy="3633047"/>
+          </a:xfrm>
+        </p:spPr>
+        <p:txBody>
+          <a:bodyPr>
+            <a:normAutofit/>
+          </a:bodyPr>
+          <a:lstStyle/>
+          <a:p>
+            <a:pPr lvl="0"/>
+            <a:r>
+              <a:rPr lang="en-US"/>
+              <a:t>Click to edit Master text styles</a:t>
+            </a:r>
+          </a:p>
+          <a:p>
+            <a:pPr lvl="1"/>
+            <a:r>
+              <a:rPr lang="en-US"/>
+              <a:t>Second level</a:t>
+            </a:r>
+          </a:p>
+          <a:p>
+            <a:pPr lvl="2"/>
+            <a:r>
+              <a:rPr lang="en-US"/>
+              <a:t>Third level</a:t>
+            </a:r>
+          </a:p>
+          <a:p>
+            <a:pPr lvl="3"/>
+            <a:r>
+              <a:rPr lang="en-US"/>
+              <a:t>Fourth level</a:t>
+            </a:r>
+          </a:p>
+          <a:p>
+            <a:pPr lvl="4"/>
+            <a:r>
+              <a:rPr lang="en-US"/>
+              <a:t>Fifth level</a:t>
+            </a:r>
+            <a:endParaRPr lang="en-US" dirty="0"/>
+          </a:p>
+        </p:txBody>
+      </p:sp>
+      <p:sp>
+        <p:nvSpPr>
+          <p:cNvPr id="5" name="Date Placeholder 4"/>
+          <p:cNvSpPr>
+            <a:spLocks noGrp="1"/>
+          </p:cNvSpPr>
+          <p:nvPr>
+            <p:ph type="dt" sz="half" idx="10"/>
+          </p:nvPr>
+        </p:nvSpPr>
+        <p:spPr/>
+        <p:txBody>
           <a:bodyPr/>
           <a:lstStyle/>
           <a:p>
-            <a:pPr lvl="0"/>
-            <a:r>
-              <a:rPr lang="en-US"/>
-              <a:t>Click to edit Master text styles</a:t>
-            </a:r>
-          </a:p>
-          <a:p>
-            <a:pPr lvl="1"/>
-            <a:r>
-              <a:rPr lang="en-US"/>
-              <a:t>Second level</a:t>
-            </a:r>
-          </a:p>
-          <a:p>
-            <a:pPr lvl="2"/>
-            <a:r>
-              <a:rPr lang="en-US"/>
-              <a:t>Third level</a:t>
-            </a:r>
-          </a:p>
-          <a:p>
-            <a:pPr lvl="3"/>
-            <a:r>
-              <a:rPr lang="en-US"/>
-              <a:t>Fourth level</a:t>
-            </a:r>
-          </a:p>
-          <a:p>
-            <a:pPr lvl="4"/>
-            <a:r>
-              <a:rPr lang="en-US"/>
-              <a:t>Fifth level</a:t>
-            </a:r>
-            <a:endParaRPr lang="en-IN"/>
-          </a:p>
-        </p:txBody>
-      </p:sp>
-      <p:sp>
-        <p:nvSpPr>
-          <p:cNvPr id="4" name="Content Placeholder 3">
-            <a:extLst>
-              <a:ext uri="{FF2B5EF4-FFF2-40B4-BE49-F238E27FC236}">
-                <a16:creationId xmlns:a16="http://schemas.microsoft.com/office/drawing/2014/main" id="{017C2364-0BDE-9BDF-1753-B9FD3242DF77}"/>
-              </a:ext>
-            </a:extLst>
-          </p:cNvPr>
-          <p:cNvSpPr>
-            <a:spLocks noGrp="1"/>
-          </p:cNvSpPr>
-          <p:nvPr>
-            <p:ph sz="half" idx="2"/>
-          </p:nvPr>
-        </p:nvSpPr>
-        <p:spPr>
-          <a:xfrm>
-            <a:off x="6172200" y="1825625"/>
-            <a:ext cx="5181600" cy="4351338"/>
-          </a:xfrm>
-        </p:spPr>
+            <a:fld id="{7C27D643-009E-4678-B05C-76B4F1C28947}" type="datetime1">
+              <a:rPr lang="en-US" smtClean="0"/>
+              <a:t>8/18/2022</a:t>
+            </a:fld>
+            <a:endParaRPr lang="en-US" dirty="0"/>
+          </a:p>
+        </p:txBody>
+      </p:sp>
+      <p:sp>
+        <p:nvSpPr>
+          <p:cNvPr id="6" name="Footer Placeholder 5"/>
+          <p:cNvSpPr>
+            <a:spLocks noGrp="1"/>
+          </p:cNvSpPr>
+          <p:nvPr>
+            <p:ph type="ftr" sz="quarter" idx="11"/>
+          </p:nvPr>
+        </p:nvSpPr>
+        <p:spPr/>
         <p:txBody>
           <a:bodyPr/>
           <a:lstStyle/>
           <a:p>
-            <a:pPr lvl="0"/>
-            <a:r>
-              <a:rPr lang="en-US"/>
-              <a:t>Click to edit Master text styles</a:t>
-            </a:r>
-          </a:p>
-          <a:p>
-            <a:pPr lvl="1"/>
-            <a:r>
-              <a:rPr lang="en-US"/>
-              <a:t>Second level</a:t>
-            </a:r>
-          </a:p>
-          <a:p>
-            <a:pPr lvl="2"/>
-            <a:r>
-              <a:rPr lang="en-US"/>
-              <a:t>Third level</a:t>
-            </a:r>
-          </a:p>
-          <a:p>
-            <a:pPr lvl="3"/>
-            <a:r>
-              <a:rPr lang="en-US"/>
-              <a:t>Fourth level</a:t>
-            </a:r>
-          </a:p>
-          <a:p>
-            <a:pPr lvl="4"/>
-            <a:r>
-              <a:rPr lang="en-US"/>
-              <a:t>Fifth level</a:t>
-            </a:r>
-            <a:endParaRPr lang="en-IN"/>
-          </a:p>
-        </p:txBody>
-      </p:sp>
-      <p:sp>
-        <p:nvSpPr>
-          <p:cNvPr id="5" name="Date Placeholder 4">
-            <a:extLst>
-              <a:ext uri="{FF2B5EF4-FFF2-40B4-BE49-F238E27FC236}">
-                <a16:creationId xmlns:a16="http://schemas.microsoft.com/office/drawing/2014/main" id="{14571DBB-1D7C-87E6-B4D9-26C266D5F964}"/>
-              </a:ext>
-            </a:extLst>
-          </p:cNvPr>
-          <p:cNvSpPr>
-            <a:spLocks noGrp="1"/>
-          </p:cNvSpPr>
-          <p:nvPr>
-            <p:ph type="dt" sz="half" idx="10"/>
+            <a:endParaRPr lang="en-US" dirty="0"/>
+          </a:p>
+        </p:txBody>
+      </p:sp>
+      <p:sp>
+        <p:nvSpPr>
+          <p:cNvPr id="7" name="Slide Number Placeholder 6"/>
+          <p:cNvSpPr>
+            <a:spLocks noGrp="1"/>
+          </p:cNvSpPr>
+          <p:nvPr>
+            <p:ph type="sldNum" sz="quarter" idx="12"/>
           </p:nvPr>
         </p:nvSpPr>
         <p:spPr/>
@@ -1408,72 +2680,19 @@
           <a:bodyPr/>
           <a:lstStyle/>
           <a:p>
-            <a:fld id="{611936E0-B627-4E1C-9547-8319A602A7B6}" type="datetimeFigureOut">
-              <a:rPr lang="en-IN" smtClean="0"/>
-              <a:t>18-08-2022</a:t>
-            </a:fld>
-            <a:endParaRPr lang="en-IN"/>
-          </a:p>
-        </p:txBody>
-      </p:sp>
-      <p:sp>
-        <p:nvSpPr>
-          <p:cNvPr id="6" name="Footer Placeholder 5">
-            <a:extLst>
-              <a:ext uri="{FF2B5EF4-FFF2-40B4-BE49-F238E27FC236}">
-                <a16:creationId xmlns:a16="http://schemas.microsoft.com/office/drawing/2014/main" id="{5E4C69D9-86DA-9791-39DA-A44707B745FD}"/>
-              </a:ext>
-            </a:extLst>
-          </p:cNvPr>
-          <p:cNvSpPr>
-            <a:spLocks noGrp="1"/>
-          </p:cNvSpPr>
-          <p:nvPr>
-            <p:ph type="ftr" sz="quarter" idx="11"/>
-          </p:nvPr>
-        </p:nvSpPr>
-        <p:spPr/>
-        <p:txBody>
-          <a:bodyPr/>
-          <a:lstStyle/>
-          <a:p>
-            <a:endParaRPr lang="en-IN"/>
-          </a:p>
-        </p:txBody>
-      </p:sp>
-      <p:sp>
-        <p:nvSpPr>
-          <p:cNvPr id="7" name="Slide Number Placeholder 6">
-            <a:extLst>
-              <a:ext uri="{FF2B5EF4-FFF2-40B4-BE49-F238E27FC236}">
-                <a16:creationId xmlns:a16="http://schemas.microsoft.com/office/drawing/2014/main" id="{39EA7193-2F52-9EF8-20C1-1631A441A37C}"/>
-              </a:ext>
-            </a:extLst>
-          </p:cNvPr>
-          <p:cNvSpPr>
-            <a:spLocks noGrp="1"/>
-          </p:cNvSpPr>
-          <p:nvPr>
-            <p:ph type="sldNum" sz="quarter" idx="12"/>
-          </p:nvPr>
-        </p:nvSpPr>
-        <p:spPr/>
-        <p:txBody>
-          <a:bodyPr/>
-          <a:lstStyle/>
-          <a:p>
-            <a:fld id="{8C03C3B1-0BAE-4F9C-A912-AA6A00B43AA9}" type="slidenum">
-              <a:rPr lang="en-IN" smtClean="0"/>
+            <a:fld id="{D57F1E4F-1CFF-5643-939E-217C01CDF565}" type="slidenum">
+              <a:rPr lang="en-US" smtClean="0"/>
+              <a:pPr/>
               <a:t>‹#›</a:t>
             </a:fld>
-            <a:endParaRPr lang="en-IN"/>
+            <a:endParaRPr lang="en-US" dirty="0"/>
           </a:p>
         </p:txBody>
       </p:sp>
     </p:spTree>
     <p:extLst>
       <p:ext uri="{BB962C8B-B14F-4D97-AF65-F5344CB8AC3E}">
-        <p14:creationId xmlns:p14="http://schemas.microsoft.com/office/powerpoint/2010/main" val="2632636057"/>
+        <p14:creationId xmlns:p14="http://schemas.microsoft.com/office/powerpoint/2010/main" val="120360051"/>
       </p:ext>
     </p:extLst>
   </p:cSld>
@@ -1502,24 +2721,57 @@
       </p:grpSpPr>
       <p:sp>
         <p:nvSpPr>
-          <p:cNvPr id="2" name="Title 1">
-            <a:extLst>
-              <a:ext uri="{FF2B5EF4-FFF2-40B4-BE49-F238E27FC236}">
-                <a16:creationId xmlns:a16="http://schemas.microsoft.com/office/drawing/2014/main" id="{9C5CEF5B-47F6-3EEF-1DA5-4B378C0E45A3}"/>
-              </a:ext>
-            </a:extLst>
-          </p:cNvPr>
-          <p:cNvSpPr>
-            <a:spLocks noGrp="1"/>
-          </p:cNvSpPr>
-          <p:nvPr>
-            <p:ph type="title"/>
-          </p:nvPr>
+          <p:cNvPr id="11" name="Rectangle 10"/>
+          <p:cNvSpPr>
+            <a:spLocks noChangeAspect="1"/>
+          </p:cNvSpPr>
+          <p:nvPr/>
         </p:nvSpPr>
         <p:spPr>
           <a:xfrm>
-            <a:off x="839788" y="365125"/>
-            <a:ext cx="10515600" cy="1325563"/>
+            <a:off x="445982" y="606554"/>
+            <a:ext cx="11300036" cy="1258827"/>
+          </a:xfrm>
+          <a:prstGeom prst="rect">
+            <a:avLst/>
+          </a:prstGeom>
+          <a:solidFill>
+            <a:schemeClr val="accent1"/>
+          </a:solidFill>
+          <a:ln>
+            <a:noFill/>
+          </a:ln>
+          <a:effectLst/>
+        </p:spPr>
+        <p:style>
+          <a:lnRef idx="1">
+            <a:schemeClr val="accent1"/>
+          </a:lnRef>
+          <a:fillRef idx="3">
+            <a:schemeClr val="accent1"/>
+          </a:fillRef>
+          <a:effectRef idx="2">
+            <a:schemeClr val="accent1"/>
+          </a:effectRef>
+          <a:fontRef idx="minor">
+            <a:schemeClr val="lt1"/>
+          </a:fontRef>
+        </p:style>
+      </p:sp>
+      <p:sp>
+        <p:nvSpPr>
+          <p:cNvPr id="12" name="Title 1"/>
+          <p:cNvSpPr>
+            <a:spLocks noGrp="1"/>
+          </p:cNvSpPr>
+          <p:nvPr>
+            <p:ph type="title"/>
+          </p:nvPr>
+        </p:nvSpPr>
+        <p:spPr>
+          <a:xfrm>
+            <a:off x="581193" y="729658"/>
+            <a:ext cx="11029616" cy="988332"/>
           </a:xfrm>
         </p:spPr>
         <p:txBody>
@@ -1530,19 +2782,13 @@
               <a:rPr lang="en-US"/>
               <a:t>Click to edit Master title style</a:t>
             </a:r>
-            <a:endParaRPr lang="en-IN"/>
-          </a:p>
-        </p:txBody>
-      </p:sp>
-      <p:sp>
-        <p:nvSpPr>
-          <p:cNvPr id="3" name="Text Placeholder 2">
-            <a:extLst>
-              <a:ext uri="{FF2B5EF4-FFF2-40B4-BE49-F238E27FC236}">
-                <a16:creationId xmlns:a16="http://schemas.microsoft.com/office/drawing/2014/main" id="{6F838B3B-16E9-F818-D276-567CA9FDEA7E}"/>
-              </a:ext>
-            </a:extLst>
-          </p:cNvPr>
+            <a:endParaRPr lang="en-US" dirty="0"/>
+          </a:p>
+        </p:txBody>
+      </p:sp>
+      <p:sp>
+        <p:nvSpPr>
+          <p:cNvPr id="3" name="Text Placeholder 2"/>
           <p:cNvSpPr>
             <a:spLocks noGrp="1"/>
           </p:cNvSpPr>
@@ -1552,16 +2798,22 @@
         </p:nvSpPr>
         <p:spPr>
           <a:xfrm>
-            <a:off x="839788" y="1681163"/>
-            <a:ext cx="5157787" cy="823912"/>
+            <a:off x="887219" y="2250892"/>
+            <a:ext cx="5087075" cy="536005"/>
           </a:xfrm>
         </p:spPr>
         <p:txBody>
-          <a:bodyPr anchor="b"/>
+          <a:bodyPr anchor="b">
+            <a:noAutofit/>
+          </a:bodyPr>
           <a:lstStyle>
             <a:lvl1pPr marL="0" indent="0">
               <a:buNone/>
-              <a:defRPr sz="2400" b="1"/>
+              <a:defRPr sz="2200" b="0">
+                <a:solidFill>
+                  <a:schemeClr val="accent2"/>
+                </a:solidFill>
+              </a:defRPr>
             </a:lvl1pPr>
             <a:lvl2pPr marL="457200" indent="0">
               <a:buNone/>
@@ -1607,13 +2859,7 @@
       </p:sp>
       <p:sp>
         <p:nvSpPr>
-          <p:cNvPr id="4" name="Content Placeholder 3">
-            <a:extLst>
-              <a:ext uri="{FF2B5EF4-FFF2-40B4-BE49-F238E27FC236}">
-                <a16:creationId xmlns:a16="http://schemas.microsoft.com/office/drawing/2014/main" id="{DC7B378B-0D57-56A6-FEC8-8CEC9C3D227E}"/>
-              </a:ext>
-            </a:extLst>
-          </p:cNvPr>
+          <p:cNvPr id="4" name="Content Placeholder 3"/>
           <p:cNvSpPr>
             <a:spLocks noGrp="1"/>
           </p:cNvSpPr>
@@ -1623,12 +2869,14 @@
         </p:nvSpPr>
         <p:spPr>
           <a:xfrm>
-            <a:off x="839788" y="2505075"/>
-            <a:ext cx="5157787" cy="3684588"/>
+            <a:off x="581194" y="2926052"/>
+            <a:ext cx="5393100" cy="2934999"/>
           </a:xfrm>
         </p:spPr>
         <p:txBody>
-          <a:bodyPr/>
+          <a:bodyPr anchor="t">
+            <a:normAutofit/>
+          </a:bodyPr>
           <a:lstStyle/>
           <a:p>
             <a:pPr lvl="0"/>
@@ -1664,19 +2912,13 @@
               <a:rPr lang="en-US"/>
               <a:t>Fifth level</a:t>
             </a:r>
-            <a:endParaRPr lang="en-IN"/>
-          </a:p>
-        </p:txBody>
-      </p:sp>
-      <p:sp>
-        <p:nvSpPr>
-          <p:cNvPr id="5" name="Text Placeholder 4">
-            <a:extLst>
-              <a:ext uri="{FF2B5EF4-FFF2-40B4-BE49-F238E27FC236}">
-                <a16:creationId xmlns:a16="http://schemas.microsoft.com/office/drawing/2014/main" id="{344A35F3-B179-555E-0983-5BFAE115DD8D}"/>
-              </a:ext>
-            </a:extLst>
-          </p:cNvPr>
+            <a:endParaRPr lang="en-US" dirty="0"/>
+          </a:p>
+        </p:txBody>
+      </p:sp>
+      <p:sp>
+        <p:nvSpPr>
+          <p:cNvPr id="5" name="Text Placeholder 4"/>
           <p:cNvSpPr>
             <a:spLocks noGrp="1"/>
           </p:cNvSpPr>
@@ -1686,16 +2928,22 @@
         </p:nvSpPr>
         <p:spPr>
           <a:xfrm>
-            <a:off x="6172200" y="1681163"/>
-            <a:ext cx="5183188" cy="823912"/>
+            <a:off x="6523735" y="2250892"/>
+            <a:ext cx="5087073" cy="553373"/>
           </a:xfrm>
         </p:spPr>
         <p:txBody>
-          <a:bodyPr anchor="b"/>
+          <a:bodyPr anchor="b">
+            <a:noAutofit/>
+          </a:bodyPr>
           <a:lstStyle>
             <a:lvl1pPr marL="0" indent="0">
               <a:buNone/>
-              <a:defRPr sz="2400" b="1"/>
+              <a:defRPr sz="2200" b="0">
+                <a:solidFill>
+                  <a:schemeClr val="accent2"/>
+                </a:solidFill>
+              </a:defRPr>
             </a:lvl1pPr>
             <a:lvl2pPr marL="457200" indent="0">
               <a:buNone/>
@@ -1741,13 +2989,7 @@
       </p:sp>
       <p:sp>
         <p:nvSpPr>
-          <p:cNvPr id="6" name="Content Placeholder 5">
-            <a:extLst>
-              <a:ext uri="{FF2B5EF4-FFF2-40B4-BE49-F238E27FC236}">
-                <a16:creationId xmlns:a16="http://schemas.microsoft.com/office/drawing/2014/main" id="{8F83A18C-12F9-7C2E-F3DE-16C585071697}"/>
-              </a:ext>
-            </a:extLst>
-          </p:cNvPr>
+          <p:cNvPr id="6" name="Content Placeholder 5"/>
           <p:cNvSpPr>
             <a:spLocks noGrp="1"/>
           </p:cNvSpPr>
@@ -1757,65 +2999,84 @@
         </p:nvSpPr>
         <p:spPr>
           <a:xfrm>
-            <a:off x="6172200" y="2505075"/>
-            <a:ext cx="5183188" cy="3684588"/>
+            <a:off x="6217709" y="2926052"/>
+            <a:ext cx="5393100" cy="2934999"/>
           </a:xfrm>
         </p:spPr>
         <p:txBody>
+          <a:bodyPr anchor="t">
+            <a:normAutofit/>
+          </a:bodyPr>
+          <a:lstStyle/>
+          <a:p>
+            <a:pPr lvl="0"/>
+            <a:r>
+              <a:rPr lang="en-US"/>
+              <a:t>Click to edit Master text styles</a:t>
+            </a:r>
+          </a:p>
+          <a:p>
+            <a:pPr lvl="1"/>
+            <a:r>
+              <a:rPr lang="en-US"/>
+              <a:t>Second level</a:t>
+            </a:r>
+          </a:p>
+          <a:p>
+            <a:pPr lvl="2"/>
+            <a:r>
+              <a:rPr lang="en-US"/>
+              <a:t>Third level</a:t>
+            </a:r>
+          </a:p>
+          <a:p>
+            <a:pPr lvl="3"/>
+            <a:r>
+              <a:rPr lang="en-US"/>
+              <a:t>Fourth level</a:t>
+            </a:r>
+          </a:p>
+          <a:p>
+            <a:pPr lvl="4"/>
+            <a:r>
+              <a:rPr lang="en-US"/>
+              <a:t>Fifth level</a:t>
+            </a:r>
+            <a:endParaRPr lang="en-US" dirty="0"/>
+          </a:p>
+        </p:txBody>
+      </p:sp>
+      <p:sp>
+        <p:nvSpPr>
+          <p:cNvPr id="7" name="Date Placeholder 6"/>
+          <p:cNvSpPr>
+            <a:spLocks noGrp="1"/>
+          </p:cNvSpPr>
+          <p:nvPr>
+            <p:ph type="dt" sz="half" idx="10"/>
+          </p:nvPr>
+        </p:nvSpPr>
+        <p:spPr/>
+        <p:txBody>
           <a:bodyPr/>
           <a:lstStyle/>
           <a:p>
-            <a:pPr lvl="0"/>
-            <a:r>
-              <a:rPr lang="en-US"/>
-              <a:t>Click to edit Master text styles</a:t>
-            </a:r>
-          </a:p>
-          <a:p>
-            <a:pPr lvl="1"/>
-            <a:r>
-              <a:rPr lang="en-US"/>
-              <a:t>Second level</a:t>
-            </a:r>
-          </a:p>
-          <a:p>
-            <a:pPr lvl="2"/>
-            <a:r>
-              <a:rPr lang="en-US"/>
-              <a:t>Third level</a:t>
-            </a:r>
-          </a:p>
-          <a:p>
-            <a:pPr lvl="3"/>
-            <a:r>
-              <a:rPr lang="en-US"/>
-              <a:t>Fourth level</a:t>
-            </a:r>
-          </a:p>
-          <a:p>
-            <a:pPr lvl="4"/>
-            <a:r>
-              <a:rPr lang="en-US"/>
-              <a:t>Fifth level</a:t>
-            </a:r>
-            <a:endParaRPr lang="en-IN"/>
-          </a:p>
-        </p:txBody>
-      </p:sp>
-      <p:sp>
-        <p:nvSpPr>
-          <p:cNvPr id="7" name="Date Placeholder 6">
-            <a:extLst>
-              <a:ext uri="{FF2B5EF4-FFF2-40B4-BE49-F238E27FC236}">
-                <a16:creationId xmlns:a16="http://schemas.microsoft.com/office/drawing/2014/main" id="{62D1C896-2F6F-4873-F636-992DB5D0A85A}"/>
-              </a:ext>
-            </a:extLst>
-          </p:cNvPr>
-          <p:cNvSpPr>
-            <a:spLocks noGrp="1"/>
-          </p:cNvSpPr>
-          <p:nvPr>
-            <p:ph type="dt" sz="half" idx="10"/>
+            <a:fld id="{EE365AF3-C75A-4EF5-939F-2B331D052B46}" type="datetime1">
+              <a:rPr lang="en-US" smtClean="0"/>
+              <a:t>8/18/2022</a:t>
+            </a:fld>
+            <a:endParaRPr lang="en-US" dirty="0"/>
+          </a:p>
+        </p:txBody>
+      </p:sp>
+      <p:sp>
+        <p:nvSpPr>
+          <p:cNvPr id="8" name="Footer Placeholder 7"/>
+          <p:cNvSpPr>
+            <a:spLocks noGrp="1"/>
+          </p:cNvSpPr>
+          <p:nvPr>
+            <p:ph type="ftr" sz="quarter" idx="11"/>
           </p:nvPr>
         </p:nvSpPr>
         <p:spPr/>
@@ -1823,28 +3084,18 @@
           <a:bodyPr/>
           <a:lstStyle/>
           <a:p>
-            <a:fld id="{611936E0-B627-4E1C-9547-8319A602A7B6}" type="datetimeFigureOut">
-              <a:rPr lang="en-IN" smtClean="0"/>
-              <a:t>18-08-2022</a:t>
-            </a:fld>
-            <a:endParaRPr lang="en-IN"/>
-          </a:p>
-        </p:txBody>
-      </p:sp>
-      <p:sp>
-        <p:nvSpPr>
-          <p:cNvPr id="8" name="Footer Placeholder 7">
-            <a:extLst>
-              <a:ext uri="{FF2B5EF4-FFF2-40B4-BE49-F238E27FC236}">
-                <a16:creationId xmlns:a16="http://schemas.microsoft.com/office/drawing/2014/main" id="{B53B6A89-4F32-36F6-9325-EB7C017290B1}"/>
-              </a:ext>
-            </a:extLst>
-          </p:cNvPr>
-          <p:cNvSpPr>
-            <a:spLocks noGrp="1"/>
-          </p:cNvSpPr>
-          <p:nvPr>
-            <p:ph type="ftr" sz="quarter" idx="11"/>
+            <a:endParaRPr lang="en-US" dirty="0"/>
+          </a:p>
+        </p:txBody>
+      </p:sp>
+      <p:sp>
+        <p:nvSpPr>
+          <p:cNvPr id="9" name="Slide Number Placeholder 8"/>
+          <p:cNvSpPr>
+            <a:spLocks noGrp="1"/>
+          </p:cNvSpPr>
+          <p:nvPr>
+            <p:ph type="sldNum" sz="quarter" idx="12"/>
           </p:nvPr>
         </p:nvSpPr>
         <p:spPr/>
@@ -1852,43 +3103,19 @@
           <a:bodyPr/>
           <a:lstStyle/>
           <a:p>
-            <a:endParaRPr lang="en-IN"/>
-          </a:p>
-        </p:txBody>
-      </p:sp>
-      <p:sp>
-        <p:nvSpPr>
-          <p:cNvPr id="9" name="Slide Number Placeholder 8">
-            <a:extLst>
-              <a:ext uri="{FF2B5EF4-FFF2-40B4-BE49-F238E27FC236}">
-                <a16:creationId xmlns:a16="http://schemas.microsoft.com/office/drawing/2014/main" id="{8EB5A99F-7376-CD7C-1D24-CF9D749EA6B4}"/>
-              </a:ext>
-            </a:extLst>
-          </p:cNvPr>
-          <p:cNvSpPr>
-            <a:spLocks noGrp="1"/>
-          </p:cNvSpPr>
-          <p:nvPr>
-            <p:ph type="sldNum" sz="quarter" idx="12"/>
-          </p:nvPr>
-        </p:nvSpPr>
-        <p:spPr/>
-        <p:txBody>
-          <a:bodyPr/>
-          <a:lstStyle/>
-          <a:p>
-            <a:fld id="{8C03C3B1-0BAE-4F9C-A912-AA6A00B43AA9}" type="slidenum">
-              <a:rPr lang="en-IN" smtClean="0"/>
+            <a:fld id="{D57F1E4F-1CFF-5643-939E-217C01CDF565}" type="slidenum">
+              <a:rPr lang="en-US" smtClean="0"/>
+              <a:pPr/>
               <a:t>‹#›</a:t>
             </a:fld>
-            <a:endParaRPr lang="en-IN"/>
+            <a:endParaRPr lang="en-US" dirty="0"/>
           </a:p>
         </p:txBody>
       </p:sp>
     </p:spTree>
     <p:extLst>
       <p:ext uri="{BB962C8B-B14F-4D97-AF65-F5344CB8AC3E}">
-        <p14:creationId xmlns:p14="http://schemas.microsoft.com/office/powerpoint/2010/main" val="2490697320"/>
+        <p14:creationId xmlns:p14="http://schemas.microsoft.com/office/powerpoint/2010/main" val="3256457140"/>
       </p:ext>
     </p:extLst>
   </p:cSld>
@@ -1917,18 +3144,12 @@
       </p:grpSpPr>
       <p:sp>
         <p:nvSpPr>
-          <p:cNvPr id="2" name="Title 1">
-            <a:extLst>
-              <a:ext uri="{FF2B5EF4-FFF2-40B4-BE49-F238E27FC236}">
-                <a16:creationId xmlns:a16="http://schemas.microsoft.com/office/drawing/2014/main" id="{24F7BCA7-FE5B-162B-CB7C-C4D1822C9F17}"/>
-              </a:ext>
-            </a:extLst>
-          </p:cNvPr>
-          <p:cNvSpPr>
-            <a:spLocks noGrp="1"/>
-          </p:cNvSpPr>
-          <p:nvPr>
-            <p:ph type="title"/>
+          <p:cNvPr id="3" name="Date Placeholder 2"/>
+          <p:cNvSpPr>
+            <a:spLocks noGrp="1"/>
+          </p:cNvSpPr>
+          <p:nvPr>
+            <p:ph type="dt" sz="half" idx="10"/>
           </p:nvPr>
         </p:nvSpPr>
         <p:spPr/>
@@ -1936,28 +3157,22 @@
           <a:bodyPr/>
           <a:lstStyle/>
           <a:p>
-            <a:r>
-              <a:rPr lang="en-US"/>
-              <a:t>Click to edit Master title style</a:t>
-            </a:r>
-            <a:endParaRPr lang="en-IN"/>
-          </a:p>
-        </p:txBody>
-      </p:sp>
-      <p:sp>
-        <p:nvSpPr>
-          <p:cNvPr id="3" name="Date Placeholder 2">
-            <a:extLst>
-              <a:ext uri="{FF2B5EF4-FFF2-40B4-BE49-F238E27FC236}">
-                <a16:creationId xmlns:a16="http://schemas.microsoft.com/office/drawing/2014/main" id="{C095BBE9-A38B-5ECE-B3AE-368B0F9735B4}"/>
-              </a:ext>
-            </a:extLst>
-          </p:cNvPr>
-          <p:cNvSpPr>
-            <a:spLocks noGrp="1"/>
-          </p:cNvSpPr>
-          <p:nvPr>
-            <p:ph type="dt" sz="half" idx="10"/>
+            <a:fld id="{E0ABDAE4-0B5A-479C-AF02-364712311EC4}" type="datetime1">
+              <a:rPr lang="en-US" smtClean="0"/>
+              <a:t>8/18/2022</a:t>
+            </a:fld>
+            <a:endParaRPr lang="en-US" dirty="0"/>
+          </a:p>
+        </p:txBody>
+      </p:sp>
+      <p:sp>
+        <p:nvSpPr>
+          <p:cNvPr id="4" name="Footer Placeholder 3"/>
+          <p:cNvSpPr>
+            <a:spLocks noGrp="1"/>
+          </p:cNvSpPr>
+          <p:nvPr>
+            <p:ph type="ftr" sz="quarter" idx="11"/>
           </p:nvPr>
         </p:nvSpPr>
         <p:spPr/>
@@ -1965,28 +3180,18 @@
           <a:bodyPr/>
           <a:lstStyle/>
           <a:p>
-            <a:fld id="{611936E0-B627-4E1C-9547-8319A602A7B6}" type="datetimeFigureOut">
-              <a:rPr lang="en-IN" smtClean="0"/>
-              <a:t>18-08-2022</a:t>
-            </a:fld>
-            <a:endParaRPr lang="en-IN"/>
-          </a:p>
-        </p:txBody>
-      </p:sp>
-      <p:sp>
-        <p:nvSpPr>
-          <p:cNvPr id="4" name="Footer Placeholder 3">
-            <a:extLst>
-              <a:ext uri="{FF2B5EF4-FFF2-40B4-BE49-F238E27FC236}">
-                <a16:creationId xmlns:a16="http://schemas.microsoft.com/office/drawing/2014/main" id="{0BF7FCA1-D596-8913-6725-0550A87E258E}"/>
-              </a:ext>
-            </a:extLst>
-          </p:cNvPr>
-          <p:cNvSpPr>
-            <a:spLocks noGrp="1"/>
-          </p:cNvSpPr>
-          <p:nvPr>
-            <p:ph type="ftr" sz="quarter" idx="11"/>
+            <a:endParaRPr lang="en-US" dirty="0"/>
+          </a:p>
+        </p:txBody>
+      </p:sp>
+      <p:sp>
+        <p:nvSpPr>
+          <p:cNvPr id="5" name="Slide Number Placeholder 4"/>
+          <p:cNvSpPr>
+            <a:spLocks noGrp="1"/>
+          </p:cNvSpPr>
+          <p:nvPr>
+            <p:ph type="sldNum" sz="quarter" idx="12"/>
           </p:nvPr>
         </p:nvSpPr>
         <p:spPr/>
@@ -1994,43 +3199,86 @@
           <a:bodyPr/>
           <a:lstStyle/>
           <a:p>
-            <a:endParaRPr lang="en-IN"/>
-          </a:p>
-        </p:txBody>
-      </p:sp>
-      <p:sp>
-        <p:nvSpPr>
-          <p:cNvPr id="5" name="Slide Number Placeholder 4">
-            <a:extLst>
-              <a:ext uri="{FF2B5EF4-FFF2-40B4-BE49-F238E27FC236}">
-                <a16:creationId xmlns:a16="http://schemas.microsoft.com/office/drawing/2014/main" id="{74AE84CF-36B5-36F5-CF80-0D0DA2D9B84E}"/>
-              </a:ext>
-            </a:extLst>
-          </p:cNvPr>
-          <p:cNvSpPr>
-            <a:spLocks noGrp="1"/>
-          </p:cNvSpPr>
-          <p:nvPr>
-            <p:ph type="sldNum" sz="quarter" idx="12"/>
-          </p:nvPr>
-        </p:nvSpPr>
-        <p:spPr/>
+            <a:fld id="{D57F1E4F-1CFF-5643-939E-217C01CDF565}" type="slidenum">
+              <a:rPr lang="en-US" smtClean="0"/>
+              <a:pPr/>
+              <a:t>‹#›</a:t>
+            </a:fld>
+            <a:endParaRPr lang="en-US" dirty="0"/>
+          </a:p>
+        </p:txBody>
+      </p:sp>
+      <p:sp>
+        <p:nvSpPr>
+          <p:cNvPr id="7" name="Rectangle 6"/>
+          <p:cNvSpPr>
+            <a:spLocks noChangeAspect="1"/>
+          </p:cNvSpPr>
+          <p:nvPr/>
+        </p:nvSpPr>
+        <p:spPr>
+          <a:xfrm>
+            <a:off x="0" y="0"/>
+            <a:ext cx="12192000" cy="1258827"/>
+          </a:xfrm>
+          <a:prstGeom prst="rect">
+            <a:avLst/>
+          </a:prstGeom>
+          <a:solidFill>
+            <a:schemeClr val="accent1"/>
+          </a:solidFill>
+          <a:ln>
+            <a:noFill/>
+          </a:ln>
+          <a:effectLst/>
+        </p:spPr>
+        <p:style>
+          <a:lnRef idx="1">
+            <a:schemeClr val="accent1"/>
+          </a:lnRef>
+          <a:fillRef idx="3">
+            <a:schemeClr val="accent1"/>
+          </a:fillRef>
+          <a:effectRef idx="2">
+            <a:schemeClr val="accent1"/>
+          </a:effectRef>
+          <a:fontRef idx="minor">
+            <a:schemeClr val="lt1"/>
+          </a:fontRef>
+        </p:style>
+      </p:sp>
+      <p:sp>
+        <p:nvSpPr>
+          <p:cNvPr id="8" name="Title 1"/>
+          <p:cNvSpPr>
+            <a:spLocks noGrp="1"/>
+          </p:cNvSpPr>
+          <p:nvPr>
+            <p:ph type="title"/>
+          </p:nvPr>
+        </p:nvSpPr>
+        <p:spPr>
+          <a:xfrm>
+            <a:off x="581194" y="247635"/>
+            <a:ext cx="11029616" cy="988332"/>
+          </a:xfrm>
+        </p:spPr>
         <p:txBody>
           <a:bodyPr/>
           <a:lstStyle/>
           <a:p>
-            <a:fld id="{8C03C3B1-0BAE-4F9C-A912-AA6A00B43AA9}" type="slidenum">
-              <a:rPr lang="en-IN" smtClean="0"/>
-              <a:t>‹#›</a:t>
-            </a:fld>
-            <a:endParaRPr lang="en-IN"/>
+            <a:r>
+              <a:rPr lang="en-US"/>
+              <a:t>Click to edit Master title style</a:t>
+            </a:r>
+            <a:endParaRPr lang="en-US" dirty="0"/>
           </a:p>
         </p:txBody>
       </p:sp>
     </p:spTree>
     <p:extLst>
       <p:ext uri="{BB962C8B-B14F-4D97-AF65-F5344CB8AC3E}">
-        <p14:creationId xmlns:p14="http://schemas.microsoft.com/office/powerpoint/2010/main" val="312575104"/>
+        <p14:creationId xmlns:p14="http://schemas.microsoft.com/office/powerpoint/2010/main" val="2917535038"/>
       </p:ext>
     </p:extLst>
   </p:cSld>
@@ -2059,13 +3307,7 @@
       </p:grpSpPr>
       <p:sp>
         <p:nvSpPr>
-          <p:cNvPr id="2" name="Date Placeholder 1">
-            <a:extLst>
-              <a:ext uri="{FF2B5EF4-FFF2-40B4-BE49-F238E27FC236}">
-                <a16:creationId xmlns:a16="http://schemas.microsoft.com/office/drawing/2014/main" id="{60CAF8FF-0996-D1E5-B5DB-8BBC0F9010A4}"/>
-              </a:ext>
-            </a:extLst>
-          </p:cNvPr>
+          <p:cNvPr id="2" name="Date Placeholder 1"/>
           <p:cNvSpPr>
             <a:spLocks noGrp="1"/>
           </p:cNvSpPr>
@@ -2078,23 +3320,17 @@
           <a:bodyPr/>
           <a:lstStyle/>
           <a:p>
-            <a:fld id="{611936E0-B627-4E1C-9547-8319A602A7B6}" type="datetimeFigureOut">
-              <a:rPr lang="en-IN" smtClean="0"/>
-              <a:t>18-08-2022</a:t>
+            <a:fld id="{1CD92E83-7432-4556-AAC5-DFA0F7ECC0C9}" type="datetime1">
+              <a:rPr lang="en-US" smtClean="0"/>
+              <a:t>8/18/2022</a:t>
             </a:fld>
-            <a:endParaRPr lang="en-IN"/>
-          </a:p>
-        </p:txBody>
-      </p:sp>
-      <p:sp>
-        <p:nvSpPr>
-          <p:cNvPr id="3" name="Footer Placeholder 2">
-            <a:extLst>
-              <a:ext uri="{FF2B5EF4-FFF2-40B4-BE49-F238E27FC236}">
-                <a16:creationId xmlns:a16="http://schemas.microsoft.com/office/drawing/2014/main" id="{F4F0693C-9DAA-5F32-ED56-D6AAB765D8F8}"/>
-              </a:ext>
-            </a:extLst>
-          </p:cNvPr>
+            <a:endParaRPr lang="en-US" dirty="0"/>
+          </a:p>
+        </p:txBody>
+      </p:sp>
+      <p:sp>
+        <p:nvSpPr>
+          <p:cNvPr id="3" name="Footer Placeholder 2"/>
           <p:cNvSpPr>
             <a:spLocks noGrp="1"/>
           </p:cNvSpPr>
@@ -2107,19 +3343,13 @@
           <a:bodyPr/>
           <a:lstStyle/>
           <a:p>
-            <a:endParaRPr lang="en-IN"/>
-          </a:p>
-        </p:txBody>
-      </p:sp>
-      <p:sp>
-        <p:nvSpPr>
-          <p:cNvPr id="4" name="Slide Number Placeholder 3">
-            <a:extLst>
-              <a:ext uri="{FF2B5EF4-FFF2-40B4-BE49-F238E27FC236}">
-                <a16:creationId xmlns:a16="http://schemas.microsoft.com/office/drawing/2014/main" id="{0F33477A-97B6-C2BA-BE78-8F79528FCBF9}"/>
-              </a:ext>
-            </a:extLst>
-          </p:cNvPr>
+            <a:endParaRPr lang="en-US" dirty="0"/>
+          </a:p>
+        </p:txBody>
+      </p:sp>
+      <p:sp>
+        <p:nvSpPr>
+          <p:cNvPr id="4" name="Slide Number Placeholder 3"/>
           <p:cNvSpPr>
             <a:spLocks noGrp="1"/>
           </p:cNvSpPr>
@@ -2132,18 +3362,19 @@
           <a:bodyPr/>
           <a:lstStyle/>
           <a:p>
-            <a:fld id="{8C03C3B1-0BAE-4F9C-A912-AA6A00B43AA9}" type="slidenum">
-              <a:rPr lang="en-IN" smtClean="0"/>
+            <a:fld id="{D57F1E4F-1CFF-5643-939E-217C01CDF565}" type="slidenum">
+              <a:rPr lang="en-US" smtClean="0"/>
+              <a:pPr/>
               <a:t>‹#›</a:t>
             </a:fld>
-            <a:endParaRPr lang="en-IN"/>
+            <a:endParaRPr lang="en-US" dirty="0"/>
           </a:p>
         </p:txBody>
       </p:sp>
     </p:spTree>
     <p:extLst>
       <p:ext uri="{BB962C8B-B14F-4D97-AF65-F5344CB8AC3E}">
-        <p14:creationId xmlns:p14="http://schemas.microsoft.com/office/powerpoint/2010/main" val="1855356306"/>
+        <p14:creationId xmlns:p14="http://schemas.microsoft.com/office/powerpoint/2010/main" val="820503814"/>
       </p:ext>
     </p:extLst>
   </p:cSld>
@@ -2172,291 +3403,379 @@
       </p:grpSpPr>
       <p:sp>
         <p:nvSpPr>
-          <p:cNvPr id="2" name="Title 1">
-            <a:extLst>
-              <a:ext uri="{FF2B5EF4-FFF2-40B4-BE49-F238E27FC236}">
-                <a16:creationId xmlns:a16="http://schemas.microsoft.com/office/drawing/2014/main" id="{F8D6049E-FF5F-444D-EDC0-926D1D79C909}"/>
-              </a:ext>
-            </a:extLst>
-          </p:cNvPr>
-          <p:cNvSpPr>
-            <a:spLocks noGrp="1"/>
-          </p:cNvSpPr>
-          <p:nvPr>
-            <p:ph type="title"/>
-          </p:nvPr>
+          <p:cNvPr id="9" name="Rectangle 8"/>
+          <p:cNvSpPr>
+            <a:spLocks noChangeAspect="1"/>
+          </p:cNvSpPr>
+          <p:nvPr/>
         </p:nvSpPr>
         <p:spPr>
           <a:xfrm>
-            <a:off x="839788" y="457200"/>
-            <a:ext cx="3932237" cy="1600200"/>
+            <a:off x="447817" y="5141973"/>
+            <a:ext cx="11298200" cy="1274702"/>
+          </a:xfrm>
+          <a:prstGeom prst="rect">
+            <a:avLst/>
+          </a:prstGeom>
+          <a:solidFill>
+            <a:schemeClr val="accent1"/>
+          </a:solidFill>
+          <a:ln>
+            <a:noFill/>
+          </a:ln>
+          <a:effectLst/>
+        </p:spPr>
+        <p:style>
+          <a:lnRef idx="1">
+            <a:schemeClr val="accent1"/>
+          </a:lnRef>
+          <a:fillRef idx="3">
+            <a:schemeClr val="accent1"/>
+          </a:fillRef>
+          <a:effectRef idx="2">
+            <a:schemeClr val="accent1"/>
+          </a:effectRef>
+          <a:fontRef idx="minor">
+            <a:schemeClr val="lt1"/>
+          </a:fontRef>
+        </p:style>
+      </p:sp>
+      <p:sp>
+        <p:nvSpPr>
+          <p:cNvPr id="2" name="Title 1"/>
+          <p:cNvSpPr>
+            <a:spLocks noGrp="1"/>
+          </p:cNvSpPr>
+          <p:nvPr>
+            <p:ph type="title"/>
+          </p:nvPr>
+        </p:nvSpPr>
+        <p:spPr>
+          <a:xfrm>
+            <a:off x="581192" y="5262296"/>
+            <a:ext cx="4909445" cy="689514"/>
           </a:xfrm>
         </p:spPr>
         <p:txBody>
-          <a:bodyPr anchor="b"/>
+          <a:bodyPr anchor="ctr"/>
+          <a:lstStyle>
+            <a:lvl1pPr algn="l">
+              <a:defRPr sz="2000" b="0">
+                <a:solidFill>
+                  <a:schemeClr val="accent1">
+                    <a:lumMod val="75000"/>
+                    <a:lumOff val="25000"/>
+                  </a:schemeClr>
+                </a:solidFill>
+              </a:defRPr>
+            </a:lvl1pPr>
+          </a:lstStyle>
+          <a:p>
+            <a:r>
+              <a:rPr lang="en-US"/>
+              <a:t>Click to edit Master title style</a:t>
+            </a:r>
+            <a:endParaRPr lang="en-US" dirty="0"/>
+          </a:p>
+        </p:txBody>
+      </p:sp>
+      <p:sp>
+        <p:nvSpPr>
+          <p:cNvPr id="3" name="Content Placeholder 2"/>
+          <p:cNvSpPr>
+            <a:spLocks noGrp="1"/>
+          </p:cNvSpPr>
+          <p:nvPr>
+            <p:ph idx="1"/>
+          </p:nvPr>
+        </p:nvSpPr>
+        <p:spPr>
+          <a:xfrm>
+            <a:off x="447816" y="601200"/>
+            <a:ext cx="11292840" cy="4204800"/>
+          </a:xfrm>
+        </p:spPr>
+        <p:txBody>
+          <a:bodyPr anchor="ctr">
+            <a:normAutofit/>
+          </a:bodyPr>
           <a:lstStyle>
             <a:lvl1pPr>
-              <a:defRPr sz="3200"/>
+              <a:defRPr sz="2000">
+                <a:solidFill>
+                  <a:schemeClr val="tx2"/>
+                </a:solidFill>
+              </a:defRPr>
             </a:lvl1pPr>
+            <a:lvl2pPr>
+              <a:defRPr sz="1800">
+                <a:solidFill>
+                  <a:schemeClr val="tx2"/>
+                </a:solidFill>
+              </a:defRPr>
+            </a:lvl2pPr>
+            <a:lvl3pPr>
+              <a:defRPr sz="1600">
+                <a:solidFill>
+                  <a:schemeClr val="tx2"/>
+                </a:solidFill>
+              </a:defRPr>
+            </a:lvl3pPr>
+            <a:lvl4pPr>
+              <a:defRPr sz="1400">
+                <a:solidFill>
+                  <a:schemeClr val="tx2"/>
+                </a:solidFill>
+              </a:defRPr>
+            </a:lvl4pPr>
+            <a:lvl5pPr>
+              <a:defRPr sz="1400">
+                <a:solidFill>
+                  <a:schemeClr val="tx2"/>
+                </a:solidFill>
+              </a:defRPr>
+            </a:lvl5pPr>
+            <a:lvl6pPr>
+              <a:defRPr sz="1400">
+                <a:solidFill>
+                  <a:schemeClr val="tx2"/>
+                </a:solidFill>
+              </a:defRPr>
+            </a:lvl6pPr>
+            <a:lvl7pPr>
+              <a:defRPr sz="1400">
+                <a:solidFill>
+                  <a:schemeClr val="tx2"/>
+                </a:solidFill>
+              </a:defRPr>
+            </a:lvl7pPr>
+            <a:lvl8pPr>
+              <a:defRPr sz="1400">
+                <a:solidFill>
+                  <a:schemeClr val="tx2"/>
+                </a:solidFill>
+              </a:defRPr>
+            </a:lvl8pPr>
+            <a:lvl9pPr>
+              <a:defRPr sz="1400">
+                <a:solidFill>
+                  <a:schemeClr val="tx2"/>
+                </a:solidFill>
+              </a:defRPr>
+            </a:lvl9pPr>
           </a:lstStyle>
           <a:p>
-            <a:r>
-              <a:rPr lang="en-US"/>
-              <a:t>Click to edit Master title style</a:t>
-            </a:r>
-            <a:endParaRPr lang="en-IN"/>
-          </a:p>
-        </p:txBody>
-      </p:sp>
-      <p:sp>
-        <p:nvSpPr>
-          <p:cNvPr id="3" name="Content Placeholder 2">
-            <a:extLst>
-              <a:ext uri="{FF2B5EF4-FFF2-40B4-BE49-F238E27FC236}">
-                <a16:creationId xmlns:a16="http://schemas.microsoft.com/office/drawing/2014/main" id="{8BA4F21F-621C-9917-34CD-98D579E6459C}"/>
-              </a:ext>
-            </a:extLst>
-          </p:cNvPr>
-          <p:cNvSpPr>
-            <a:spLocks noGrp="1"/>
-          </p:cNvSpPr>
-          <p:nvPr>
-            <p:ph idx="1"/>
+            <a:pPr lvl="0"/>
+            <a:r>
+              <a:rPr lang="en-US"/>
+              <a:t>Click to edit Master text styles</a:t>
+            </a:r>
+          </a:p>
+          <a:p>
+            <a:pPr lvl="1"/>
+            <a:r>
+              <a:rPr lang="en-US"/>
+              <a:t>Second level</a:t>
+            </a:r>
+          </a:p>
+          <a:p>
+            <a:pPr lvl="2"/>
+            <a:r>
+              <a:rPr lang="en-US"/>
+              <a:t>Third level</a:t>
+            </a:r>
+          </a:p>
+          <a:p>
+            <a:pPr lvl="3"/>
+            <a:r>
+              <a:rPr lang="en-US"/>
+              <a:t>Fourth level</a:t>
+            </a:r>
+          </a:p>
+          <a:p>
+            <a:pPr lvl="4"/>
+            <a:r>
+              <a:rPr lang="en-US"/>
+              <a:t>Fifth level</a:t>
+            </a:r>
+            <a:endParaRPr lang="en-US" dirty="0"/>
+          </a:p>
+        </p:txBody>
+      </p:sp>
+      <p:sp>
+        <p:nvSpPr>
+          <p:cNvPr id="4" name="Text Placeholder 3"/>
+          <p:cNvSpPr>
+            <a:spLocks noGrp="1"/>
+          </p:cNvSpPr>
+          <p:nvPr>
+            <p:ph type="body" sz="half" idx="2"/>
           </p:nvPr>
         </p:nvSpPr>
         <p:spPr>
           <a:xfrm>
-            <a:off x="5183188" y="987425"/>
-            <a:ext cx="6172200" cy="4873625"/>
+            <a:off x="5740823" y="5262296"/>
+            <a:ext cx="5869987" cy="689515"/>
           </a:xfrm>
         </p:spPr>
+        <p:txBody>
+          <a:bodyPr anchor="ctr">
+            <a:normAutofit/>
+          </a:bodyPr>
+          <a:lstStyle>
+            <a:lvl1pPr marL="0" indent="0" algn="r">
+              <a:buNone/>
+              <a:defRPr sz="1100">
+                <a:solidFill>
+                  <a:schemeClr val="bg1"/>
+                </a:solidFill>
+              </a:defRPr>
+            </a:lvl1pPr>
+            <a:lvl2pPr marL="457200" indent="0">
+              <a:buNone/>
+              <a:defRPr sz="1100"/>
+            </a:lvl2pPr>
+            <a:lvl3pPr marL="914400" indent="0">
+              <a:buNone/>
+              <a:defRPr sz="1000"/>
+            </a:lvl3pPr>
+            <a:lvl4pPr marL="1371600" indent="0">
+              <a:buNone/>
+              <a:defRPr sz="900"/>
+            </a:lvl4pPr>
+            <a:lvl5pPr marL="1828800" indent="0">
+              <a:buNone/>
+              <a:defRPr sz="900"/>
+            </a:lvl5pPr>
+            <a:lvl6pPr marL="2286000" indent="0">
+              <a:buNone/>
+              <a:defRPr sz="900"/>
+            </a:lvl6pPr>
+            <a:lvl7pPr marL="2743200" indent="0">
+              <a:buNone/>
+              <a:defRPr sz="900"/>
+            </a:lvl7pPr>
+            <a:lvl8pPr marL="3200400" indent="0">
+              <a:buNone/>
+              <a:defRPr sz="900"/>
+            </a:lvl8pPr>
+            <a:lvl9pPr marL="3657600" indent="0">
+              <a:buNone/>
+              <a:defRPr sz="900"/>
+            </a:lvl9pPr>
+          </a:lstStyle>
+          <a:p>
+            <a:pPr lvl="0"/>
+            <a:r>
+              <a:rPr lang="en-US"/>
+              <a:t>Click to edit Master text styles</a:t>
+            </a:r>
+          </a:p>
+        </p:txBody>
+      </p:sp>
+      <p:sp>
+        <p:nvSpPr>
+          <p:cNvPr id="5" name="Date Placeholder 4"/>
+          <p:cNvSpPr>
+            <a:spLocks noGrp="1"/>
+          </p:cNvSpPr>
+          <p:nvPr>
+            <p:ph type="dt" sz="half" idx="10"/>
+          </p:nvPr>
+        </p:nvSpPr>
+        <p:spPr/>
         <p:txBody>
           <a:bodyPr/>
           <a:lstStyle>
             <a:lvl1pPr>
-              <a:defRPr sz="3200"/>
+              <a:defRPr>
+                <a:solidFill>
+                  <a:schemeClr val="accent1">
+                    <a:lumMod val="75000"/>
+                    <a:lumOff val="25000"/>
+                  </a:schemeClr>
+                </a:solidFill>
+              </a:defRPr>
             </a:lvl1pPr>
-            <a:lvl2pPr>
-              <a:defRPr sz="2800"/>
-            </a:lvl2pPr>
-            <a:lvl3pPr>
-              <a:defRPr sz="2400"/>
-            </a:lvl3pPr>
-            <a:lvl4pPr>
-              <a:defRPr sz="2000"/>
-            </a:lvl4pPr>
-            <a:lvl5pPr>
-              <a:defRPr sz="2000"/>
-            </a:lvl5pPr>
-            <a:lvl6pPr>
-              <a:defRPr sz="2000"/>
-            </a:lvl6pPr>
-            <a:lvl7pPr>
-              <a:defRPr sz="2000"/>
-            </a:lvl7pPr>
-            <a:lvl8pPr>
-              <a:defRPr sz="2000"/>
-            </a:lvl8pPr>
-            <a:lvl9pPr>
-              <a:defRPr sz="2000"/>
-            </a:lvl9pPr>
           </a:lstStyle>
           <a:p>
-            <a:pPr lvl="0"/>
-            <a:r>
-              <a:rPr lang="en-US"/>
-              <a:t>Click to edit Master text styles</a:t>
-            </a:r>
-          </a:p>
-          <a:p>
-            <a:pPr lvl="1"/>
-            <a:r>
-              <a:rPr lang="en-US"/>
-              <a:t>Second level</a:t>
-            </a:r>
-          </a:p>
-          <a:p>
-            <a:pPr lvl="2"/>
-            <a:r>
-              <a:rPr lang="en-US"/>
-              <a:t>Third level</a:t>
-            </a:r>
-          </a:p>
-          <a:p>
-            <a:pPr lvl="3"/>
-            <a:r>
-              <a:rPr lang="en-US"/>
-              <a:t>Fourth level</a:t>
-            </a:r>
-          </a:p>
-          <a:p>
-            <a:pPr lvl="4"/>
-            <a:r>
-              <a:rPr lang="en-US"/>
-              <a:t>Fifth level</a:t>
-            </a:r>
-            <a:endParaRPr lang="en-IN"/>
-          </a:p>
-        </p:txBody>
-      </p:sp>
-      <p:sp>
-        <p:nvSpPr>
-          <p:cNvPr id="4" name="Text Placeholder 3">
-            <a:extLst>
-              <a:ext uri="{FF2B5EF4-FFF2-40B4-BE49-F238E27FC236}">
-                <a16:creationId xmlns:a16="http://schemas.microsoft.com/office/drawing/2014/main" id="{1E58E1E6-E489-DF77-B6A5-37860279E219}"/>
-              </a:ext>
-            </a:extLst>
-          </p:cNvPr>
-          <p:cNvSpPr>
-            <a:spLocks noGrp="1"/>
-          </p:cNvSpPr>
-          <p:nvPr>
-            <p:ph type="body" sz="half" idx="2"/>
-          </p:nvPr>
-        </p:nvSpPr>
-        <p:spPr>
-          <a:xfrm>
-            <a:off x="839788" y="2057400"/>
-            <a:ext cx="3932237" cy="3811588"/>
-          </a:xfrm>
-        </p:spPr>
+            <a:fld id="{496919D6-ACCB-473A-8ECE-AC24E3CFA8C0}" type="datetime1">
+              <a:rPr lang="en-US" smtClean="0"/>
+              <a:t>8/18/2022</a:t>
+            </a:fld>
+            <a:endParaRPr lang="en-US" dirty="0"/>
+          </a:p>
+        </p:txBody>
+      </p:sp>
+      <p:sp>
+        <p:nvSpPr>
+          <p:cNvPr id="6" name="Footer Placeholder 5"/>
+          <p:cNvSpPr>
+            <a:spLocks noGrp="1"/>
+          </p:cNvSpPr>
+          <p:nvPr>
+            <p:ph type="ftr" sz="quarter" idx="11"/>
+          </p:nvPr>
+        </p:nvSpPr>
+        <p:spPr/>
         <p:txBody>
           <a:bodyPr/>
           <a:lstStyle>
-            <a:lvl1pPr marL="0" indent="0">
-              <a:buNone/>
-              <a:defRPr sz="1600"/>
+            <a:lvl1pPr>
+              <a:defRPr>
+                <a:solidFill>
+                  <a:schemeClr val="accent1">
+                    <a:lumMod val="75000"/>
+                    <a:lumOff val="25000"/>
+                  </a:schemeClr>
+                </a:solidFill>
+              </a:defRPr>
             </a:lvl1pPr>
-            <a:lvl2pPr marL="457200" indent="0">
-              <a:buNone/>
-              <a:defRPr sz="1400"/>
-            </a:lvl2pPr>
-            <a:lvl3pPr marL="914400" indent="0">
-              <a:buNone/>
-              <a:defRPr sz="1200"/>
-            </a:lvl3pPr>
-            <a:lvl4pPr marL="1371600" indent="0">
-              <a:buNone/>
-              <a:defRPr sz="1000"/>
-            </a:lvl4pPr>
-            <a:lvl5pPr marL="1828800" indent="0">
-              <a:buNone/>
-              <a:defRPr sz="1000"/>
-            </a:lvl5pPr>
-            <a:lvl6pPr marL="2286000" indent="0">
-              <a:buNone/>
-              <a:defRPr sz="1000"/>
-            </a:lvl6pPr>
-            <a:lvl7pPr marL="2743200" indent="0">
-              <a:buNone/>
-              <a:defRPr sz="1000"/>
-            </a:lvl7pPr>
-            <a:lvl8pPr marL="3200400" indent="0">
-              <a:buNone/>
-              <a:defRPr sz="1000"/>
-            </a:lvl8pPr>
-            <a:lvl9pPr marL="3657600" indent="0">
-              <a:buNone/>
-              <a:defRPr sz="1000"/>
-            </a:lvl9pPr>
           </a:lstStyle>
           <a:p>
-            <a:pPr lvl="0"/>
-            <a:r>
-              <a:rPr lang="en-US"/>
-              <a:t>Click to edit Master text styles</a:t>
-            </a:r>
-          </a:p>
-        </p:txBody>
-      </p:sp>
-      <p:sp>
-        <p:nvSpPr>
-          <p:cNvPr id="5" name="Date Placeholder 4">
-            <a:extLst>
-              <a:ext uri="{FF2B5EF4-FFF2-40B4-BE49-F238E27FC236}">
-                <a16:creationId xmlns:a16="http://schemas.microsoft.com/office/drawing/2014/main" id="{C970B8B7-FC34-23A4-223D-8166446C11D9}"/>
-              </a:ext>
-            </a:extLst>
-          </p:cNvPr>
-          <p:cNvSpPr>
-            <a:spLocks noGrp="1"/>
-          </p:cNvSpPr>
-          <p:nvPr>
-            <p:ph type="dt" sz="half" idx="10"/>
+            <a:endParaRPr lang="en-US" dirty="0"/>
+          </a:p>
+        </p:txBody>
+      </p:sp>
+      <p:sp>
+        <p:nvSpPr>
+          <p:cNvPr id="7" name="Slide Number Placeholder 6"/>
+          <p:cNvSpPr>
+            <a:spLocks noGrp="1"/>
+          </p:cNvSpPr>
+          <p:nvPr>
+            <p:ph type="sldNum" sz="quarter" idx="12"/>
           </p:nvPr>
         </p:nvSpPr>
         <p:spPr/>
         <p:txBody>
           <a:bodyPr/>
-          <a:lstStyle/>
-          <a:p>
-            <a:fld id="{611936E0-B627-4E1C-9547-8319A602A7B6}" type="datetimeFigureOut">
-              <a:rPr lang="en-IN" smtClean="0"/>
-              <a:t>18-08-2022</a:t>
-            </a:fld>
-            <a:endParaRPr lang="en-IN"/>
-          </a:p>
-        </p:txBody>
-      </p:sp>
-      <p:sp>
-        <p:nvSpPr>
-          <p:cNvPr id="6" name="Footer Placeholder 5">
-            <a:extLst>
-              <a:ext uri="{FF2B5EF4-FFF2-40B4-BE49-F238E27FC236}">
-                <a16:creationId xmlns:a16="http://schemas.microsoft.com/office/drawing/2014/main" id="{A8696160-E7B0-F2E1-EC40-8FE4741E562E}"/>
-              </a:ext>
-            </a:extLst>
-          </p:cNvPr>
-          <p:cNvSpPr>
-            <a:spLocks noGrp="1"/>
-          </p:cNvSpPr>
-          <p:nvPr>
-            <p:ph type="ftr" sz="quarter" idx="11"/>
-          </p:nvPr>
-        </p:nvSpPr>
-        <p:spPr/>
-        <p:txBody>
-          <a:bodyPr/>
-          <a:lstStyle/>
-          <a:p>
-            <a:endParaRPr lang="en-IN"/>
-          </a:p>
-        </p:txBody>
-      </p:sp>
-      <p:sp>
-        <p:nvSpPr>
-          <p:cNvPr id="7" name="Slide Number Placeholder 6">
-            <a:extLst>
-              <a:ext uri="{FF2B5EF4-FFF2-40B4-BE49-F238E27FC236}">
-                <a16:creationId xmlns:a16="http://schemas.microsoft.com/office/drawing/2014/main" id="{74777489-319B-E71F-CBAB-783FE2D9C873}"/>
-              </a:ext>
-            </a:extLst>
-          </p:cNvPr>
-          <p:cNvSpPr>
-            <a:spLocks noGrp="1"/>
-          </p:cNvSpPr>
-          <p:nvPr>
-            <p:ph type="sldNum" sz="quarter" idx="12"/>
-          </p:nvPr>
-        </p:nvSpPr>
-        <p:spPr/>
-        <p:txBody>
-          <a:bodyPr/>
-          <a:lstStyle/>
-          <a:p>
-            <a:fld id="{8C03C3B1-0BAE-4F9C-A912-AA6A00B43AA9}" type="slidenum">
-              <a:rPr lang="en-IN" smtClean="0"/>
+          <a:lstStyle>
+            <a:lvl1pPr>
+              <a:defRPr>
+                <a:solidFill>
+                  <a:schemeClr val="accent1">
+                    <a:lumMod val="75000"/>
+                    <a:lumOff val="25000"/>
+                  </a:schemeClr>
+                </a:solidFill>
+              </a:defRPr>
+            </a:lvl1pPr>
+          </a:lstStyle>
+          <a:p>
+            <a:fld id="{D57F1E4F-1CFF-5643-939E-217C01CDF565}" type="slidenum">
+              <a:rPr lang="en-US" smtClean="0"/>
+              <a:pPr/>
               <a:t>‹#›</a:t>
             </a:fld>
-            <a:endParaRPr lang="en-IN"/>
+            <a:endParaRPr lang="en-US" dirty="0"/>
           </a:p>
         </p:txBody>
       </p:sp>
     </p:spTree>
     <p:extLst>
       <p:ext uri="{BB962C8B-B14F-4D97-AF65-F5344CB8AC3E}">
-        <p14:creationId xmlns:p14="http://schemas.microsoft.com/office/powerpoint/2010/main" val="501005228"/>
+        <p14:creationId xmlns:p14="http://schemas.microsoft.com/office/powerpoint/2010/main" val="197634960"/>
       </p:ext>
     </p:extLst>
   </p:cSld>
@@ -2485,13 +3804,7 @@
       </p:grpSpPr>
       <p:sp>
         <p:nvSpPr>
-          <p:cNvPr id="2" name="Title 1">
-            <a:extLst>
-              <a:ext uri="{FF2B5EF4-FFF2-40B4-BE49-F238E27FC236}">
-                <a16:creationId xmlns:a16="http://schemas.microsoft.com/office/drawing/2014/main" id="{69E4ED31-8A1F-B7DB-6D88-0BE512F7DD10}"/>
-              </a:ext>
-            </a:extLst>
-          </p:cNvPr>
+          <p:cNvPr id="2" name="Title 1"/>
           <p:cNvSpPr>
             <a:spLocks noGrp="1"/>
           </p:cNvSpPr>
@@ -2501,15 +3814,21 @@
         </p:nvSpPr>
         <p:spPr>
           <a:xfrm>
-            <a:off x="839788" y="457200"/>
-            <a:ext cx="3932237" cy="1600200"/>
+            <a:off x="581193" y="4693389"/>
+            <a:ext cx="11029616" cy="566738"/>
           </a:xfrm>
         </p:spPr>
         <p:txBody>
-          <a:bodyPr anchor="b"/>
+          <a:bodyPr anchor="b">
+            <a:normAutofit/>
+          </a:bodyPr>
           <a:lstStyle>
-            <a:lvl1pPr>
-              <a:defRPr sz="3200"/>
+            <a:lvl1pPr algn="l">
+              <a:defRPr sz="2400" b="0">
+                <a:solidFill>
+                  <a:schemeClr val="accent1"/>
+                </a:solidFill>
+              </a:defRPr>
             </a:lvl1pPr>
           </a:lstStyle>
           <a:p>
@@ -2517,21 +3836,15 @@
               <a:rPr lang="en-US"/>
               <a:t>Click to edit Master title style</a:t>
             </a:r>
-            <a:endParaRPr lang="en-IN"/>
-          </a:p>
-        </p:txBody>
-      </p:sp>
-      <p:sp>
-        <p:nvSpPr>
-          <p:cNvPr id="3" name="Picture Placeholder 2">
-            <a:extLst>
-              <a:ext uri="{FF2B5EF4-FFF2-40B4-BE49-F238E27FC236}">
-                <a16:creationId xmlns:a16="http://schemas.microsoft.com/office/drawing/2014/main" id="{63A98A0F-3B91-0C2A-AA9F-47A8597CA1FC}"/>
-              </a:ext>
-            </a:extLst>
-          </p:cNvPr>
-          <p:cNvSpPr>
-            <a:spLocks noGrp="1"/>
+            <a:endParaRPr lang="en-US" dirty="0"/>
+          </a:p>
+        </p:txBody>
+      </p:sp>
+      <p:sp>
+        <p:nvSpPr>
+          <p:cNvPr id="3" name="Picture Placeholder 2"/>
+          <p:cNvSpPr>
+            <a:spLocks noGrp="1" noChangeAspect="1"/>
           </p:cNvSpPr>
           <p:nvPr>
             <p:ph type="pic" idx="1"/>
@@ -2539,118 +3852,120 @@
         </p:nvSpPr>
         <p:spPr>
           <a:xfrm>
-            <a:off x="5183188" y="987425"/>
-            <a:ext cx="6172200" cy="4873625"/>
+            <a:off x="447817" y="599725"/>
+            <a:ext cx="11290859" cy="3557252"/>
           </a:xfrm>
         </p:spPr>
         <p:txBody>
-          <a:bodyPr/>
+          <a:bodyPr anchor="t">
+            <a:normAutofit/>
+          </a:bodyPr>
           <a:lstStyle>
-            <a:lvl1pPr marL="0" indent="0">
-              <a:buNone/>
-              <a:defRPr sz="3200"/>
-            </a:lvl1pPr>
-            <a:lvl2pPr marL="457200" indent="0">
-              <a:buNone/>
-              <a:defRPr sz="2800"/>
-            </a:lvl2pPr>
-            <a:lvl3pPr marL="914400" indent="0">
-              <a:buNone/>
-              <a:defRPr sz="2400"/>
-            </a:lvl3pPr>
-            <a:lvl4pPr marL="1371600" indent="0">
-              <a:buNone/>
-              <a:defRPr sz="2000"/>
-            </a:lvl4pPr>
-            <a:lvl5pPr marL="1828800" indent="0">
-              <a:buNone/>
-              <a:defRPr sz="2000"/>
-            </a:lvl5pPr>
-            <a:lvl6pPr marL="2286000" indent="0">
-              <a:buNone/>
-              <a:defRPr sz="2000"/>
-            </a:lvl6pPr>
-            <a:lvl7pPr marL="2743200" indent="0">
-              <a:buNone/>
-              <a:defRPr sz="2000"/>
-            </a:lvl7pPr>
-            <a:lvl8pPr marL="3200400" indent="0">
-              <a:buNone/>
-              <a:defRPr sz="2000"/>
-            </a:lvl8pPr>
-            <a:lvl9pPr marL="3657600" indent="0">
-              <a:buNone/>
-              <a:defRPr sz="2000"/>
-            </a:lvl9pPr>
-          </a:lstStyle>
-          <a:p>
-            <a:endParaRPr lang="en-IN"/>
-          </a:p>
-        </p:txBody>
-      </p:sp>
-      <p:sp>
-        <p:nvSpPr>
-          <p:cNvPr id="4" name="Text Placeholder 3">
-            <a:extLst>
-              <a:ext uri="{FF2B5EF4-FFF2-40B4-BE49-F238E27FC236}">
-                <a16:creationId xmlns:a16="http://schemas.microsoft.com/office/drawing/2014/main" id="{651F9129-632D-3735-880F-7E24455B7497}"/>
-              </a:ext>
-            </a:extLst>
-          </p:cNvPr>
-          <p:cNvSpPr>
-            <a:spLocks noGrp="1"/>
-          </p:cNvSpPr>
-          <p:nvPr>
-            <p:ph type="body" sz="half" idx="2"/>
-          </p:nvPr>
-        </p:nvSpPr>
-        <p:spPr>
-          <a:xfrm>
-            <a:off x="839788" y="2057400"/>
-            <a:ext cx="3932237" cy="3811588"/>
-          </a:xfrm>
-        </p:spPr>
-        <p:txBody>
-          <a:bodyPr/>
-          <a:lstStyle>
-            <a:lvl1pPr marL="0" indent="0">
+            <a:lvl1pPr marL="0" indent="0" algn="ctr">
               <a:buNone/>
               <a:defRPr sz="1600"/>
             </a:lvl1pPr>
             <a:lvl2pPr marL="457200" indent="0">
               <a:buNone/>
-              <a:defRPr sz="1400"/>
+              <a:defRPr sz="1600"/>
             </a:lvl2pPr>
             <a:lvl3pPr marL="914400" indent="0">
               <a:buNone/>
-              <a:defRPr sz="1200"/>
+              <a:defRPr sz="1600"/>
             </a:lvl3pPr>
             <a:lvl4pPr marL="1371600" indent="0">
               <a:buNone/>
-              <a:defRPr sz="1000"/>
+              <a:defRPr sz="1600"/>
             </a:lvl4pPr>
             <a:lvl5pPr marL="1828800" indent="0">
               <a:buNone/>
-              <a:defRPr sz="1000"/>
+              <a:defRPr sz="1600"/>
             </a:lvl5pPr>
             <a:lvl6pPr marL="2286000" indent="0">
               <a:buNone/>
-              <a:defRPr sz="1000"/>
+              <a:defRPr sz="1600"/>
             </a:lvl6pPr>
             <a:lvl7pPr marL="2743200" indent="0">
               <a:buNone/>
-              <a:defRPr sz="1000"/>
+              <a:defRPr sz="1600"/>
             </a:lvl7pPr>
             <a:lvl8pPr marL="3200400" indent="0">
               <a:buNone/>
-              <a:defRPr sz="1000"/>
+              <a:defRPr sz="1600"/>
             </a:lvl8pPr>
             <a:lvl9pPr marL="3657600" indent="0">
               <a:buNone/>
-              <a:defRPr sz="1000"/>
+              <a:defRPr sz="1600"/>
             </a:lvl9pPr>
           </a:lstStyle>
           <a:p>
+            <a:r>
+              <a:rPr lang="en-US"/>
+              <a:t>Click icon to add picture</a:t>
+            </a:r>
+            <a:endParaRPr lang="en-US" dirty="0"/>
+          </a:p>
+        </p:txBody>
+      </p:sp>
+      <p:sp>
+        <p:nvSpPr>
+          <p:cNvPr id="4" name="Text Placeholder 3"/>
+          <p:cNvSpPr>
+            <a:spLocks noGrp="1"/>
+          </p:cNvSpPr>
+          <p:nvPr>
+            <p:ph type="body" sz="half" idx="2"/>
+          </p:nvPr>
+        </p:nvSpPr>
+        <p:spPr>
+          <a:xfrm>
+            <a:off x="581192" y="5260127"/>
+            <a:ext cx="11029617" cy="598671"/>
+          </a:xfrm>
+        </p:spPr>
+        <p:txBody>
+          <a:bodyPr>
+            <a:normAutofit/>
+          </a:bodyPr>
+          <a:lstStyle>
+            <a:lvl1pPr marL="0" indent="0">
+              <a:buNone/>
+              <a:defRPr sz="1200"/>
+            </a:lvl1pPr>
+            <a:lvl2pPr marL="457200" indent="0">
+              <a:buNone/>
+              <a:defRPr sz="1200"/>
+            </a:lvl2pPr>
+            <a:lvl3pPr marL="914400" indent="0">
+              <a:buNone/>
+              <a:defRPr sz="1000"/>
+            </a:lvl3pPr>
+            <a:lvl4pPr marL="1371600" indent="0">
+              <a:buNone/>
+              <a:defRPr sz="900"/>
+            </a:lvl4pPr>
+            <a:lvl5pPr marL="1828800" indent="0">
+              <a:buNone/>
+              <a:defRPr sz="900"/>
+            </a:lvl5pPr>
+            <a:lvl6pPr marL="2286000" indent="0">
+              <a:buNone/>
+              <a:defRPr sz="900"/>
+            </a:lvl6pPr>
+            <a:lvl7pPr marL="2743200" indent="0">
+              <a:buNone/>
+              <a:defRPr sz="900"/>
+            </a:lvl7pPr>
+            <a:lvl8pPr marL="3200400" indent="0">
+              <a:buNone/>
+              <a:defRPr sz="900"/>
+            </a:lvl8pPr>
+            <a:lvl9pPr marL="3657600" indent="0">
+              <a:buNone/>
+              <a:defRPr sz="900"/>
+            </a:lvl9pPr>
+          </a:lstStyle>
+          <a:p>
             <a:pPr lvl="0"/>
             <a:r>
               <a:rPr lang="en-US"/>
@@ -2661,13 +3976,7 @@
       </p:sp>
       <p:sp>
         <p:nvSpPr>
-          <p:cNvPr id="5" name="Date Placeholder 4">
-            <a:extLst>
-              <a:ext uri="{FF2B5EF4-FFF2-40B4-BE49-F238E27FC236}">
-                <a16:creationId xmlns:a16="http://schemas.microsoft.com/office/drawing/2014/main" id="{E8B08A29-ABC8-8BC4-6A23-4722C56E78B6}"/>
-              </a:ext>
-            </a:extLst>
-          </p:cNvPr>
+          <p:cNvPr id="5" name="Date Placeholder 4"/>
           <p:cNvSpPr>
             <a:spLocks noGrp="1"/>
           </p:cNvSpPr>
@@ -2680,23 +3989,17 @@
           <a:bodyPr/>
           <a:lstStyle/>
           <a:p>
-            <a:fld id="{611936E0-B627-4E1C-9547-8319A602A7B6}" type="datetimeFigureOut">
-              <a:rPr lang="en-IN" smtClean="0"/>
-              <a:t>18-08-2022</a:t>
+            <a:fld id="{84C39503-FD92-4117-B7A5-A4F74F3FACE5}" type="datetime1">
+              <a:rPr lang="en-US" smtClean="0"/>
+              <a:t>8/18/2022</a:t>
             </a:fld>
-            <a:endParaRPr lang="en-IN"/>
-          </a:p>
-        </p:txBody>
-      </p:sp>
-      <p:sp>
-        <p:nvSpPr>
-          <p:cNvPr id="6" name="Footer Placeholder 5">
-            <a:extLst>
-              <a:ext uri="{FF2B5EF4-FFF2-40B4-BE49-F238E27FC236}">
-                <a16:creationId xmlns:a16="http://schemas.microsoft.com/office/drawing/2014/main" id="{C052E3D2-35AC-7103-EB72-D544AB53FA80}"/>
-              </a:ext>
-            </a:extLst>
-          </p:cNvPr>
+            <a:endParaRPr lang="en-US" dirty="0"/>
+          </a:p>
+        </p:txBody>
+      </p:sp>
+      <p:sp>
+        <p:nvSpPr>
+          <p:cNvPr id="6" name="Footer Placeholder 5"/>
           <p:cNvSpPr>
             <a:spLocks noGrp="1"/>
           </p:cNvSpPr>
@@ -2709,19 +4012,13 @@
           <a:bodyPr/>
           <a:lstStyle/>
           <a:p>
-            <a:endParaRPr lang="en-IN"/>
-          </a:p>
-        </p:txBody>
-      </p:sp>
-      <p:sp>
-        <p:nvSpPr>
-          <p:cNvPr id="7" name="Slide Number Placeholder 6">
-            <a:extLst>
-              <a:ext uri="{FF2B5EF4-FFF2-40B4-BE49-F238E27FC236}">
-                <a16:creationId xmlns:a16="http://schemas.microsoft.com/office/drawing/2014/main" id="{3A8ED403-943D-D8AE-8511-E47D723E152A}"/>
-              </a:ext>
-            </a:extLst>
-          </p:cNvPr>
+            <a:endParaRPr lang="en-US" dirty="0"/>
+          </a:p>
+        </p:txBody>
+      </p:sp>
+      <p:sp>
+        <p:nvSpPr>
+          <p:cNvPr id="7" name="Slide Number Placeholder 6"/>
           <p:cNvSpPr>
             <a:spLocks noGrp="1"/>
           </p:cNvSpPr>
@@ -2734,18 +4031,19 @@
           <a:bodyPr/>
           <a:lstStyle/>
           <a:p>
-            <a:fld id="{8C03C3B1-0BAE-4F9C-A912-AA6A00B43AA9}" type="slidenum">
-              <a:rPr lang="en-IN" smtClean="0"/>
+            <a:fld id="{D57F1E4F-1CFF-5643-939E-217C01CDF565}" type="slidenum">
+              <a:rPr lang="en-US" smtClean="0"/>
+              <a:pPr/>
               <a:t>‹#›</a:t>
             </a:fld>
-            <a:endParaRPr lang="en-IN"/>
+            <a:endParaRPr lang="en-US" dirty="0"/>
           </a:p>
         </p:txBody>
       </p:sp>
     </p:spTree>
     <p:extLst>
       <p:ext uri="{BB962C8B-B14F-4D97-AF65-F5344CB8AC3E}">
-        <p14:creationId xmlns:p14="http://schemas.microsoft.com/office/powerpoint/2010/main" val="195672211"/>
+        <p14:creationId xmlns:p14="http://schemas.microsoft.com/office/powerpoint/2010/main" val="3535275140"/>
       </p:ext>
     </p:extLst>
   </p:cSld>
@@ -2779,13 +4077,7 @@
       </p:grpSpPr>
       <p:sp>
         <p:nvSpPr>
-          <p:cNvPr id="2" name="Title Placeholder 1">
-            <a:extLst>
-              <a:ext uri="{FF2B5EF4-FFF2-40B4-BE49-F238E27FC236}">
-                <a16:creationId xmlns:a16="http://schemas.microsoft.com/office/drawing/2014/main" id="{73E0C7C1-889D-F4B2-5860-2E4D20DA2CBA}"/>
-              </a:ext>
-            </a:extLst>
-          </p:cNvPr>
+          <p:cNvPr id="2" name="Title Placeholder 1"/>
           <p:cNvSpPr>
             <a:spLocks noGrp="1"/>
           </p:cNvSpPr>
@@ -2795,15 +4087,15 @@
         </p:nvSpPr>
         <p:spPr>
           <a:xfrm>
-            <a:off x="838200" y="365125"/>
-            <a:ext cx="10515600" cy="1325563"/>
+            <a:off x="581192" y="705124"/>
+            <a:ext cx="11029616" cy="1189554"/>
           </a:xfrm>
           <a:prstGeom prst="rect">
             <a:avLst/>
           </a:prstGeom>
         </p:spPr>
         <p:txBody>
-          <a:bodyPr vert="horz" lIns="91440" tIns="45720" rIns="91440" bIns="45720" rtlCol="0" anchor="ctr">
+          <a:bodyPr vert="horz" lIns="91440" tIns="45720" rIns="91440" bIns="45720" rtlCol="0" anchor="b">
             <a:normAutofit/>
           </a:bodyPr>
           <a:lstStyle/>
@@ -2812,19 +4104,13 @@
               <a:rPr lang="en-US"/>
               <a:t>Click to edit Master title style</a:t>
             </a:r>
-            <a:endParaRPr lang="en-IN"/>
-          </a:p>
-        </p:txBody>
-      </p:sp>
-      <p:sp>
-        <p:nvSpPr>
-          <p:cNvPr id="3" name="Text Placeholder 2">
-            <a:extLst>
-              <a:ext uri="{FF2B5EF4-FFF2-40B4-BE49-F238E27FC236}">
-                <a16:creationId xmlns:a16="http://schemas.microsoft.com/office/drawing/2014/main" id="{7C90F9E2-B0D7-4026-87E2-A302CA8A23C7}"/>
-              </a:ext>
-            </a:extLst>
-          </p:cNvPr>
+            <a:endParaRPr lang="en-US" dirty="0"/>
+          </a:p>
+        </p:txBody>
+      </p:sp>
+      <p:sp>
+        <p:nvSpPr>
+          <p:cNvPr id="3" name="Text Placeholder 2"/>
           <p:cNvSpPr>
             <a:spLocks noGrp="1"/>
           </p:cNvSpPr>
@@ -2834,15 +4120,15 @@
         </p:nvSpPr>
         <p:spPr>
           <a:xfrm>
-            <a:off x="838200" y="1825625"/>
-            <a:ext cx="10515600" cy="4351338"/>
+            <a:off x="581192" y="2336003"/>
+            <a:ext cx="11029616" cy="3522794"/>
           </a:xfrm>
           <a:prstGeom prst="rect">
             <a:avLst/>
           </a:prstGeom>
         </p:spPr>
         <p:txBody>
-          <a:bodyPr vert="horz" lIns="91440" tIns="45720" rIns="91440" bIns="45720" rtlCol="0">
+          <a:bodyPr vert="horz" lIns="91440" tIns="45720" rIns="91440" bIns="45720" rtlCol="0" anchor="ctr">
             <a:normAutofit/>
           </a:bodyPr>
           <a:lstStyle/>
@@ -2880,19 +4166,13 @@
               <a:rPr lang="en-US"/>
               <a:t>Fifth level</a:t>
             </a:r>
-            <a:endParaRPr lang="en-IN"/>
-          </a:p>
-        </p:txBody>
-      </p:sp>
-      <p:sp>
-        <p:nvSpPr>
-          <p:cNvPr id="4" name="Date Placeholder 3">
-            <a:extLst>
-              <a:ext uri="{FF2B5EF4-FFF2-40B4-BE49-F238E27FC236}">
-                <a16:creationId xmlns:a16="http://schemas.microsoft.com/office/drawing/2014/main" id="{7B01D19E-3126-59ED-4BCA-DA68F4CF5259}"/>
-              </a:ext>
-            </a:extLst>
-          </p:cNvPr>
+            <a:endParaRPr lang="en-US" dirty="0"/>
+          </a:p>
+        </p:txBody>
+      </p:sp>
+      <p:sp>
+        <p:nvSpPr>
+          <p:cNvPr id="4" name="Date Placeholder 3"/>
           <p:cNvSpPr>
             <a:spLocks noGrp="1"/>
           </p:cNvSpPr>
@@ -2902,8 +4182,8 @@
         </p:nvSpPr>
         <p:spPr>
           <a:xfrm>
-            <a:off x="838200" y="6356350"/>
-            <a:ext cx="2743200" cy="365125"/>
+            <a:off x="7605951" y="5956137"/>
+            <a:ext cx="2844799" cy="365125"/>
           </a:xfrm>
           <a:prstGeom prst="rect">
             <a:avLst/>
@@ -2912,34 +4192,26 @@
         <p:txBody>
           <a:bodyPr vert="horz" lIns="91440" tIns="45720" rIns="91440" bIns="45720" rtlCol="0" anchor="ctr"/>
           <a:lstStyle>
-            <a:lvl1pPr algn="l">
-              <a:defRPr sz="1200">
-                <a:solidFill>
-                  <a:schemeClr val="tx1">
-                    <a:tint val="75000"/>
-                  </a:schemeClr>
+            <a:lvl1pPr algn="r">
+              <a:defRPr sz="900">
+                <a:solidFill>
+                  <a:schemeClr val="accent2"/>
                 </a:solidFill>
               </a:defRPr>
             </a:lvl1pPr>
           </a:lstStyle>
           <a:p>
-            <a:fld id="{611936E0-B627-4E1C-9547-8319A602A7B6}" type="datetimeFigureOut">
-              <a:rPr lang="en-IN" smtClean="0"/>
-              <a:t>18-08-2022</a:t>
+            <a:fld id="{AC4EDE73-B552-408F-9E91-34CA9DECFC81}" type="datetime1">
+              <a:rPr lang="en-US" smtClean="0"/>
+              <a:t>8/18/2022</a:t>
             </a:fld>
-            <a:endParaRPr lang="en-IN"/>
-          </a:p>
-        </p:txBody>
-      </p:sp>
-      <p:sp>
-        <p:nvSpPr>
-          <p:cNvPr id="5" name="Footer Placeholder 4">
-            <a:extLst>
-              <a:ext uri="{FF2B5EF4-FFF2-40B4-BE49-F238E27FC236}">
-                <a16:creationId xmlns:a16="http://schemas.microsoft.com/office/drawing/2014/main" id="{F9C05E53-BF02-4498-B4DF-1FA7BE89D4DC}"/>
-              </a:ext>
-            </a:extLst>
-          </p:cNvPr>
+            <a:endParaRPr lang="en-US" dirty="0"/>
+          </a:p>
+        </p:txBody>
+      </p:sp>
+      <p:sp>
+        <p:nvSpPr>
+          <p:cNvPr id="5" name="Footer Placeholder 4"/>
           <p:cNvSpPr>
             <a:spLocks noGrp="1"/>
           </p:cNvSpPr>
@@ -2949,8 +4221,8 @@
         </p:nvSpPr>
         <p:spPr>
           <a:xfrm>
-            <a:off x="4038600" y="6356350"/>
-            <a:ext cx="4114800" cy="365125"/>
+            <a:off x="581192" y="5951811"/>
+            <a:ext cx="6917210" cy="365125"/>
           </a:xfrm>
           <a:prstGeom prst="rect">
             <a:avLst/>
@@ -2959,30 +4231,31 @@
         <p:txBody>
           <a:bodyPr vert="horz" lIns="91440" tIns="45720" rIns="91440" bIns="45720" rtlCol="0" anchor="ctr"/>
           <a:lstStyle>
-            <a:lvl1pPr algn="ctr">
-              <a:defRPr sz="1200">
-                <a:solidFill>
-                  <a:schemeClr val="tx1">
-                    <a:tint val="75000"/>
-                  </a:schemeClr>
+            <a:lvl1pPr algn="l">
+              <a:defRPr sz="900" cap="all">
+                <a:solidFill>
+                  <a:schemeClr val="accent2"/>
                 </a:solidFill>
               </a:defRPr>
             </a:lvl1pPr>
           </a:lstStyle>
           <a:p>
-            <a:endParaRPr lang="en-IN"/>
-          </a:p>
-        </p:txBody>
-      </p:sp>
-      <p:sp>
-        <p:nvSpPr>
-          <p:cNvPr id="6" name="Slide Number Placeholder 5">
-            <a:extLst>
-              <a:ext uri="{FF2B5EF4-FFF2-40B4-BE49-F238E27FC236}">
-                <a16:creationId xmlns:a16="http://schemas.microsoft.com/office/drawing/2014/main" id="{7E6F33D9-CA93-47F8-F856-A24A869E5A20}"/>
-              </a:ext>
-            </a:extLst>
-          </p:cNvPr>
+            <a:r>
+              <a:rPr lang="en-US" dirty="0"/>
+              <a:t>Slide </a:t>
+            </a:r>
+            <a:fld id="{C3F32E7E-D160-4C4F-9162-FE70E7E167AE}" type="slidenum">
+              <a:rPr lang="en-US" smtClean="0"/>
+              <a:pPr/>
+              <a:t>‹#›</a:t>
+            </a:fld>
+            <a:endParaRPr lang="en-US" dirty="0"/>
+          </a:p>
+        </p:txBody>
+      </p:sp>
+      <p:sp>
+        <p:nvSpPr>
+          <p:cNvPr id="6" name="Slide Number Placeholder 5"/>
           <p:cNvSpPr>
             <a:spLocks noGrp="1"/>
           </p:cNvSpPr>
@@ -2992,8 +4265,8 @@
         </p:nvSpPr>
         <p:spPr>
           <a:xfrm>
-            <a:off x="8610600" y="6356350"/>
-            <a:ext cx="2743200" cy="365125"/>
+            <a:off x="10558300" y="5956137"/>
+            <a:ext cx="1052510" cy="365125"/>
           </a:xfrm>
           <a:prstGeom prst="rect">
             <a:avLst/>
@@ -3003,222 +4276,422 @@
           <a:bodyPr vert="horz" lIns="91440" tIns="45720" rIns="91440" bIns="45720" rtlCol="0" anchor="ctr"/>
           <a:lstStyle>
             <a:lvl1pPr algn="r">
-              <a:defRPr sz="1200">
-                <a:solidFill>
-                  <a:schemeClr val="tx1">
-                    <a:tint val="75000"/>
-                  </a:schemeClr>
+              <a:defRPr sz="900">
+                <a:solidFill>
+                  <a:schemeClr val="accent2"/>
                 </a:solidFill>
               </a:defRPr>
             </a:lvl1pPr>
           </a:lstStyle>
           <a:p>
-            <a:fld id="{8C03C3B1-0BAE-4F9C-A912-AA6A00B43AA9}" type="slidenum">
-              <a:rPr lang="en-IN" smtClean="0"/>
+            <a:fld id="{D57F1E4F-1CFF-5643-939E-217C01CDF565}" type="slidenum">
+              <a:rPr lang="en-US" smtClean="0"/>
+              <a:pPr/>
               <a:t>‹#›</a:t>
             </a:fld>
-            <a:endParaRPr lang="en-IN"/>
-          </a:p>
-        </p:txBody>
+            <a:endParaRPr lang="en-US" dirty="0"/>
+          </a:p>
+        </p:txBody>
+      </p:sp>
+      <p:sp>
+        <p:nvSpPr>
+          <p:cNvPr id="9" name="Rectangle 8"/>
+          <p:cNvSpPr/>
+          <p:nvPr/>
+        </p:nvSpPr>
+        <p:spPr>
+          <a:xfrm>
+            <a:off x="417037" y="6354224"/>
+            <a:ext cx="3703320" cy="94997"/>
+          </a:xfrm>
+          <a:prstGeom prst="rect">
+            <a:avLst/>
+          </a:prstGeom>
+          <a:solidFill>
+            <a:schemeClr val="accent1"/>
+          </a:solidFill>
+          <a:ln>
+            <a:noFill/>
+          </a:ln>
+          <a:effectLst/>
+        </p:spPr>
+        <p:style>
+          <a:lnRef idx="1">
+            <a:schemeClr val="accent1"/>
+          </a:lnRef>
+          <a:fillRef idx="3">
+            <a:schemeClr val="accent1"/>
+          </a:fillRef>
+          <a:effectRef idx="2">
+            <a:schemeClr val="accent1"/>
+          </a:effectRef>
+          <a:fontRef idx="minor">
+            <a:schemeClr val="lt1"/>
+          </a:fontRef>
+        </p:style>
+      </p:sp>
+      <p:sp>
+        <p:nvSpPr>
+          <p:cNvPr id="10" name="Rectangle 9"/>
+          <p:cNvSpPr/>
+          <p:nvPr/>
+        </p:nvSpPr>
+        <p:spPr>
+          <a:xfrm>
+            <a:off x="8012650" y="6350667"/>
+            <a:ext cx="3703320" cy="98554"/>
+          </a:xfrm>
+          <a:prstGeom prst="rect">
+            <a:avLst/>
+          </a:prstGeom>
+          <a:solidFill>
+            <a:schemeClr val="accent4"/>
+          </a:solidFill>
+          <a:ln>
+            <a:noFill/>
+          </a:ln>
+          <a:effectLst/>
+        </p:spPr>
+        <p:style>
+          <a:lnRef idx="1">
+            <a:schemeClr val="accent1"/>
+          </a:lnRef>
+          <a:fillRef idx="3">
+            <a:schemeClr val="accent1"/>
+          </a:fillRef>
+          <a:effectRef idx="2">
+            <a:schemeClr val="accent1"/>
+          </a:effectRef>
+          <a:fontRef idx="minor">
+            <a:schemeClr val="lt1"/>
+          </a:fontRef>
+        </p:style>
+      </p:sp>
+      <p:sp>
+        <p:nvSpPr>
+          <p:cNvPr id="11" name="Rectangle 10"/>
+          <p:cNvSpPr/>
+          <p:nvPr/>
+        </p:nvSpPr>
+        <p:spPr>
+          <a:xfrm>
+            <a:off x="4212333" y="6354224"/>
+            <a:ext cx="3703320" cy="91440"/>
+          </a:xfrm>
+          <a:prstGeom prst="rect">
+            <a:avLst/>
+          </a:prstGeom>
+          <a:solidFill>
+            <a:schemeClr val="accent2"/>
+          </a:solidFill>
+          <a:ln>
+            <a:noFill/>
+          </a:ln>
+          <a:effectLst/>
+        </p:spPr>
+        <p:style>
+          <a:lnRef idx="1">
+            <a:schemeClr val="accent1"/>
+          </a:lnRef>
+          <a:fillRef idx="3">
+            <a:schemeClr val="accent1"/>
+          </a:fillRef>
+          <a:effectRef idx="2">
+            <a:schemeClr val="accent1"/>
+          </a:effectRef>
+          <a:fontRef idx="minor">
+            <a:schemeClr val="lt1"/>
+          </a:fontRef>
+        </p:style>
       </p:sp>
     </p:spTree>
     <p:extLst>
       <p:ext uri="{BB962C8B-B14F-4D97-AF65-F5344CB8AC3E}">
-        <p14:creationId xmlns:p14="http://schemas.microsoft.com/office/powerpoint/2010/main" val="816164699"/>
+        <p14:creationId xmlns:p14="http://schemas.microsoft.com/office/powerpoint/2010/main" val="2784605535"/>
       </p:ext>
     </p:extLst>
   </p:cSld>
   <p:clrMap bg1="lt1" tx1="dk1" bg2="lt2" tx2="dk2" accent1="accent1" accent2="accent2" accent3="accent3" accent4="accent4" accent5="accent5" accent6="accent6" hlink="hlink" folHlink="folHlink"/>
   <p:sldLayoutIdLst>
-    <p:sldLayoutId id="2147483649" r:id="rId1"/>
-    <p:sldLayoutId id="2147483650" r:id="rId2"/>
-    <p:sldLayoutId id="2147483651" r:id="rId3"/>
-    <p:sldLayoutId id="2147483652" r:id="rId4"/>
-    <p:sldLayoutId id="2147483653" r:id="rId5"/>
-    <p:sldLayoutId id="2147483654" r:id="rId6"/>
-    <p:sldLayoutId id="2147483655" r:id="rId7"/>
-    <p:sldLayoutId id="2147483656" r:id="rId8"/>
-    <p:sldLayoutId id="2147483657" r:id="rId9"/>
-    <p:sldLayoutId id="2147483658" r:id="rId10"/>
-    <p:sldLayoutId id="2147483659" r:id="rId11"/>
+    <p:sldLayoutId id="2147483661" r:id="rId1"/>
+    <p:sldLayoutId id="2147483662" r:id="rId2"/>
+    <p:sldLayoutId id="2147483663" r:id="rId3"/>
+    <p:sldLayoutId id="2147483664" r:id="rId4"/>
+    <p:sldLayoutId id="2147483665" r:id="rId5"/>
+    <p:sldLayoutId id="2147483666" r:id="rId6"/>
+    <p:sldLayoutId id="2147483667" r:id="rId7"/>
+    <p:sldLayoutId id="2147483668" r:id="rId8"/>
+    <p:sldLayoutId id="2147483669" r:id="rId9"/>
+    <p:sldLayoutId id="2147483670" r:id="rId10"/>
+    <p:sldLayoutId id="2147483671" r:id="rId11"/>
   </p:sldLayoutIdLst>
+  <p:hf sldNum="0" hdr="0" ftr="0" dt="0"/>
   <p:txStyles>
     <p:titleStyle>
-      <a:lvl1pPr algn="l" defTabSz="914400" rtl="0" eaLnBrk="1" latinLnBrk="0" hangingPunct="1">
-        <a:lnSpc>
-          <a:spcPct val="90000"/>
-        </a:lnSpc>
+      <a:lvl1pPr algn="l" defTabSz="457200" rtl="0" eaLnBrk="1" latinLnBrk="0" hangingPunct="1">
         <a:spcBef>
           <a:spcPct val="0"/>
         </a:spcBef>
         <a:buNone/>
-        <a:defRPr sz="4400" kern="1200">
+        <a:defRPr sz="2800" b="0" kern="1200" cap="all">
           <a:solidFill>
-            <a:schemeClr val="tx1"/>
+            <a:schemeClr val="bg1"/>
           </a:solidFill>
           <a:latin typeface="+mj-lt"/>
           <a:ea typeface="+mj-ea"/>
           <a:cs typeface="+mj-cs"/>
         </a:defRPr>
       </a:lvl1pPr>
+      <a:lvl2pPr eaLnBrk="1" hangingPunct="1">
+        <a:defRPr>
+          <a:solidFill>
+            <a:schemeClr val="tx2"/>
+          </a:solidFill>
+        </a:defRPr>
+      </a:lvl2pPr>
+      <a:lvl3pPr eaLnBrk="1" hangingPunct="1">
+        <a:defRPr>
+          <a:solidFill>
+            <a:schemeClr val="tx2"/>
+          </a:solidFill>
+        </a:defRPr>
+      </a:lvl3pPr>
+      <a:lvl4pPr eaLnBrk="1" hangingPunct="1">
+        <a:defRPr>
+          <a:solidFill>
+            <a:schemeClr val="tx2"/>
+          </a:solidFill>
+        </a:defRPr>
+      </a:lvl4pPr>
+      <a:lvl5pPr eaLnBrk="1" hangingPunct="1">
+        <a:defRPr>
+          <a:solidFill>
+            <a:schemeClr val="tx2"/>
+          </a:solidFill>
+        </a:defRPr>
+      </a:lvl5pPr>
+      <a:lvl6pPr eaLnBrk="1" hangingPunct="1">
+        <a:defRPr>
+          <a:solidFill>
+            <a:schemeClr val="tx2"/>
+          </a:solidFill>
+        </a:defRPr>
+      </a:lvl6pPr>
+      <a:lvl7pPr eaLnBrk="1" hangingPunct="1">
+        <a:defRPr>
+          <a:solidFill>
+            <a:schemeClr val="tx2"/>
+          </a:solidFill>
+        </a:defRPr>
+      </a:lvl7pPr>
+      <a:lvl8pPr eaLnBrk="1" hangingPunct="1">
+        <a:defRPr>
+          <a:solidFill>
+            <a:schemeClr val="tx2"/>
+          </a:solidFill>
+        </a:defRPr>
+      </a:lvl8pPr>
+      <a:lvl9pPr eaLnBrk="1" hangingPunct="1">
+        <a:defRPr>
+          <a:solidFill>
+            <a:schemeClr val="tx2"/>
+          </a:solidFill>
+        </a:defRPr>
+      </a:lvl9pPr>
     </p:titleStyle>
     <p:bodyStyle>
-      <a:lvl1pPr marL="228600" indent="-228600" algn="l" defTabSz="914400" rtl="0" eaLnBrk="1" latinLnBrk="0" hangingPunct="1">
-        <a:lnSpc>
-          <a:spcPct val="90000"/>
-        </a:lnSpc>
+      <a:lvl1pPr marL="306000" indent="-306000" algn="l" defTabSz="457200" rtl="0" eaLnBrk="1" latinLnBrk="0" hangingPunct="1">
         <a:spcBef>
-          <a:spcPts val="1000"/>
+          <a:spcPct val="20000"/>
         </a:spcBef>
-        <a:buFont typeface="Arial" panose="020B0604020202020204" pitchFamily="34" charset="0"/>
-        <a:buChar char="•"/>
-        <a:defRPr sz="2800" kern="1200">
+        <a:spcAft>
+          <a:spcPts val="600"/>
+        </a:spcAft>
+        <a:buClr>
+          <a:schemeClr val="accent2"/>
+        </a:buClr>
+        <a:buSzPct val="92000"/>
+        <a:buFont typeface="Wingdings 2" panose="05020102010507070707" pitchFamily="18" charset="2"/>
+        <a:buChar char=""/>
+        <a:defRPr sz="1800" kern="1200">
           <a:solidFill>
-            <a:schemeClr val="tx1"/>
+            <a:schemeClr val="tx2"/>
           </a:solidFill>
           <a:latin typeface="+mn-lt"/>
           <a:ea typeface="+mn-ea"/>
           <a:cs typeface="+mn-cs"/>
         </a:defRPr>
       </a:lvl1pPr>
-      <a:lvl2pPr marL="685800" indent="-228600" algn="l" defTabSz="914400" rtl="0" eaLnBrk="1" latinLnBrk="0" hangingPunct="1">
-        <a:lnSpc>
-          <a:spcPct val="90000"/>
-        </a:lnSpc>
+      <a:lvl2pPr marL="630000" indent="-306000" algn="l" defTabSz="457200" rtl="0" eaLnBrk="1" latinLnBrk="0" hangingPunct="1">
         <a:spcBef>
-          <a:spcPts val="500"/>
+          <a:spcPct val="20000"/>
         </a:spcBef>
-        <a:buFont typeface="Arial" panose="020B0604020202020204" pitchFamily="34" charset="0"/>
-        <a:buChar char="•"/>
-        <a:defRPr sz="2400" kern="1200">
+        <a:spcAft>
+          <a:spcPts val="600"/>
+        </a:spcAft>
+        <a:buClr>
+          <a:schemeClr val="accent2"/>
+        </a:buClr>
+        <a:buSzPct val="92000"/>
+        <a:buFont typeface="Wingdings 2" panose="05020102010507070707" pitchFamily="18" charset="2"/>
+        <a:buChar char=""/>
+        <a:defRPr sz="1600" kern="1200">
           <a:solidFill>
-            <a:schemeClr val="tx1"/>
+            <a:schemeClr val="tx2"/>
           </a:solidFill>
           <a:latin typeface="+mn-lt"/>
           <a:ea typeface="+mn-ea"/>
           <a:cs typeface="+mn-cs"/>
         </a:defRPr>
       </a:lvl2pPr>
-      <a:lvl3pPr marL="1143000" indent="-228600" algn="l" defTabSz="914400" rtl="0" eaLnBrk="1" latinLnBrk="0" hangingPunct="1">
-        <a:lnSpc>
-          <a:spcPct val="90000"/>
-        </a:lnSpc>
+      <a:lvl3pPr marL="900000" indent="-270000" algn="l" defTabSz="457200" rtl="0" eaLnBrk="1" latinLnBrk="0" hangingPunct="1">
         <a:spcBef>
-          <a:spcPts val="500"/>
+          <a:spcPct val="20000"/>
         </a:spcBef>
-        <a:buFont typeface="Arial" panose="020B0604020202020204" pitchFamily="34" charset="0"/>
-        <a:buChar char="•"/>
-        <a:defRPr sz="2000" kern="1200">
+        <a:spcAft>
+          <a:spcPts val="600"/>
+        </a:spcAft>
+        <a:buClr>
+          <a:schemeClr val="accent2"/>
+        </a:buClr>
+        <a:buSzPct val="92000"/>
+        <a:buFont typeface="Wingdings 2" panose="05020102010507070707" pitchFamily="18" charset="2"/>
+        <a:buChar char=""/>
+        <a:defRPr sz="1400" kern="1200">
           <a:solidFill>
-            <a:schemeClr val="tx1"/>
+            <a:schemeClr val="tx2"/>
           </a:solidFill>
           <a:latin typeface="+mn-lt"/>
           <a:ea typeface="+mn-ea"/>
           <a:cs typeface="+mn-cs"/>
         </a:defRPr>
       </a:lvl3pPr>
-      <a:lvl4pPr marL="1600200" indent="-228600" algn="l" defTabSz="914400" rtl="0" eaLnBrk="1" latinLnBrk="0" hangingPunct="1">
-        <a:lnSpc>
-          <a:spcPct val="90000"/>
-        </a:lnSpc>
+      <a:lvl4pPr marL="1242000" indent="-234000" algn="l" defTabSz="457200" rtl="0" eaLnBrk="1" latinLnBrk="0" hangingPunct="1">
         <a:spcBef>
-          <a:spcPts val="500"/>
+          <a:spcPct val="20000"/>
         </a:spcBef>
-        <a:buFont typeface="Arial" panose="020B0604020202020204" pitchFamily="34" charset="0"/>
-        <a:buChar char="•"/>
-        <a:defRPr sz="1800" kern="1200">
+        <a:spcAft>
+          <a:spcPts val="600"/>
+        </a:spcAft>
+        <a:buClr>
+          <a:schemeClr val="accent2"/>
+        </a:buClr>
+        <a:buSzPct val="92000"/>
+        <a:buFont typeface="Wingdings 2" panose="05020102010507070707" pitchFamily="18" charset="2"/>
+        <a:buChar char=""/>
+        <a:defRPr sz="1200" kern="1200">
           <a:solidFill>
-            <a:schemeClr val="tx1"/>
+            <a:schemeClr val="tx2"/>
           </a:solidFill>
           <a:latin typeface="+mn-lt"/>
           <a:ea typeface="+mn-ea"/>
           <a:cs typeface="+mn-cs"/>
         </a:defRPr>
       </a:lvl4pPr>
-      <a:lvl5pPr marL="2057400" indent="-228600" algn="l" defTabSz="914400" rtl="0" eaLnBrk="1" latinLnBrk="0" hangingPunct="1">
-        <a:lnSpc>
-          <a:spcPct val="90000"/>
-        </a:lnSpc>
+      <a:lvl5pPr marL="1602000" indent="-234000" algn="l" defTabSz="457200" rtl="0" eaLnBrk="1" latinLnBrk="0" hangingPunct="1">
         <a:spcBef>
-          <a:spcPts val="500"/>
+          <a:spcPct val="20000"/>
         </a:spcBef>
-        <a:buFont typeface="Arial" panose="020B0604020202020204" pitchFamily="34" charset="0"/>
-        <a:buChar char="•"/>
-        <a:defRPr sz="1800" kern="1200">
+        <a:spcAft>
+          <a:spcPts val="600"/>
+        </a:spcAft>
+        <a:buClr>
+          <a:schemeClr val="accent2"/>
+        </a:buClr>
+        <a:buSzPct val="92000"/>
+        <a:buFont typeface="Wingdings 2" panose="05020102010507070707" pitchFamily="18" charset="2"/>
+        <a:buChar char=""/>
+        <a:defRPr sz="1200" kern="1200">
           <a:solidFill>
-            <a:schemeClr val="tx1"/>
+            <a:schemeClr val="tx2"/>
           </a:solidFill>
           <a:latin typeface="+mn-lt"/>
           <a:ea typeface="+mn-ea"/>
           <a:cs typeface="+mn-cs"/>
         </a:defRPr>
       </a:lvl5pPr>
-      <a:lvl6pPr marL="2514600" indent="-228600" algn="l" defTabSz="914400" rtl="0" eaLnBrk="1" latinLnBrk="0" hangingPunct="1">
-        <a:lnSpc>
-          <a:spcPct val="90000"/>
-        </a:lnSpc>
+      <a:lvl6pPr marL="1900000" indent="-228600" algn="l" defTabSz="457200" rtl="0" eaLnBrk="1" latinLnBrk="0" hangingPunct="1">
         <a:spcBef>
-          <a:spcPts val="500"/>
+          <a:spcPct val="20000"/>
         </a:spcBef>
-        <a:buFont typeface="Arial" panose="020B0604020202020204" pitchFamily="34" charset="0"/>
-        <a:buChar char="•"/>
-        <a:defRPr sz="1800" kern="1200">
+        <a:spcAft>
+          <a:spcPts val="600"/>
+        </a:spcAft>
+        <a:buClr>
+          <a:schemeClr val="accent2"/>
+        </a:buClr>
+        <a:buSzPct val="92000"/>
+        <a:buFont typeface="Wingdings 2" panose="05020102010507070707" pitchFamily="18" charset="2"/>
+        <a:buChar char=""/>
+        <a:defRPr sz="1200" kern="1200">
           <a:solidFill>
-            <a:schemeClr val="tx1"/>
+            <a:schemeClr val="tx2"/>
           </a:solidFill>
           <a:latin typeface="+mn-lt"/>
           <a:ea typeface="+mn-ea"/>
           <a:cs typeface="+mn-cs"/>
         </a:defRPr>
       </a:lvl6pPr>
-      <a:lvl7pPr marL="2971800" indent="-228600" algn="l" defTabSz="914400" rtl="0" eaLnBrk="1" latinLnBrk="0" hangingPunct="1">
-        <a:lnSpc>
-          <a:spcPct val="90000"/>
-        </a:lnSpc>
+      <a:lvl7pPr marL="2200000" indent="-228600" algn="l" defTabSz="457200" rtl="0" eaLnBrk="1" latinLnBrk="0" hangingPunct="1">
         <a:spcBef>
-          <a:spcPts val="500"/>
+          <a:spcPct val="20000"/>
         </a:spcBef>
-        <a:buFont typeface="Arial" panose="020B0604020202020204" pitchFamily="34" charset="0"/>
-        <a:buChar char="•"/>
-        <a:defRPr sz="1800" kern="1200">
+        <a:spcAft>
+          <a:spcPts val="600"/>
+        </a:spcAft>
+        <a:buClr>
+          <a:schemeClr val="accent2"/>
+        </a:buClr>
+        <a:buSzPct val="92000"/>
+        <a:buFont typeface="Wingdings 2" panose="05020102010507070707" pitchFamily="18" charset="2"/>
+        <a:buChar char=""/>
+        <a:defRPr sz="1200" kern="1200">
           <a:solidFill>
-            <a:schemeClr val="tx1"/>
+            <a:schemeClr val="tx2"/>
           </a:solidFill>
           <a:latin typeface="+mn-lt"/>
           <a:ea typeface="+mn-ea"/>
           <a:cs typeface="+mn-cs"/>
         </a:defRPr>
       </a:lvl7pPr>
-      <a:lvl8pPr marL="3429000" indent="-228600" algn="l" defTabSz="914400" rtl="0" eaLnBrk="1" latinLnBrk="0" hangingPunct="1">
-        <a:lnSpc>
-          <a:spcPct val="90000"/>
-        </a:lnSpc>
+      <a:lvl8pPr marL="2500000" indent="-228600" algn="l" defTabSz="457200" rtl="0" eaLnBrk="1" latinLnBrk="0" hangingPunct="1">
         <a:spcBef>
-          <a:spcPts val="500"/>
+          <a:spcPct val="20000"/>
         </a:spcBef>
-        <a:buFont typeface="Arial" panose="020B0604020202020204" pitchFamily="34" charset="0"/>
-        <a:buChar char="•"/>
-        <a:defRPr sz="1800" kern="1200">
+        <a:spcAft>
+          <a:spcPts val="600"/>
+        </a:spcAft>
+        <a:buClr>
+          <a:schemeClr val="accent2"/>
+        </a:buClr>
+        <a:buSzPct val="92000"/>
+        <a:buFont typeface="Wingdings 2" panose="05020102010507070707" pitchFamily="18" charset="2"/>
+        <a:buChar char=""/>
+        <a:defRPr sz="1200" kern="1200">
           <a:solidFill>
-            <a:schemeClr val="tx1"/>
+            <a:schemeClr val="tx2"/>
           </a:solidFill>
           <a:latin typeface="+mn-lt"/>
           <a:ea typeface="+mn-ea"/>
           <a:cs typeface="+mn-cs"/>
         </a:defRPr>
       </a:lvl8pPr>
-      <a:lvl9pPr marL="3886200" indent="-228600" algn="l" defTabSz="914400" rtl="0" eaLnBrk="1" latinLnBrk="0" hangingPunct="1">
-        <a:lnSpc>
-          <a:spcPct val="90000"/>
-        </a:lnSpc>
+      <a:lvl9pPr marL="2800000" indent="-228600" algn="l" defTabSz="457200" rtl="0" eaLnBrk="1" latinLnBrk="0" hangingPunct="1">
         <a:spcBef>
-          <a:spcPts val="500"/>
+          <a:spcPct val="20000"/>
         </a:spcBef>
-        <a:buFont typeface="Arial" panose="020B0604020202020204" pitchFamily="34" charset="0"/>
-        <a:buChar char="•"/>
-        <a:defRPr sz="1800" kern="1200">
+        <a:spcAft>
+          <a:spcPts val="600"/>
+        </a:spcAft>
+        <a:buClr>
+          <a:schemeClr val="accent2"/>
+        </a:buClr>
+        <a:buSzPct val="92000"/>
+        <a:buFont typeface="Wingdings 2" panose="05020102010507070707" pitchFamily="18" charset="2"/>
+        <a:buChar char=""/>
+        <a:defRPr sz="1200" kern="1200">
           <a:solidFill>
-            <a:schemeClr val="tx1"/>
+            <a:schemeClr val="tx2"/>
           </a:solidFill>
           <a:latin typeface="+mn-lt"/>
           <a:ea typeface="+mn-ea"/>
@@ -3230,7 +4703,7 @@
       <a:defPPr>
         <a:defRPr lang="en-US"/>
       </a:defPPr>
-      <a:lvl1pPr marL="0" algn="l" defTabSz="914400" rtl="0" eaLnBrk="1" latinLnBrk="0" hangingPunct="1">
+      <a:lvl1pPr marL="0" algn="l" defTabSz="457200" rtl="0" eaLnBrk="1" latinLnBrk="0" hangingPunct="1">
         <a:defRPr sz="1800" kern="1200">
           <a:solidFill>
             <a:schemeClr val="tx1"/>
@@ -3240,7 +4713,7 @@
           <a:cs typeface="+mn-cs"/>
         </a:defRPr>
       </a:lvl1pPr>
-      <a:lvl2pPr marL="457200" algn="l" defTabSz="914400" rtl="0" eaLnBrk="1" latinLnBrk="0" hangingPunct="1">
+      <a:lvl2pPr marL="457200" algn="l" defTabSz="457200" rtl="0" eaLnBrk="1" latinLnBrk="0" hangingPunct="1">
         <a:defRPr sz="1800" kern="1200">
           <a:solidFill>
             <a:schemeClr val="tx1"/>
@@ -3250,7 +4723,7 @@
           <a:cs typeface="+mn-cs"/>
         </a:defRPr>
       </a:lvl2pPr>
-      <a:lvl3pPr marL="914400" algn="l" defTabSz="914400" rtl="0" eaLnBrk="1" latinLnBrk="0" hangingPunct="1">
+      <a:lvl3pPr marL="914400" algn="l" defTabSz="457200" rtl="0" eaLnBrk="1" latinLnBrk="0" hangingPunct="1">
         <a:defRPr sz="1800" kern="1200">
           <a:solidFill>
             <a:schemeClr val="tx1"/>
@@ -3260,7 +4733,7 @@
           <a:cs typeface="+mn-cs"/>
         </a:defRPr>
       </a:lvl3pPr>
-      <a:lvl4pPr marL="1371600" algn="l" defTabSz="914400" rtl="0" eaLnBrk="1" latinLnBrk="0" hangingPunct="1">
+      <a:lvl4pPr marL="1371600" algn="l" defTabSz="457200" rtl="0" eaLnBrk="1" latinLnBrk="0" hangingPunct="1">
         <a:defRPr sz="1800" kern="1200">
           <a:solidFill>
             <a:schemeClr val="tx1"/>
@@ -3270,7 +4743,7 @@
           <a:cs typeface="+mn-cs"/>
         </a:defRPr>
       </a:lvl4pPr>
-      <a:lvl5pPr marL="1828800" algn="l" defTabSz="914400" rtl="0" eaLnBrk="1" latinLnBrk="0" hangingPunct="1">
+      <a:lvl5pPr marL="1828800" algn="l" defTabSz="457200" rtl="0" eaLnBrk="1" latinLnBrk="0" hangingPunct="1">
         <a:defRPr sz="1800" kern="1200">
           <a:solidFill>
             <a:schemeClr val="tx1"/>
@@ -3280,7 +4753,7 @@
           <a:cs typeface="+mn-cs"/>
         </a:defRPr>
       </a:lvl5pPr>
-      <a:lvl6pPr marL="2286000" algn="l" defTabSz="914400" rtl="0" eaLnBrk="1" latinLnBrk="0" hangingPunct="1">
+      <a:lvl6pPr marL="2286000" algn="l" defTabSz="457200" rtl="0" eaLnBrk="1" latinLnBrk="0" hangingPunct="1">
         <a:defRPr sz="1800" kern="1200">
           <a:solidFill>
             <a:schemeClr val="tx1"/>
@@ -3290,7 +4763,7 @@
           <a:cs typeface="+mn-cs"/>
         </a:defRPr>
       </a:lvl6pPr>
-      <a:lvl7pPr marL="2743200" algn="l" defTabSz="914400" rtl="0" eaLnBrk="1" latinLnBrk="0" hangingPunct="1">
+      <a:lvl7pPr marL="2743200" algn="l" defTabSz="457200" rtl="0" eaLnBrk="1" latinLnBrk="0" hangingPunct="1">
         <a:defRPr sz="1800" kern="1200">
           <a:solidFill>
             <a:schemeClr val="tx1"/>
@@ -3300,7 +4773,7 @@
           <a:cs typeface="+mn-cs"/>
         </a:defRPr>
       </a:lvl7pPr>
-      <a:lvl8pPr marL="3200400" algn="l" defTabSz="914400" rtl="0" eaLnBrk="1" latinLnBrk="0" hangingPunct="1">
+      <a:lvl8pPr marL="3200400" algn="l" defTabSz="457200" rtl="0" eaLnBrk="1" latinLnBrk="0" hangingPunct="1">
         <a:defRPr sz="1800" kern="1200">
           <a:solidFill>
             <a:schemeClr val="tx1"/>
@@ -3310,7 +4783,7 @@
           <a:cs typeface="+mn-cs"/>
         </a:defRPr>
       </a:lvl8pPr>
-      <a:lvl9pPr marL="3657600" algn="l" defTabSz="914400" rtl="0" eaLnBrk="1" latinLnBrk="0" hangingPunct="1">
+      <a:lvl9pPr marL="3657600" algn="l" defTabSz="457200" rtl="0" eaLnBrk="1" latinLnBrk="0" hangingPunct="1">
         <a:defRPr sz="1800" kern="1200">
           <a:solidFill>
             <a:schemeClr val="tx1"/>
@@ -3342,10 +4815,652 @@
           <a:chExt cx="0" cy="0"/>
         </a:xfrm>
       </p:grpSpPr>
+      <p:sp>
+        <p:nvSpPr>
+          <p:cNvPr id="2" name="Title 1">
+            <a:extLst>
+              <a:ext uri="{FF2B5EF4-FFF2-40B4-BE49-F238E27FC236}">
+                <a16:creationId xmlns:a16="http://schemas.microsoft.com/office/drawing/2014/main" id="{5B040558-A365-4CCE-92FA-5A48CD98F9C9}"/>
+              </a:ext>
+            </a:extLst>
+          </p:cNvPr>
+          <p:cNvSpPr>
+            <a:spLocks noGrp="1"/>
+          </p:cNvSpPr>
+          <p:nvPr>
+            <p:ph type="title"/>
+          </p:nvPr>
+        </p:nvSpPr>
+        <p:spPr>
+          <a:xfrm>
+            <a:off x="488775" y="221978"/>
+            <a:ext cx="11029616" cy="988332"/>
+          </a:xfrm>
+        </p:spPr>
+        <p:txBody>
+          <a:bodyPr anchor="b">
+            <a:normAutofit/>
+          </a:bodyPr>
+          <a:lstStyle/>
+          <a:p>
+            <a:r>
+              <a:rPr lang="en-US" dirty="0"/>
+              <a:t>High LEVEL Requirements</a:t>
+            </a:r>
+          </a:p>
+        </p:txBody>
+      </p:sp>
+      <p:sp>
+        <p:nvSpPr>
+          <p:cNvPr id="6" name="Content Placeholder 5">
+            <a:extLst>
+              <a:ext uri="{FF2B5EF4-FFF2-40B4-BE49-F238E27FC236}">
+                <a16:creationId xmlns:a16="http://schemas.microsoft.com/office/drawing/2014/main" id="{0D90DF28-1A85-9C43-AF17-FFF5EC1DD125}"/>
+              </a:ext>
+            </a:extLst>
+          </p:cNvPr>
+          <p:cNvSpPr txBox="1">
+            <a:spLocks noGrp="1"/>
+          </p:cNvSpPr>
+          <p:nvPr>
+            <p:ph sz="half" idx="1"/>
+          </p:nvPr>
+        </p:nvSpPr>
+        <p:spPr>
+          <a:xfrm>
+            <a:off x="488775" y="1692092"/>
+            <a:ext cx="10412905" cy="2305050"/>
+          </a:xfrm>
+        </p:spPr>
+        <p:txBody>
+          <a:bodyPr anchor="ctr">
+            <a:normAutofit/>
+          </a:bodyPr>
+          <a:lstStyle/>
+          <a:p>
+            <a:pPr marL="285750" indent="-285750">
+              <a:buFont typeface="Arial" panose="020B0604020202020204" pitchFamily="34" charset="0"/>
+              <a:buChar char="•"/>
+            </a:pPr>
+            <a:r>
+              <a:rPr lang="en-US" dirty="0"/>
+              <a:t>System should anonymously alert users if they have been in close contact with another user who has tested positive for coronavirus (COVID-19).</a:t>
+            </a:r>
+          </a:p>
+          <a:p>
+            <a:pPr marL="285750" indent="-285750">
+              <a:buFont typeface="Arial" panose="020B0604020202020204" pitchFamily="34" charset="0"/>
+              <a:buChar char="•"/>
+            </a:pPr>
+            <a:r>
+              <a:rPr lang="en-US" dirty="0"/>
+              <a:t>System should allow restaurant, store, or any public event admin to register and create a QR code for venue.</a:t>
+            </a:r>
+          </a:p>
+          <a:p>
+            <a:pPr marL="285750" indent="-285750">
+              <a:buFont typeface="Arial" panose="020B0604020202020204" pitchFamily="34" charset="0"/>
+              <a:buChar char="•"/>
+            </a:pPr>
+            <a:r>
+              <a:rPr lang="en-US" dirty="0"/>
+              <a:t>System should allow QR code scanning for venue check in/outs</a:t>
+            </a:r>
+          </a:p>
+          <a:p>
+            <a:pPr marL="285750" indent="-285750">
+              <a:buFont typeface="Arial" panose="020B0604020202020204" pitchFamily="34" charset="0"/>
+              <a:buChar char="•"/>
+            </a:pPr>
+            <a:endParaRPr lang="en-US" dirty="0"/>
+          </a:p>
+          <a:p>
+            <a:pPr marL="0" indent="0">
+              <a:buNone/>
+            </a:pPr>
+            <a:endParaRPr lang="en-IN" dirty="0"/>
+          </a:p>
+        </p:txBody>
+      </p:sp>
     </p:spTree>
     <p:extLst>
       <p:ext uri="{BB962C8B-B14F-4D97-AF65-F5344CB8AC3E}">
-        <p14:creationId xmlns:p14="http://schemas.microsoft.com/office/powerpoint/2010/main" val="3799850814"/>
+        <p14:creationId xmlns:p14="http://schemas.microsoft.com/office/powerpoint/2010/main" val="1703342593"/>
+      </p:ext>
+    </p:extLst>
+  </p:cSld>
+  <p:clrMapOvr>
+    <a:masterClrMapping/>
+  </p:clrMapOvr>
+</p:sld>
+</file>
+
+<file path=ppt/slides/slide2.xml><?xml version="1.0" encoding="utf-8"?>
+<p:sld xmlns:a="http://schemas.openxmlformats.org/drawingml/2006/main" xmlns:r="http://schemas.openxmlformats.org/officeDocument/2006/relationships" xmlns:p="http://schemas.openxmlformats.org/presentationml/2006/main">
+  <p:cSld>
+    <p:spTree>
+      <p:nvGrpSpPr>
+        <p:cNvPr id="1" name=""/>
+        <p:cNvGrpSpPr/>
+        <p:nvPr/>
+      </p:nvGrpSpPr>
+      <p:grpSpPr>
+        <a:xfrm>
+          <a:off x="0" y="0"/>
+          <a:ext cx="0" cy="0"/>
+          <a:chOff x="0" y="0"/>
+          <a:chExt cx="0" cy="0"/>
+        </a:xfrm>
+      </p:grpSpPr>
+      <p:sp>
+        <p:nvSpPr>
+          <p:cNvPr id="2" name="Title 1">
+            <a:extLst>
+              <a:ext uri="{FF2B5EF4-FFF2-40B4-BE49-F238E27FC236}">
+                <a16:creationId xmlns:a16="http://schemas.microsoft.com/office/drawing/2014/main" id="{5B040558-A365-4CCE-92FA-5A48CD98F9C9}"/>
+              </a:ext>
+            </a:extLst>
+          </p:cNvPr>
+          <p:cNvSpPr>
+            <a:spLocks noGrp="1"/>
+          </p:cNvSpPr>
+          <p:nvPr>
+            <p:ph type="title"/>
+          </p:nvPr>
+        </p:nvSpPr>
+        <p:spPr>
+          <a:xfrm>
+            <a:off x="488775" y="221978"/>
+            <a:ext cx="11029616" cy="988332"/>
+          </a:xfrm>
+        </p:spPr>
+        <p:txBody>
+          <a:bodyPr anchor="b">
+            <a:normAutofit/>
+          </a:bodyPr>
+          <a:lstStyle/>
+          <a:p>
+            <a:r>
+              <a:rPr lang="en-US" dirty="0"/>
+              <a:t>PROPOSED SOLUTION 1</a:t>
+            </a:r>
+          </a:p>
+        </p:txBody>
+      </p:sp>
+      <p:pic>
+        <p:nvPicPr>
+          <p:cNvPr id="1026" name="Picture 2">
+            <a:extLst>
+              <a:ext uri="{FF2B5EF4-FFF2-40B4-BE49-F238E27FC236}">
+                <a16:creationId xmlns:a16="http://schemas.microsoft.com/office/drawing/2014/main" id="{AB24B47B-1F90-95E4-A667-EEE115163B7B}"/>
+              </a:ext>
+            </a:extLst>
+          </p:cNvPr>
+          <p:cNvPicPr>
+            <a:picLocks noChangeAspect="1" noChangeArrowheads="1"/>
+          </p:cNvPicPr>
+          <p:nvPr/>
+        </p:nvPicPr>
+        <p:blipFill>
+          <a:blip r:embed="rId3">
+            <a:extLst>
+              <a:ext uri="{28A0092B-C50C-407E-A947-70E740481C1C}">
+                <a14:useLocalDpi xmlns:a14="http://schemas.microsoft.com/office/drawing/2010/main" val="0"/>
+              </a:ext>
+            </a:extLst>
+          </a:blip>
+          <a:srcRect/>
+          <a:stretch>
+            <a:fillRect/>
+          </a:stretch>
+        </p:blipFill>
+        <p:spPr bwMode="auto">
+          <a:xfrm>
+            <a:off x="1818812" y="1646729"/>
+            <a:ext cx="5363498" cy="4192963"/>
+          </a:xfrm>
+          <a:prstGeom prst="rect">
+            <a:avLst/>
+          </a:prstGeom>
+          <a:noFill/>
+          <a:extLst>
+            <a:ext uri="{909E8E84-426E-40DD-AFC4-6F175D3DCCD1}">
+              <a14:hiddenFill xmlns:a14="http://schemas.microsoft.com/office/drawing/2010/main">
+                <a:solidFill>
+                  <a:srgbClr val="FFFFFF"/>
+                </a:solidFill>
+              </a14:hiddenFill>
+            </a:ext>
+          </a:extLst>
+        </p:spPr>
+      </p:pic>
+    </p:spTree>
+    <p:extLst>
+      <p:ext uri="{BB962C8B-B14F-4D97-AF65-F5344CB8AC3E}">
+        <p14:creationId xmlns:p14="http://schemas.microsoft.com/office/powerpoint/2010/main" val="1100151113"/>
+      </p:ext>
+    </p:extLst>
+  </p:cSld>
+  <p:clrMapOvr>
+    <a:masterClrMapping/>
+  </p:clrMapOvr>
+</p:sld>
+</file>
+
+<file path=ppt/slides/slide3.xml><?xml version="1.0" encoding="utf-8"?>
+<p:sld xmlns:a="http://schemas.openxmlformats.org/drawingml/2006/main" xmlns:r="http://schemas.openxmlformats.org/officeDocument/2006/relationships" xmlns:p="http://schemas.openxmlformats.org/presentationml/2006/main">
+  <p:cSld>
+    <p:spTree>
+      <p:nvGrpSpPr>
+        <p:cNvPr id="1" name=""/>
+        <p:cNvGrpSpPr/>
+        <p:nvPr/>
+      </p:nvGrpSpPr>
+      <p:grpSpPr>
+        <a:xfrm>
+          <a:off x="0" y="0"/>
+          <a:ext cx="0" cy="0"/>
+          <a:chOff x="0" y="0"/>
+          <a:chExt cx="0" cy="0"/>
+        </a:xfrm>
+      </p:grpSpPr>
+      <p:sp>
+        <p:nvSpPr>
+          <p:cNvPr id="2" name="Title 1">
+            <a:extLst>
+              <a:ext uri="{FF2B5EF4-FFF2-40B4-BE49-F238E27FC236}">
+                <a16:creationId xmlns:a16="http://schemas.microsoft.com/office/drawing/2014/main" id="{5B040558-A365-4CCE-92FA-5A48CD98F9C9}"/>
+              </a:ext>
+            </a:extLst>
+          </p:cNvPr>
+          <p:cNvSpPr>
+            <a:spLocks noGrp="1"/>
+          </p:cNvSpPr>
+          <p:nvPr>
+            <p:ph type="title"/>
+          </p:nvPr>
+        </p:nvSpPr>
+        <p:spPr>
+          <a:xfrm>
+            <a:off x="488775" y="221978"/>
+            <a:ext cx="11029616" cy="988332"/>
+          </a:xfrm>
+        </p:spPr>
+        <p:txBody>
+          <a:bodyPr anchor="b">
+            <a:normAutofit/>
+          </a:bodyPr>
+          <a:lstStyle/>
+          <a:p>
+            <a:r>
+              <a:rPr lang="en-US" dirty="0"/>
+              <a:t>PROPOSED SOLUTION 2</a:t>
+            </a:r>
+          </a:p>
+        </p:txBody>
+      </p:sp>
+    </p:spTree>
+    <p:extLst>
+      <p:ext uri="{BB962C8B-B14F-4D97-AF65-F5344CB8AC3E}">
+        <p14:creationId xmlns:p14="http://schemas.microsoft.com/office/powerpoint/2010/main" val="2062140664"/>
+      </p:ext>
+    </p:extLst>
+  </p:cSld>
+  <p:clrMapOvr>
+    <a:masterClrMapping/>
+  </p:clrMapOvr>
+</p:sld>
+</file>
+
+<file path=ppt/slides/slide4.xml><?xml version="1.0" encoding="utf-8"?>
+<p:sld xmlns:a="http://schemas.openxmlformats.org/drawingml/2006/main" xmlns:r="http://schemas.openxmlformats.org/officeDocument/2006/relationships" xmlns:p="http://schemas.openxmlformats.org/presentationml/2006/main">
+  <p:cSld>
+    <p:spTree>
+      <p:nvGrpSpPr>
+        <p:cNvPr id="1" name=""/>
+        <p:cNvGrpSpPr/>
+        <p:nvPr/>
+      </p:nvGrpSpPr>
+      <p:grpSpPr>
+        <a:xfrm>
+          <a:off x="0" y="0"/>
+          <a:ext cx="0" cy="0"/>
+          <a:chOff x="0" y="0"/>
+          <a:chExt cx="0" cy="0"/>
+        </a:xfrm>
+      </p:grpSpPr>
+      <p:sp>
+        <p:nvSpPr>
+          <p:cNvPr id="2" name="Title 1">
+            <a:extLst>
+              <a:ext uri="{FF2B5EF4-FFF2-40B4-BE49-F238E27FC236}">
+                <a16:creationId xmlns:a16="http://schemas.microsoft.com/office/drawing/2014/main" id="{5B040558-A365-4CCE-92FA-5A48CD98F9C9}"/>
+              </a:ext>
+            </a:extLst>
+          </p:cNvPr>
+          <p:cNvSpPr>
+            <a:spLocks noGrp="1"/>
+          </p:cNvSpPr>
+          <p:nvPr>
+            <p:ph type="title"/>
+          </p:nvPr>
+        </p:nvSpPr>
+        <p:spPr>
+          <a:xfrm>
+            <a:off x="488775" y="221978"/>
+            <a:ext cx="11029616" cy="988332"/>
+          </a:xfrm>
+        </p:spPr>
+        <p:txBody>
+          <a:bodyPr anchor="b">
+            <a:normAutofit/>
+          </a:bodyPr>
+          <a:lstStyle/>
+          <a:p>
+            <a:r>
+              <a:rPr lang="en-US" dirty="0"/>
+              <a:t>KEY DESIGN Considerations</a:t>
+            </a:r>
+          </a:p>
+        </p:txBody>
+      </p:sp>
+      <p:sp>
+        <p:nvSpPr>
+          <p:cNvPr id="5" name="Content Placeholder 5">
+            <a:extLst>
+              <a:ext uri="{FF2B5EF4-FFF2-40B4-BE49-F238E27FC236}">
+                <a16:creationId xmlns:a16="http://schemas.microsoft.com/office/drawing/2014/main" id="{CCDFDE1A-1EC5-86E8-F2B8-6FA8D990B5A9}"/>
+              </a:ext>
+            </a:extLst>
+          </p:cNvPr>
+          <p:cNvSpPr txBox="1">
+            <a:spLocks/>
+          </p:cNvSpPr>
+          <p:nvPr/>
+        </p:nvSpPr>
+        <p:spPr>
+          <a:xfrm>
+            <a:off x="557601" y="1436452"/>
+            <a:ext cx="10412905" cy="3754980"/>
+          </a:xfrm>
+          <a:prstGeom prst="rect">
+            <a:avLst/>
+          </a:prstGeom>
+        </p:spPr>
+        <p:txBody>
+          <a:bodyPr vert="horz" lIns="91440" tIns="45720" rIns="91440" bIns="45720" rtlCol="0" anchor="ctr">
+            <a:normAutofit/>
+          </a:bodyPr>
+          <a:lstStyle>
+            <a:lvl1pPr marL="306000" indent="-306000" algn="l" defTabSz="457200" rtl="0" eaLnBrk="1" latinLnBrk="0" hangingPunct="1">
+              <a:spcBef>
+                <a:spcPct val="20000"/>
+              </a:spcBef>
+              <a:spcAft>
+                <a:spcPts val="600"/>
+              </a:spcAft>
+              <a:buClr>
+                <a:schemeClr val="accent2"/>
+              </a:buClr>
+              <a:buSzPct val="92000"/>
+              <a:buFont typeface="Wingdings 2" panose="05020102010507070707" pitchFamily="18" charset="2"/>
+              <a:buChar char=""/>
+              <a:defRPr sz="1800" kern="1200">
+                <a:solidFill>
+                  <a:schemeClr val="tx2"/>
+                </a:solidFill>
+                <a:latin typeface="+mn-lt"/>
+                <a:ea typeface="+mn-ea"/>
+                <a:cs typeface="+mn-cs"/>
+              </a:defRPr>
+            </a:lvl1pPr>
+            <a:lvl2pPr marL="630000" indent="-306000" algn="l" defTabSz="457200" rtl="0" eaLnBrk="1" latinLnBrk="0" hangingPunct="1">
+              <a:spcBef>
+                <a:spcPct val="20000"/>
+              </a:spcBef>
+              <a:spcAft>
+                <a:spcPts val="600"/>
+              </a:spcAft>
+              <a:buClr>
+                <a:schemeClr val="accent2"/>
+              </a:buClr>
+              <a:buSzPct val="92000"/>
+              <a:buFont typeface="Wingdings 2" panose="05020102010507070707" pitchFamily="18" charset="2"/>
+              <a:buChar char=""/>
+              <a:defRPr sz="1600" kern="1200">
+                <a:solidFill>
+                  <a:schemeClr val="tx2"/>
+                </a:solidFill>
+                <a:latin typeface="+mn-lt"/>
+                <a:ea typeface="+mn-ea"/>
+                <a:cs typeface="+mn-cs"/>
+              </a:defRPr>
+            </a:lvl2pPr>
+            <a:lvl3pPr marL="900000" indent="-270000" algn="l" defTabSz="457200" rtl="0" eaLnBrk="1" latinLnBrk="0" hangingPunct="1">
+              <a:spcBef>
+                <a:spcPct val="20000"/>
+              </a:spcBef>
+              <a:spcAft>
+                <a:spcPts val="600"/>
+              </a:spcAft>
+              <a:buClr>
+                <a:schemeClr val="accent2"/>
+              </a:buClr>
+              <a:buSzPct val="92000"/>
+              <a:buFont typeface="Wingdings 2" panose="05020102010507070707" pitchFamily="18" charset="2"/>
+              <a:buChar char=""/>
+              <a:defRPr sz="1400" kern="1200">
+                <a:solidFill>
+                  <a:schemeClr val="tx2"/>
+                </a:solidFill>
+                <a:latin typeface="+mn-lt"/>
+                <a:ea typeface="+mn-ea"/>
+                <a:cs typeface="+mn-cs"/>
+              </a:defRPr>
+            </a:lvl3pPr>
+            <a:lvl4pPr marL="1242000" indent="-234000" algn="l" defTabSz="457200" rtl="0" eaLnBrk="1" latinLnBrk="0" hangingPunct="1">
+              <a:spcBef>
+                <a:spcPct val="20000"/>
+              </a:spcBef>
+              <a:spcAft>
+                <a:spcPts val="600"/>
+              </a:spcAft>
+              <a:buClr>
+                <a:schemeClr val="accent2"/>
+              </a:buClr>
+              <a:buSzPct val="92000"/>
+              <a:buFont typeface="Wingdings 2" panose="05020102010507070707" pitchFamily="18" charset="2"/>
+              <a:buChar char=""/>
+              <a:defRPr sz="1200" kern="1200">
+                <a:solidFill>
+                  <a:schemeClr val="tx2"/>
+                </a:solidFill>
+                <a:latin typeface="+mn-lt"/>
+                <a:ea typeface="+mn-ea"/>
+                <a:cs typeface="+mn-cs"/>
+              </a:defRPr>
+            </a:lvl4pPr>
+            <a:lvl5pPr marL="1602000" indent="-234000" algn="l" defTabSz="457200" rtl="0" eaLnBrk="1" latinLnBrk="0" hangingPunct="1">
+              <a:spcBef>
+                <a:spcPct val="20000"/>
+              </a:spcBef>
+              <a:spcAft>
+                <a:spcPts val="600"/>
+              </a:spcAft>
+              <a:buClr>
+                <a:schemeClr val="accent2"/>
+              </a:buClr>
+              <a:buSzPct val="92000"/>
+              <a:buFont typeface="Wingdings 2" panose="05020102010507070707" pitchFamily="18" charset="2"/>
+              <a:buChar char=""/>
+              <a:defRPr sz="1200" kern="1200">
+                <a:solidFill>
+                  <a:schemeClr val="tx2"/>
+                </a:solidFill>
+                <a:latin typeface="+mn-lt"/>
+                <a:ea typeface="+mn-ea"/>
+                <a:cs typeface="+mn-cs"/>
+              </a:defRPr>
+            </a:lvl5pPr>
+            <a:lvl6pPr marL="1900000" indent="-228600" algn="l" defTabSz="457200" rtl="0" eaLnBrk="1" latinLnBrk="0" hangingPunct="1">
+              <a:spcBef>
+                <a:spcPct val="20000"/>
+              </a:spcBef>
+              <a:spcAft>
+                <a:spcPts val="600"/>
+              </a:spcAft>
+              <a:buClr>
+                <a:schemeClr val="accent2"/>
+              </a:buClr>
+              <a:buSzPct val="92000"/>
+              <a:buFont typeface="Wingdings 2" panose="05020102010507070707" pitchFamily="18" charset="2"/>
+              <a:buChar char=""/>
+              <a:defRPr sz="1200" kern="1200">
+                <a:solidFill>
+                  <a:schemeClr val="tx2"/>
+                </a:solidFill>
+                <a:latin typeface="+mn-lt"/>
+                <a:ea typeface="+mn-ea"/>
+                <a:cs typeface="+mn-cs"/>
+              </a:defRPr>
+            </a:lvl6pPr>
+            <a:lvl7pPr marL="2200000" indent="-228600" algn="l" defTabSz="457200" rtl="0" eaLnBrk="1" latinLnBrk="0" hangingPunct="1">
+              <a:spcBef>
+                <a:spcPct val="20000"/>
+              </a:spcBef>
+              <a:spcAft>
+                <a:spcPts val="600"/>
+              </a:spcAft>
+              <a:buClr>
+                <a:schemeClr val="accent2"/>
+              </a:buClr>
+              <a:buSzPct val="92000"/>
+              <a:buFont typeface="Wingdings 2" panose="05020102010507070707" pitchFamily="18" charset="2"/>
+              <a:buChar char=""/>
+              <a:defRPr sz="1200" kern="1200">
+                <a:solidFill>
+                  <a:schemeClr val="tx2"/>
+                </a:solidFill>
+                <a:latin typeface="+mn-lt"/>
+                <a:ea typeface="+mn-ea"/>
+                <a:cs typeface="+mn-cs"/>
+              </a:defRPr>
+            </a:lvl7pPr>
+            <a:lvl8pPr marL="2500000" indent="-228600" algn="l" defTabSz="457200" rtl="0" eaLnBrk="1" latinLnBrk="0" hangingPunct="1">
+              <a:spcBef>
+                <a:spcPct val="20000"/>
+              </a:spcBef>
+              <a:spcAft>
+                <a:spcPts val="600"/>
+              </a:spcAft>
+              <a:buClr>
+                <a:schemeClr val="accent2"/>
+              </a:buClr>
+              <a:buSzPct val="92000"/>
+              <a:buFont typeface="Wingdings 2" panose="05020102010507070707" pitchFamily="18" charset="2"/>
+              <a:buChar char=""/>
+              <a:defRPr sz="1200" kern="1200">
+                <a:solidFill>
+                  <a:schemeClr val="tx2"/>
+                </a:solidFill>
+                <a:latin typeface="+mn-lt"/>
+                <a:ea typeface="+mn-ea"/>
+                <a:cs typeface="+mn-cs"/>
+              </a:defRPr>
+            </a:lvl8pPr>
+            <a:lvl9pPr marL="2800000" indent="-228600" algn="l" defTabSz="457200" rtl="0" eaLnBrk="1" latinLnBrk="0" hangingPunct="1">
+              <a:spcBef>
+                <a:spcPct val="20000"/>
+              </a:spcBef>
+              <a:spcAft>
+                <a:spcPts val="600"/>
+              </a:spcAft>
+              <a:buClr>
+                <a:schemeClr val="accent2"/>
+              </a:buClr>
+              <a:buSzPct val="92000"/>
+              <a:buFont typeface="Wingdings 2" panose="05020102010507070707" pitchFamily="18" charset="2"/>
+              <a:buChar char=""/>
+              <a:defRPr sz="1200" kern="1200">
+                <a:solidFill>
+                  <a:schemeClr val="tx2"/>
+                </a:solidFill>
+                <a:latin typeface="+mn-lt"/>
+                <a:ea typeface="+mn-ea"/>
+                <a:cs typeface="+mn-cs"/>
+              </a:defRPr>
+            </a:lvl9pPr>
+          </a:lstStyle>
+          <a:p>
+            <a:pPr marL="285750" indent="-285750">
+              <a:buFont typeface="Arial" panose="020B0604020202020204" pitchFamily="34" charset="0"/>
+              <a:buChar char="•"/>
+            </a:pPr>
+            <a:r>
+              <a:rPr lang="en-US" dirty="0"/>
+              <a:t>Client Authentication recommended for Mobile app</a:t>
+            </a:r>
+          </a:p>
+          <a:p>
+            <a:pPr marL="285750" indent="-285750">
+              <a:buFont typeface="Arial" panose="020B0604020202020204" pitchFamily="34" charset="0"/>
+              <a:buChar char="•"/>
+            </a:pPr>
+            <a:r>
+              <a:rPr lang="en-US" dirty="0"/>
+              <a:t>Sharing Personal Health Data with CT portal</a:t>
+            </a:r>
+          </a:p>
+          <a:p>
+            <a:pPr marL="285750" indent="-285750">
+              <a:buFont typeface="Arial" panose="020B0604020202020204" pitchFamily="34" charset="0"/>
+              <a:buChar char="•"/>
+            </a:pPr>
+            <a:r>
+              <a:rPr lang="en-US" dirty="0"/>
+              <a:t>Cost &amp; Timelines(Indicative)</a:t>
+            </a:r>
+          </a:p>
+          <a:p>
+            <a:pPr marL="285750" indent="-285750">
+              <a:buFont typeface="Arial" panose="020B0604020202020204" pitchFamily="34" charset="0"/>
+              <a:buChar char="•"/>
+            </a:pPr>
+            <a:endParaRPr lang="en-US" dirty="0"/>
+          </a:p>
+          <a:p>
+            <a:pPr marL="285750" indent="-285750">
+              <a:buFont typeface="Arial" panose="020B0604020202020204" pitchFamily="34" charset="0"/>
+              <a:buChar char="•"/>
+            </a:pPr>
+            <a:endParaRPr lang="en-US" dirty="0"/>
+          </a:p>
+          <a:p>
+            <a:pPr marL="285750" indent="-285750">
+              <a:buFont typeface="Arial" panose="020B0604020202020204" pitchFamily="34" charset="0"/>
+              <a:buChar char="•"/>
+            </a:pPr>
+            <a:endParaRPr lang="en-US" dirty="0"/>
+          </a:p>
+          <a:p>
+            <a:pPr marL="0" indent="0">
+              <a:buNone/>
+            </a:pPr>
+            <a:endParaRPr lang="en-US" dirty="0"/>
+          </a:p>
+          <a:p>
+            <a:pPr marL="0" indent="0">
+              <a:buFont typeface="Wingdings 2" panose="05020102010507070707" pitchFamily="18" charset="2"/>
+              <a:buNone/>
+            </a:pPr>
+            <a:endParaRPr lang="en-IN" dirty="0"/>
+          </a:p>
+        </p:txBody>
+      </p:sp>
+    </p:spTree>
+    <p:extLst>
+      <p:ext uri="{BB962C8B-B14F-4D97-AF65-F5344CB8AC3E}">
+        <p14:creationId xmlns:p14="http://schemas.microsoft.com/office/powerpoint/2010/main" val="3503528431"/>
       </p:ext>
     </p:extLst>
   </p:cSld>
@@ -3356,6 +5471,275 @@
 </file>
 
 <file path=ppt/theme/theme1.xml><?xml version="1.0" encoding="utf-8"?>
+<a:theme xmlns:a="http://schemas.openxmlformats.org/drawingml/2006/main" name="Dividend">
+  <a:themeElements>
+    <a:clrScheme name="Dividend">
+      <a:dk1>
+        <a:sysClr val="windowText" lastClr="000000"/>
+      </a:dk1>
+      <a:lt1>
+        <a:sysClr val="window" lastClr="FFFFFF"/>
+      </a:lt1>
+      <a:dk2>
+        <a:srgbClr val="3D3D3D"/>
+      </a:dk2>
+      <a:lt2>
+        <a:srgbClr val="EBEBEB"/>
+      </a:lt2>
+      <a:accent1>
+        <a:srgbClr val="1A3260"/>
+      </a:accent1>
+      <a:accent2>
+        <a:srgbClr val="4590B8"/>
+      </a:accent2>
+      <a:accent3>
+        <a:srgbClr val="45CBE8"/>
+      </a:accent3>
+      <a:accent4>
+        <a:srgbClr val="969FA7"/>
+      </a:accent4>
+      <a:accent5>
+        <a:srgbClr val="A2C777"/>
+      </a:accent5>
+      <a:accent6>
+        <a:srgbClr val="42955F"/>
+      </a:accent6>
+      <a:hlink>
+        <a:srgbClr val="828282"/>
+      </a:hlink>
+      <a:folHlink>
+        <a:srgbClr val="A5A5A5"/>
+      </a:folHlink>
+    </a:clrScheme>
+    <a:fontScheme name="Dividend">
+      <a:majorFont>
+        <a:latin typeface="Gill Sans MT" panose="020B0502020104020203"/>
+        <a:ea typeface=""/>
+        <a:cs typeface=""/>
+        <a:font script="Grek" typeface="Corbel"/>
+        <a:font script="Cyrl" typeface="Corbel"/>
+        <a:font script="Jpan" typeface="HGｺﾞｼｯｸE"/>
+        <a:font script="Hang" typeface="휴먼매직체"/>
+        <a:font script="Hans" typeface="华文中宋"/>
+        <a:font script="Hant" typeface="微軟正黑體"/>
+        <a:font script="Arab" typeface="Majalla UI"/>
+        <a:font script="Hebr" typeface="Arial"/>
+        <a:font script="Thai" typeface="Cordia New"/>
+        <a:font script="Ethi" typeface="Nyala"/>
+        <a:font script="Beng" typeface="Vrinda"/>
+        <a:font script="Gujr" typeface="Shruti"/>
+        <a:font script="Khmr" typeface="DaunPenh"/>
+        <a:font script="Knda" typeface="Tunga"/>
+        <a:font script="Guru" typeface="Raavi"/>
+        <a:font script="Cans" typeface="Euphemia"/>
+        <a:font script="Cher" typeface="Plantagenet Cherokee"/>
+        <a:font script="Yiii" typeface="Microsoft Yi Baiti"/>
+        <a:font script="Tibt" typeface="Microsoft Himalaya"/>
+        <a:font script="Thaa" typeface="MV Boli"/>
+        <a:font script="Deva" typeface="Mangal"/>
+        <a:font script="Telu" typeface="Gautami"/>
+        <a:font script="Taml" typeface="Latha"/>
+        <a:font script="Syrc" typeface="Estrangelo Edessa"/>
+        <a:font script="Orya" typeface="Kalinga"/>
+        <a:font script="Mlym" typeface="Kartika"/>
+        <a:font script="Laoo" typeface="DokChampa"/>
+        <a:font script="Sinh" typeface="Iskoola Pota"/>
+        <a:font script="Mong" typeface="Mongolian Baiti"/>
+        <a:font script="Viet" typeface="Tahoma"/>
+        <a:font script="Uigh" typeface="Microsoft Uighur"/>
+        <a:font script="Geor" typeface="Sylfaen"/>
+      </a:majorFont>
+      <a:minorFont>
+        <a:latin typeface="Gill Sans MT" panose="020B0502020104020203"/>
+        <a:ea typeface=""/>
+        <a:cs typeface=""/>
+        <a:font script="Grek" typeface="Corbel"/>
+        <a:font script="Cyrl" typeface="Corbel"/>
+        <a:font script="Jpan" typeface="HGｺﾞｼｯｸE"/>
+        <a:font script="Hang" typeface="휴먼매직체"/>
+        <a:font script="Hans" typeface="华文中宋"/>
+        <a:font script="Hant" typeface="微軟正黑體"/>
+        <a:font script="Arab" typeface="Majalla UI"/>
+        <a:font script="Hebr" typeface="Arial"/>
+        <a:font script="Thai" typeface="Cordia New"/>
+        <a:font script="Ethi" typeface="Nyala"/>
+        <a:font script="Beng" typeface="Vrinda"/>
+        <a:font script="Gujr" typeface="Shruti"/>
+        <a:font script="Khmr" typeface="DaunPenh"/>
+        <a:font script="Knda" typeface="Tunga"/>
+        <a:font script="Guru" typeface="Raavi"/>
+        <a:font script="Cans" typeface="Euphemia"/>
+        <a:font script="Cher" typeface="Plantagenet Cherokee"/>
+        <a:font script="Yiii" typeface="Microsoft Yi Baiti"/>
+        <a:font script="Tibt" typeface="Microsoft Himalaya"/>
+        <a:font script="Thaa" typeface="MV Boli"/>
+        <a:font script="Deva" typeface="Mangal"/>
+        <a:font script="Telu" typeface="Gautami"/>
+        <a:font script="Taml" typeface="Latha"/>
+        <a:font script="Syrc" typeface="Estrangelo Edessa"/>
+        <a:font script="Orya" typeface="Kalinga"/>
+        <a:font script="Mlym" typeface="Kartika"/>
+        <a:font script="Laoo" typeface="DokChampa"/>
+        <a:font script="Sinh" typeface="Iskoola Pota"/>
+        <a:font script="Mong" typeface="Mongolian Baiti"/>
+        <a:font script="Viet" typeface="Tahoma"/>
+        <a:font script="Uigh" typeface="Microsoft Uighur"/>
+        <a:font script="Geor" typeface="Sylfaen"/>
+      </a:minorFont>
+    </a:fontScheme>
+    <a:fmtScheme name="Dividend">
+      <a:fillStyleLst>
+        <a:solidFill>
+          <a:schemeClr val="phClr"/>
+        </a:solidFill>
+        <a:gradFill rotWithShape="1">
+          <a:gsLst>
+            <a:gs pos="0">
+              <a:schemeClr val="phClr">
+                <a:tint val="68000"/>
+                <a:alpha val="90000"/>
+                <a:lumMod val="100000"/>
+              </a:schemeClr>
+            </a:gs>
+            <a:gs pos="100000">
+              <a:schemeClr val="phClr">
+                <a:tint val="90000"/>
+                <a:lumMod val="95000"/>
+              </a:schemeClr>
+            </a:gs>
+          </a:gsLst>
+          <a:lin ang="5400000" scaled="1"/>
+        </a:gradFill>
+        <a:gradFill rotWithShape="1">
+          <a:gsLst>
+            <a:gs pos="0">
+              <a:schemeClr val="phClr">
+                <a:tint val="98000"/>
+                <a:lumMod val="110000"/>
+              </a:schemeClr>
+            </a:gs>
+            <a:gs pos="84000">
+              <a:schemeClr val="phClr">
+                <a:shade val="90000"/>
+                <a:lumMod val="88000"/>
+              </a:schemeClr>
+            </a:gs>
+          </a:gsLst>
+          <a:lin ang="5400000" scaled="0"/>
+        </a:gradFill>
+      </a:fillStyleLst>
+      <a:lnStyleLst>
+        <a:ln w="12700" cap="rnd" cmpd="sng" algn="ctr">
+          <a:solidFill>
+            <a:schemeClr val="phClr">
+              <a:lumMod val="90000"/>
+            </a:schemeClr>
+          </a:solidFill>
+          <a:prstDash val="solid"/>
+        </a:ln>
+        <a:ln w="22225" cap="rnd" cmpd="sng" algn="ctr">
+          <a:solidFill>
+            <a:schemeClr val="phClr"/>
+          </a:solidFill>
+          <a:prstDash val="solid"/>
+        </a:ln>
+        <a:ln w="25400" cap="rnd" cmpd="sng" algn="ctr">
+          <a:solidFill>
+            <a:schemeClr val="phClr"/>
+          </a:solidFill>
+          <a:prstDash val="solid"/>
+        </a:ln>
+      </a:lnStyleLst>
+      <a:effectStyleLst>
+        <a:effectStyle>
+          <a:effectLst/>
+        </a:effectStyle>
+        <a:effectStyle>
+          <a:effectLst>
+            <a:outerShdw blurRad="38100" dist="25400" dir="5400000" rotWithShape="0">
+              <a:srgbClr val="000000">
+                <a:alpha val="55000"/>
+              </a:srgbClr>
+            </a:outerShdw>
+          </a:effectLst>
+        </a:effectStyle>
+        <a:effectStyle>
+          <a:effectLst>
+            <a:outerShdw blurRad="88900" dist="38100" dir="5040000" rotWithShape="0">
+              <a:srgbClr val="000000">
+                <a:alpha val="60000"/>
+              </a:srgbClr>
+            </a:outerShdw>
+          </a:effectLst>
+          <a:scene3d>
+            <a:camera prst="orthographicFront">
+              <a:rot lat="0" lon="0" rev="0"/>
+            </a:camera>
+            <a:lightRig rig="threePt" dir="tl">
+              <a:rot lat="0" lon="0" rev="1200000"/>
+            </a:lightRig>
+          </a:scene3d>
+          <a:sp3d>
+            <a:bevelT w="38100" h="50800"/>
+          </a:sp3d>
+        </a:effectStyle>
+      </a:effectStyleLst>
+      <a:bgFillStyleLst>
+        <a:solidFill>
+          <a:schemeClr val="phClr"/>
+        </a:solidFill>
+        <a:gradFill rotWithShape="1">
+          <a:gsLst>
+            <a:gs pos="0">
+              <a:schemeClr val="phClr">
+                <a:tint val="90000"/>
+                <a:lumMod val="110000"/>
+              </a:schemeClr>
+            </a:gs>
+            <a:gs pos="88000">
+              <a:schemeClr val="phClr">
+                <a:shade val="94000"/>
+                <a:satMod val="110000"/>
+                <a:lumMod val="88000"/>
+              </a:schemeClr>
+            </a:gs>
+          </a:gsLst>
+          <a:lin ang="5400000" scaled="0"/>
+        </a:gradFill>
+        <a:gradFill rotWithShape="1">
+          <a:gsLst>
+            <a:gs pos="0">
+              <a:schemeClr val="phClr">
+                <a:tint val="90000"/>
+                <a:lumMod val="110000"/>
+              </a:schemeClr>
+            </a:gs>
+            <a:gs pos="100000">
+              <a:schemeClr val="phClr">
+                <a:shade val="98000"/>
+                <a:satMod val="110000"/>
+                <a:lumMod val="86000"/>
+              </a:schemeClr>
+            </a:gs>
+          </a:gsLst>
+          <a:path path="circle">
+            <a:fillToRect l="50000" t="50000" r="100000" b="100000"/>
+          </a:path>
+        </a:gradFill>
+      </a:bgFillStyleLst>
+    </a:fmtScheme>
+  </a:themeElements>
+  <a:objectDefaults/>
+  <a:extraClrSchemeLst/>
+  <a:extLst>
+    <a:ext uri="{05A4C25C-085E-4340-85A3-A5531E510DB2}">
+      <thm15:themeFamily xmlns:thm15="http://schemas.microsoft.com/office/thememl/2012/main" name="tf56390039_win32_fixed.potx" id="{A1D6ED5A-9B8A-4433-BA99-139C56DB1BDE}" vid="{3B3EDB20-B381-4B6C-99AC-7C5CDA2B40F6}"/>
+    </a:ext>
+  </a:extLst>
+</a:theme>
+</file>
+
+<file path=ppt/theme/theme2.xml><?xml version="1.0" encoding="utf-8"?>
 <a:theme xmlns:a="http://schemas.openxmlformats.org/drawingml/2006/main" name="Office Theme">
   <a:themeElements>
     <a:clrScheme name="Office">

--- a/contact-tracing-app.pptx
+++ b/contact-tracing-app.pptx
@@ -1,17 +1,17 @@
 
 <file path=ppt/presentation.xml><?xml version="1.0" encoding="utf-8"?>
-<p:presentation xmlns:a="http://schemas.openxmlformats.org/drawingml/2006/main" xmlns:r="http://schemas.openxmlformats.org/officeDocument/2006/relationships" xmlns:p="http://schemas.openxmlformats.org/presentationml/2006/main" saveSubsetFonts="1">
+<p:presentation xmlns:a="http://schemas.openxmlformats.org/drawingml/2006/main" xmlns:r="http://schemas.openxmlformats.org/officeDocument/2006/relationships" xmlns:p="http://schemas.openxmlformats.org/presentationml/2006/main">
   <p:sldMasterIdLst>
-    <p:sldMasterId id="2147483660" r:id="rId1"/>
+    <p:sldMasterId id="2147483648" r:id="rId1"/>
   </p:sldMasterIdLst>
   <p:notesMasterIdLst>
-    <p:notesMasterId r:id="rId6"/>
+    <p:notesMasterId r:id="rId4"/>
   </p:notesMasterIdLst>
   <p:sldIdLst>
-    <p:sldId id="261" r:id="rId2"/>
-    <p:sldId id="262" r:id="rId3"/>
-    <p:sldId id="265" r:id="rId4"/>
-    <p:sldId id="264" r:id="rId5"/>
+    <p:sldId id="261" r:id="rId3"/>
+    <p:sldId id="262" r:id="rId5"/>
+    <p:sldId id="266" r:id="rId6"/>
+    <p:sldId id="264" r:id="rId7"/>
   </p:sldIdLst>
   <p:sldSz cx="12192000" cy="6858000"/>
   <p:notesSz cx="6858000" cy="9144000"/>
@@ -110,11 +110,6 @@
       </a:defRPr>
     </a:lvl9pPr>
   </p:defaultTextStyle>
-  <p:extLst>
-    <p:ext uri="{EFAFB233-063F-42B5-8137-9DF3F51BA10A}">
-      <p15:sldGuideLst xmlns:p15="http://schemas.microsoft.com/office/powerpoint/2012/main"/>
-    </p:ext>
-  </p:extLst>
 </p:presentation>
 </file>
 
@@ -200,7 +195,6 @@
           <a:p>
             <a:fld id="{8EDA84DD-FAC2-4967-987E-3DFC45921D6F}" type="datetimeFigureOut">
               <a:rPr lang="en-IN" smtClean="0"/>
-              <a:t>18-08-2022</a:t>
             </a:fld>
             <a:endParaRPr lang="en-IN"/>
           </a:p>
@@ -267,6 +261,7 @@
               <a:rPr lang="en-US"/>
               <a:t>Click to edit Master text styles</a:t>
             </a:r>
+            <a:endParaRPr lang="en-US"/>
           </a:p>
           <a:p>
             <a:pPr lvl="1"/>
@@ -274,6 +269,7 @@
               <a:rPr lang="en-US"/>
               <a:t>Second level</a:t>
             </a:r>
+            <a:endParaRPr lang="en-US"/>
           </a:p>
           <a:p>
             <a:pPr lvl="2"/>
@@ -281,6 +277,7 @@
               <a:rPr lang="en-US"/>
               <a:t>Third level</a:t>
             </a:r>
+            <a:endParaRPr lang="en-US"/>
           </a:p>
           <a:p>
             <a:pPr lvl="3"/>
@@ -288,6 +285,7 @@
               <a:rPr lang="en-US"/>
               <a:t>Fourth level</a:t>
             </a:r>
+            <a:endParaRPr lang="en-US"/>
           </a:p>
           <a:p>
             <a:pPr lvl="4"/>
@@ -359,18 +357,12 @@
           <a:p>
             <a:fld id="{3AF3FFD0-B235-4723-A200-9BE0D575451D}" type="slidenum">
               <a:rPr lang="en-IN" smtClean="0"/>
-              <a:t>‹#›</a:t>
             </a:fld>
             <a:endParaRPr lang="en-IN"/>
           </a:p>
         </p:txBody>
       </p:sp>
     </p:spTree>
-    <p:extLst>
-      <p:ext uri="{BB962C8B-B14F-4D97-AF65-F5344CB8AC3E}">
-        <p14:creationId xmlns:p14="http://schemas.microsoft.com/office/powerpoint/2010/main" val="346180349"/>
-      </p:ext>
-    </p:extLst>
   </p:cSld>
   <p:clrMap bg1="lt1" tx1="dk1" bg2="lt2" tx2="dk2" accent1="accent1" accent2="accent2" accent3="accent3" accent4="accent4" accent5="accent5" accent6="accent6" hlink="hlink" folHlink="folHlink"/>
   <p:notesStyle>
@@ -545,7 +537,6 @@
               <a:buSzTx/>
               <a:buFontTx/>
               <a:buNone/>
-              <a:tabLst/>
               <a:defRPr/>
             </a:pPr>
             <a:fld id="{C6B3AB32-59DF-41F1-9618-EDFBF5049629}" type="slidenum">
@@ -563,24 +554,6 @@
                 <a:ea typeface="+mn-ea"/>
                 <a:cs typeface="+mn-cs"/>
               </a:rPr>
-              <a:pPr marL="0" marR="0" lvl="0" indent="0" algn="r" defTabSz="457200" rtl="0" eaLnBrk="1" fontAlgn="auto" latinLnBrk="0" hangingPunct="1">
-                <a:lnSpc>
-                  <a:spcPct val="100000"/>
-                </a:lnSpc>
-                <a:spcBef>
-                  <a:spcPts val="0"/>
-                </a:spcBef>
-                <a:spcAft>
-                  <a:spcPts val="0"/>
-                </a:spcAft>
-                <a:buClrTx/>
-                <a:buSzTx/>
-                <a:buFontTx/>
-                <a:buNone/>
-                <a:tabLst/>
-                <a:defRPr/>
-              </a:pPr>
-              <a:t>1</a:t>
             </a:fld>
             <a:endParaRPr kumimoji="0" lang="en-US" sz="1200" b="0" i="0" u="none" strike="noStrike" kern="1200" cap="none" spc="0" normalizeH="0" baseline="0" noProof="0" dirty="0">
               <a:ln>
@@ -600,11 +573,6 @@
         </p:txBody>
       </p:sp>
     </p:spTree>
-    <p:extLst>
-      <p:ext uri="{BB962C8B-B14F-4D97-AF65-F5344CB8AC3E}">
-        <p14:creationId xmlns:p14="http://schemas.microsoft.com/office/powerpoint/2010/main" val="431927585"/>
-      </p:ext>
-    </p:extLst>
   </p:cSld>
   <p:clrMapOvr>
     <a:masterClrMapping/>
@@ -689,7 +657,6 @@
               <a:buSzTx/>
               <a:buFontTx/>
               <a:buNone/>
-              <a:tabLst/>
               <a:defRPr/>
             </a:pPr>
             <a:fld id="{C6B3AB32-59DF-41F1-9618-EDFBF5049629}" type="slidenum">
@@ -707,24 +674,6 @@
                 <a:ea typeface="+mn-ea"/>
                 <a:cs typeface="+mn-cs"/>
               </a:rPr>
-              <a:pPr marL="0" marR="0" lvl="0" indent="0" algn="r" defTabSz="457200" rtl="0" eaLnBrk="1" fontAlgn="auto" latinLnBrk="0" hangingPunct="1">
-                <a:lnSpc>
-                  <a:spcPct val="100000"/>
-                </a:lnSpc>
-                <a:spcBef>
-                  <a:spcPts val="0"/>
-                </a:spcBef>
-                <a:spcAft>
-                  <a:spcPts val="0"/>
-                </a:spcAft>
-                <a:buClrTx/>
-                <a:buSzTx/>
-                <a:buFontTx/>
-                <a:buNone/>
-                <a:tabLst/>
-                <a:defRPr/>
-              </a:pPr>
-              <a:t>2</a:t>
             </a:fld>
             <a:endParaRPr kumimoji="0" lang="en-US" sz="1200" b="0" i="0" u="none" strike="noStrike" kern="1200" cap="none" spc="0" normalizeH="0" baseline="0" noProof="0" dirty="0">
               <a:ln>
@@ -744,11 +693,6 @@
         </p:txBody>
       </p:sp>
     </p:spTree>
-    <p:extLst>
-      <p:ext uri="{BB962C8B-B14F-4D97-AF65-F5344CB8AC3E}">
-        <p14:creationId xmlns:p14="http://schemas.microsoft.com/office/powerpoint/2010/main" val="1375665718"/>
-      </p:ext>
-    </p:extLst>
   </p:cSld>
   <p:clrMapOvr>
     <a:masterClrMapping/>
@@ -833,7 +777,6 @@
               <a:buSzTx/>
               <a:buFontTx/>
               <a:buNone/>
-              <a:tabLst/>
               <a:defRPr/>
             </a:pPr>
             <a:fld id="{C6B3AB32-59DF-41F1-9618-EDFBF5049629}" type="slidenum">
@@ -851,24 +794,6 @@
                 <a:ea typeface="+mn-ea"/>
                 <a:cs typeface="+mn-cs"/>
               </a:rPr>
-              <a:pPr marL="0" marR="0" lvl="0" indent="0" algn="r" defTabSz="457200" rtl="0" eaLnBrk="1" fontAlgn="auto" latinLnBrk="0" hangingPunct="1">
-                <a:lnSpc>
-                  <a:spcPct val="100000"/>
-                </a:lnSpc>
-                <a:spcBef>
-                  <a:spcPts val="0"/>
-                </a:spcBef>
-                <a:spcAft>
-                  <a:spcPts val="0"/>
-                </a:spcAft>
-                <a:buClrTx/>
-                <a:buSzTx/>
-                <a:buFontTx/>
-                <a:buNone/>
-                <a:tabLst/>
-                <a:defRPr/>
-              </a:pPr>
-              <a:t>3</a:t>
             </a:fld>
             <a:endParaRPr kumimoji="0" lang="en-US" sz="1200" b="0" i="0" u="none" strike="noStrike" kern="1200" cap="none" spc="0" normalizeH="0" baseline="0" noProof="0" dirty="0">
               <a:ln>
@@ -888,11 +813,6 @@
         </p:txBody>
       </p:sp>
     </p:spTree>
-    <p:extLst>
-      <p:ext uri="{BB962C8B-B14F-4D97-AF65-F5344CB8AC3E}">
-        <p14:creationId xmlns:p14="http://schemas.microsoft.com/office/powerpoint/2010/main" val="473722797"/>
-      </p:ext>
-    </p:extLst>
   </p:cSld>
   <p:clrMapOvr>
     <a:masterClrMapping/>
@@ -977,7 +897,6 @@
               <a:buSzTx/>
               <a:buFontTx/>
               <a:buNone/>
-              <a:tabLst/>
               <a:defRPr/>
             </a:pPr>
             <a:fld id="{C6B3AB32-59DF-41F1-9618-EDFBF5049629}" type="slidenum">
@@ -995,24 +914,6 @@
                 <a:ea typeface="+mn-ea"/>
                 <a:cs typeface="+mn-cs"/>
               </a:rPr>
-              <a:pPr marL="0" marR="0" lvl="0" indent="0" algn="r" defTabSz="457200" rtl="0" eaLnBrk="1" fontAlgn="auto" latinLnBrk="0" hangingPunct="1">
-                <a:lnSpc>
-                  <a:spcPct val="100000"/>
-                </a:lnSpc>
-                <a:spcBef>
-                  <a:spcPts val="0"/>
-                </a:spcBef>
-                <a:spcAft>
-                  <a:spcPts val="0"/>
-                </a:spcAft>
-                <a:buClrTx/>
-                <a:buSzTx/>
-                <a:buFontTx/>
-                <a:buNone/>
-                <a:tabLst/>
-                <a:defRPr/>
-              </a:pPr>
-              <a:t>4</a:t>
             </a:fld>
             <a:endParaRPr kumimoji="0" lang="en-US" sz="1200" b="0" i="0" u="none" strike="noStrike" kern="1200" cap="none" spc="0" normalizeH="0" baseline="0" noProof="0" dirty="0">
               <a:ln>
@@ -1032,11 +933,6 @@
         </p:txBody>
       </p:sp>
     </p:spTree>
-    <p:extLst>
-      <p:ext uri="{BB962C8B-B14F-4D97-AF65-F5344CB8AC3E}">
-        <p14:creationId xmlns:p14="http://schemas.microsoft.com/office/powerpoint/2010/main" val="2892397230"/>
-      </p:ext>
-    </p:extLst>
   </p:cSld>
   <p:clrMapOvr>
     <a:masterClrMapping/>
@@ -1289,7 +1185,6 @@
           <a:p>
             <a:fld id="{54695789-8D22-4BBB-9170-D93AA0BD7898}" type="datetime1">
               <a:rPr lang="en-US" smtClean="0"/>
-              <a:t>8/18/2022</a:t>
             </a:fld>
             <a:endParaRPr lang="en-US" dirty="0"/>
           </a:p>
@@ -1363,19 +1258,12 @@
           <a:p>
             <a:fld id="{D57F1E4F-1CFF-5643-939E-217C01CDF565}" type="slidenum">
               <a:rPr lang="en-US" smtClean="0"/>
-              <a:pPr/>
-              <a:t>‹#›</a:t>
             </a:fld>
             <a:endParaRPr lang="en-US" dirty="0"/>
           </a:p>
         </p:txBody>
       </p:sp>
     </p:spTree>
-    <p:extLst>
-      <p:ext uri="{BB962C8B-B14F-4D97-AF65-F5344CB8AC3E}">
-        <p14:creationId xmlns:p14="http://schemas.microsoft.com/office/powerpoint/2010/main" val="3826209467"/>
-      </p:ext>
-    </p:extLst>
   </p:cSld>
   <p:clrMapOvr>
     <a:masterClrMapping/>
@@ -1503,6 +1391,7 @@
               <a:rPr lang="en-US"/>
               <a:t>Click to edit Master text styles</a:t>
             </a:r>
+            <a:endParaRPr lang="en-US"/>
           </a:p>
           <a:p>
             <a:pPr lvl="1"/>
@@ -1510,6 +1399,7 @@
               <a:rPr lang="en-US"/>
               <a:t>Second level</a:t>
             </a:r>
+            <a:endParaRPr lang="en-US"/>
           </a:p>
           <a:p>
             <a:pPr lvl="2"/>
@@ -1517,6 +1407,7 @@
               <a:rPr lang="en-US"/>
               <a:t>Third level</a:t>
             </a:r>
+            <a:endParaRPr lang="en-US"/>
           </a:p>
           <a:p>
             <a:pPr lvl="3"/>
@@ -1524,6 +1415,7 @@
               <a:rPr lang="en-US"/>
               <a:t>Fourth level</a:t>
             </a:r>
+            <a:endParaRPr lang="en-US"/>
           </a:p>
           <a:p>
             <a:pPr lvl="4"/>
@@ -1552,7 +1444,6 @@
           <a:p>
             <a:fld id="{431CA2CD-7FC5-4F61-BEB6-3ABE9EEF8D2D}" type="datetime1">
               <a:rPr lang="en-US" smtClean="0"/>
-              <a:t>8/18/2022</a:t>
             </a:fld>
             <a:endParaRPr lang="en-US" dirty="0"/>
           </a:p>
@@ -1594,19 +1485,12 @@
           <a:p>
             <a:fld id="{D57F1E4F-1CFF-5643-939E-217C01CDF565}" type="slidenum">
               <a:rPr lang="en-US" smtClean="0"/>
-              <a:pPr/>
-              <a:t>‹#›</a:t>
             </a:fld>
             <a:endParaRPr lang="en-US" dirty="0"/>
           </a:p>
         </p:txBody>
       </p:sp>
     </p:spTree>
-    <p:extLst>
-      <p:ext uri="{BB962C8B-B14F-4D97-AF65-F5344CB8AC3E}">
-        <p14:creationId xmlns:p14="http://schemas.microsoft.com/office/powerpoint/2010/main" val="364190633"/>
-      </p:ext>
-    </p:extLst>
   </p:cSld>
   <p:clrMapOvr>
     <a:masterClrMapping/>
@@ -1723,6 +1607,7 @@
               <a:rPr lang="en-US"/>
               <a:t>Click to edit Master text styles</a:t>
             </a:r>
+            <a:endParaRPr lang="en-US"/>
           </a:p>
           <a:p>
             <a:pPr lvl="1"/>
@@ -1730,6 +1615,7 @@
               <a:rPr lang="en-US"/>
               <a:t>Second level</a:t>
             </a:r>
+            <a:endParaRPr lang="en-US"/>
           </a:p>
           <a:p>
             <a:pPr lvl="2"/>
@@ -1737,6 +1623,7 @@
               <a:rPr lang="en-US"/>
               <a:t>Third level</a:t>
             </a:r>
+            <a:endParaRPr lang="en-US"/>
           </a:p>
           <a:p>
             <a:pPr lvl="3"/>
@@ -1744,6 +1631,7 @@
               <a:rPr lang="en-US"/>
               <a:t>Fourth level</a:t>
             </a:r>
+            <a:endParaRPr lang="en-US"/>
           </a:p>
           <a:p>
             <a:pPr lvl="4"/>
@@ -1788,7 +1676,6 @@
           <a:p>
             <a:fld id="{6691DB7D-DBF0-46AA-83C4-913D0049CC04}" type="datetime1">
               <a:rPr lang="en-US" smtClean="0"/>
-              <a:t>8/18/2022</a:t>
             </a:fld>
             <a:endParaRPr lang="en-US" dirty="0"/>
           </a:p>
@@ -1851,19 +1738,12 @@
           <a:p>
             <a:fld id="{D57F1E4F-1CFF-5643-939E-217C01CDF565}" type="slidenum">
               <a:rPr lang="en-US" smtClean="0"/>
-              <a:pPr/>
-              <a:t>‹#›</a:t>
             </a:fld>
             <a:endParaRPr lang="en-US" dirty="0"/>
           </a:p>
         </p:txBody>
       </p:sp>
     </p:spTree>
-    <p:extLst>
-      <p:ext uri="{BB962C8B-B14F-4D97-AF65-F5344CB8AC3E}">
-        <p14:creationId xmlns:p14="http://schemas.microsoft.com/office/powerpoint/2010/main" val="1571412041"/>
-      </p:ext>
-    </p:extLst>
   </p:cSld>
   <p:clrMapOvr>
     <a:masterClrMapping/>
@@ -1980,6 +1860,7 @@
               <a:rPr lang="en-US"/>
               <a:t>Click to edit Master text styles</a:t>
             </a:r>
+            <a:endParaRPr lang="en-US"/>
           </a:p>
           <a:p>
             <a:pPr lvl="1"/>
@@ -1987,6 +1868,7 @@
               <a:rPr lang="en-US"/>
               <a:t>Second level</a:t>
             </a:r>
+            <a:endParaRPr lang="en-US"/>
           </a:p>
           <a:p>
             <a:pPr lvl="2"/>
@@ -1994,6 +1876,7 @@
               <a:rPr lang="en-US"/>
               <a:t>Third level</a:t>
             </a:r>
+            <a:endParaRPr lang="en-US"/>
           </a:p>
           <a:p>
             <a:pPr lvl="3"/>
@@ -2001,6 +1884,7 @@
               <a:rPr lang="en-US"/>
               <a:t>Fourth level</a:t>
             </a:r>
+            <a:endParaRPr lang="en-US"/>
           </a:p>
           <a:p>
             <a:pPr lvl="4"/>
@@ -2029,7 +1913,6 @@
           <a:p>
             <a:fld id="{54F15219-0BAE-48E7-A27C-C5494A9AD695}" type="datetime1">
               <a:rPr lang="en-US" smtClean="0"/>
-              <a:t>8/18/2022</a:t>
             </a:fld>
             <a:endParaRPr lang="en-US" dirty="0"/>
           </a:p>
@@ -2076,19 +1959,12 @@
           <a:p>
             <a:fld id="{D57F1E4F-1CFF-5643-939E-217C01CDF565}" type="slidenum">
               <a:rPr lang="en-US" smtClean="0"/>
-              <a:pPr/>
-              <a:t>‹#›</a:t>
             </a:fld>
             <a:endParaRPr lang="en-US" dirty="0"/>
           </a:p>
         </p:txBody>
       </p:sp>
     </p:spTree>
-    <p:extLst>
-      <p:ext uri="{BB962C8B-B14F-4D97-AF65-F5344CB8AC3E}">
-        <p14:creationId xmlns:p14="http://schemas.microsoft.com/office/powerpoint/2010/main" val="3426142604"/>
-      </p:ext>
-    </p:extLst>
   </p:cSld>
   <p:clrMapOvr>
     <a:masterClrMapping/>
@@ -2306,6 +2182,7 @@
               <a:rPr lang="en-US"/>
               <a:t>Click to edit Master text styles</a:t>
             </a:r>
+            <a:endParaRPr lang="en-US"/>
           </a:p>
         </p:txBody>
       </p:sp>
@@ -2337,7 +2214,6 @@
           <a:p>
             <a:fld id="{FF19142C-58F9-4A3D-A44A-0DD4DD233EB8}" type="datetime1">
               <a:rPr lang="en-US" smtClean="0"/>
-              <a:t>8/18/2022</a:t>
             </a:fld>
             <a:endParaRPr lang="en-US" dirty="0"/>
           </a:p>
@@ -2401,19 +2277,12 @@
           <a:p>
             <a:fld id="{D57F1E4F-1CFF-5643-939E-217C01CDF565}" type="slidenum">
               <a:rPr lang="en-US" smtClean="0"/>
-              <a:pPr/>
-              <a:t>‹#›</a:t>
             </a:fld>
             <a:endParaRPr lang="en-US" dirty="0"/>
           </a:p>
         </p:txBody>
       </p:sp>
     </p:spTree>
-    <p:extLst>
-      <p:ext uri="{BB962C8B-B14F-4D97-AF65-F5344CB8AC3E}">
-        <p14:creationId xmlns:p14="http://schemas.microsoft.com/office/powerpoint/2010/main" val="1134570894"/>
-      </p:ext>
-    </p:extLst>
   </p:cSld>
   <p:clrMapOvr>
     <a:masterClrMapping/>
@@ -2532,6 +2401,7 @@
               <a:rPr lang="en-US"/>
               <a:t>Click to edit Master text styles</a:t>
             </a:r>
+            <a:endParaRPr lang="en-US"/>
           </a:p>
           <a:p>
             <a:pPr lvl="1"/>
@@ -2539,6 +2409,7 @@
               <a:rPr lang="en-US"/>
               <a:t>Second level</a:t>
             </a:r>
+            <a:endParaRPr lang="en-US"/>
           </a:p>
           <a:p>
             <a:pPr lvl="2"/>
@@ -2546,6 +2417,7 @@
               <a:rPr lang="en-US"/>
               <a:t>Third level</a:t>
             </a:r>
+            <a:endParaRPr lang="en-US"/>
           </a:p>
           <a:p>
             <a:pPr lvl="3"/>
@@ -2553,6 +2425,7 @@
               <a:rPr lang="en-US"/>
               <a:t>Fourth level</a:t>
             </a:r>
+            <a:endParaRPr lang="en-US"/>
           </a:p>
           <a:p>
             <a:pPr lvl="4"/>
@@ -2591,6 +2464,7 @@
               <a:rPr lang="en-US"/>
               <a:t>Click to edit Master text styles</a:t>
             </a:r>
+            <a:endParaRPr lang="en-US"/>
           </a:p>
           <a:p>
             <a:pPr lvl="1"/>
@@ -2598,6 +2472,7 @@
               <a:rPr lang="en-US"/>
               <a:t>Second level</a:t>
             </a:r>
+            <a:endParaRPr lang="en-US"/>
           </a:p>
           <a:p>
             <a:pPr lvl="2"/>
@@ -2605,6 +2480,7 @@
               <a:rPr lang="en-US"/>
               <a:t>Third level</a:t>
             </a:r>
+            <a:endParaRPr lang="en-US"/>
           </a:p>
           <a:p>
             <a:pPr lvl="3"/>
@@ -2612,6 +2488,7 @@
               <a:rPr lang="en-US"/>
               <a:t>Fourth level</a:t>
             </a:r>
+            <a:endParaRPr lang="en-US"/>
           </a:p>
           <a:p>
             <a:pPr lvl="4"/>
@@ -2640,7 +2517,6 @@
           <a:p>
             <a:fld id="{7C27D643-009E-4678-B05C-76B4F1C28947}" type="datetime1">
               <a:rPr lang="en-US" smtClean="0"/>
-              <a:t>8/18/2022</a:t>
             </a:fld>
             <a:endParaRPr lang="en-US" dirty="0"/>
           </a:p>
@@ -2682,19 +2558,12 @@
           <a:p>
             <a:fld id="{D57F1E4F-1CFF-5643-939E-217C01CDF565}" type="slidenum">
               <a:rPr lang="en-US" smtClean="0"/>
-              <a:pPr/>
-              <a:t>‹#›</a:t>
             </a:fld>
             <a:endParaRPr lang="en-US" dirty="0"/>
           </a:p>
         </p:txBody>
       </p:sp>
     </p:spTree>
-    <p:extLst>
-      <p:ext uri="{BB962C8B-B14F-4D97-AF65-F5344CB8AC3E}">
-        <p14:creationId xmlns:p14="http://schemas.microsoft.com/office/powerpoint/2010/main" val="120360051"/>
-      </p:ext>
-    </p:extLst>
   </p:cSld>
   <p:clrMapOvr>
     <a:masterClrMapping/>
@@ -2854,6 +2723,7 @@
               <a:rPr lang="en-US"/>
               <a:t>Click to edit Master text styles</a:t>
             </a:r>
+            <a:endParaRPr lang="en-US"/>
           </a:p>
         </p:txBody>
       </p:sp>
@@ -2884,6 +2754,7 @@
               <a:rPr lang="en-US"/>
               <a:t>Click to edit Master text styles</a:t>
             </a:r>
+            <a:endParaRPr lang="en-US"/>
           </a:p>
           <a:p>
             <a:pPr lvl="1"/>
@@ -2891,6 +2762,7 @@
               <a:rPr lang="en-US"/>
               <a:t>Second level</a:t>
             </a:r>
+            <a:endParaRPr lang="en-US"/>
           </a:p>
           <a:p>
             <a:pPr lvl="2"/>
@@ -2898,6 +2770,7 @@
               <a:rPr lang="en-US"/>
               <a:t>Third level</a:t>
             </a:r>
+            <a:endParaRPr lang="en-US"/>
           </a:p>
           <a:p>
             <a:pPr lvl="3"/>
@@ -2905,6 +2778,7 @@
               <a:rPr lang="en-US"/>
               <a:t>Fourth level</a:t>
             </a:r>
+            <a:endParaRPr lang="en-US"/>
           </a:p>
           <a:p>
             <a:pPr lvl="4"/>
@@ -2984,6 +2858,7 @@
               <a:rPr lang="en-US"/>
               <a:t>Click to edit Master text styles</a:t>
             </a:r>
+            <a:endParaRPr lang="en-US"/>
           </a:p>
         </p:txBody>
       </p:sp>
@@ -3014,6 +2889,7 @@
               <a:rPr lang="en-US"/>
               <a:t>Click to edit Master text styles</a:t>
             </a:r>
+            <a:endParaRPr lang="en-US"/>
           </a:p>
           <a:p>
             <a:pPr lvl="1"/>
@@ -3021,6 +2897,7 @@
               <a:rPr lang="en-US"/>
               <a:t>Second level</a:t>
             </a:r>
+            <a:endParaRPr lang="en-US"/>
           </a:p>
           <a:p>
             <a:pPr lvl="2"/>
@@ -3028,6 +2905,7 @@
               <a:rPr lang="en-US"/>
               <a:t>Third level</a:t>
             </a:r>
+            <a:endParaRPr lang="en-US"/>
           </a:p>
           <a:p>
             <a:pPr lvl="3"/>
@@ -3035,6 +2913,7 @@
               <a:rPr lang="en-US"/>
               <a:t>Fourth level</a:t>
             </a:r>
+            <a:endParaRPr lang="en-US"/>
           </a:p>
           <a:p>
             <a:pPr lvl="4"/>
@@ -3063,7 +2942,6 @@
           <a:p>
             <a:fld id="{EE365AF3-C75A-4EF5-939F-2B331D052B46}" type="datetime1">
               <a:rPr lang="en-US" smtClean="0"/>
-              <a:t>8/18/2022</a:t>
             </a:fld>
             <a:endParaRPr lang="en-US" dirty="0"/>
           </a:p>
@@ -3105,19 +2983,12 @@
           <a:p>
             <a:fld id="{D57F1E4F-1CFF-5643-939E-217C01CDF565}" type="slidenum">
               <a:rPr lang="en-US" smtClean="0"/>
-              <a:pPr/>
-              <a:t>‹#›</a:t>
             </a:fld>
             <a:endParaRPr lang="en-US" dirty="0"/>
           </a:p>
         </p:txBody>
       </p:sp>
     </p:spTree>
-    <p:extLst>
-      <p:ext uri="{BB962C8B-B14F-4D97-AF65-F5344CB8AC3E}">
-        <p14:creationId xmlns:p14="http://schemas.microsoft.com/office/powerpoint/2010/main" val="3256457140"/>
-      </p:ext>
-    </p:extLst>
   </p:cSld>
   <p:clrMapOvr>
     <a:masterClrMapping/>
@@ -3159,7 +3030,6 @@
           <a:p>
             <a:fld id="{E0ABDAE4-0B5A-479C-AF02-364712311EC4}" type="datetime1">
               <a:rPr lang="en-US" smtClean="0"/>
-              <a:t>8/18/2022</a:t>
             </a:fld>
             <a:endParaRPr lang="en-US" dirty="0"/>
           </a:p>
@@ -3201,8 +3071,6 @@
           <a:p>
             <a:fld id="{D57F1E4F-1CFF-5643-939E-217C01CDF565}" type="slidenum">
               <a:rPr lang="en-US" smtClean="0"/>
-              <a:pPr/>
-              <a:t>‹#›</a:t>
             </a:fld>
             <a:endParaRPr lang="en-US" dirty="0"/>
           </a:p>
@@ -3276,11 +3144,6 @@
         </p:txBody>
       </p:sp>
     </p:spTree>
-    <p:extLst>
-      <p:ext uri="{BB962C8B-B14F-4D97-AF65-F5344CB8AC3E}">
-        <p14:creationId xmlns:p14="http://schemas.microsoft.com/office/powerpoint/2010/main" val="2917535038"/>
-      </p:ext>
-    </p:extLst>
   </p:cSld>
   <p:clrMapOvr>
     <a:masterClrMapping/>
@@ -3322,7 +3185,6 @@
           <a:p>
             <a:fld id="{1CD92E83-7432-4556-AAC5-DFA0F7ECC0C9}" type="datetime1">
               <a:rPr lang="en-US" smtClean="0"/>
-              <a:t>8/18/2022</a:t>
             </a:fld>
             <a:endParaRPr lang="en-US" dirty="0"/>
           </a:p>
@@ -3364,19 +3226,12 @@
           <a:p>
             <a:fld id="{D57F1E4F-1CFF-5643-939E-217C01CDF565}" type="slidenum">
               <a:rPr lang="en-US" smtClean="0"/>
-              <a:pPr/>
-              <a:t>‹#›</a:t>
             </a:fld>
             <a:endParaRPr lang="en-US" dirty="0"/>
           </a:p>
         </p:txBody>
       </p:sp>
     </p:spTree>
-    <p:extLst>
-      <p:ext uri="{BB962C8B-B14F-4D97-AF65-F5344CB8AC3E}">
-        <p14:creationId xmlns:p14="http://schemas.microsoft.com/office/powerpoint/2010/main" val="820503814"/>
-      </p:ext>
-    </p:extLst>
   </p:cSld>
   <p:clrMapOvr>
     <a:masterClrMapping/>
@@ -3570,6 +3425,7 @@
               <a:rPr lang="en-US"/>
               <a:t>Click to edit Master text styles</a:t>
             </a:r>
+            <a:endParaRPr lang="en-US"/>
           </a:p>
           <a:p>
             <a:pPr lvl="1"/>
@@ -3577,6 +3433,7 @@
               <a:rPr lang="en-US"/>
               <a:t>Second level</a:t>
             </a:r>
+            <a:endParaRPr lang="en-US"/>
           </a:p>
           <a:p>
             <a:pPr lvl="2"/>
@@ -3584,6 +3441,7 @@
               <a:rPr lang="en-US"/>
               <a:t>Third level</a:t>
             </a:r>
+            <a:endParaRPr lang="en-US"/>
           </a:p>
           <a:p>
             <a:pPr lvl="3"/>
@@ -3591,6 +3449,7 @@
               <a:rPr lang="en-US"/>
               <a:t>Fourth level</a:t>
             </a:r>
+            <a:endParaRPr lang="en-US"/>
           </a:p>
           <a:p>
             <a:pPr lvl="4"/>
@@ -3670,6 +3529,7 @@
               <a:rPr lang="en-US"/>
               <a:t>Click to edit Master text styles</a:t>
             </a:r>
+            <a:endParaRPr lang="en-US"/>
           </a:p>
         </p:txBody>
       </p:sp>
@@ -3701,7 +3561,6 @@
           <a:p>
             <a:fld id="{496919D6-ACCB-473A-8ECE-AC24E3CFA8C0}" type="datetime1">
               <a:rPr lang="en-US" smtClean="0"/>
-              <a:t>8/18/2022</a:t>
             </a:fld>
             <a:endParaRPr lang="en-US" dirty="0"/>
           </a:p>
@@ -3765,19 +3624,12 @@
           <a:p>
             <a:fld id="{D57F1E4F-1CFF-5643-939E-217C01CDF565}" type="slidenum">
               <a:rPr lang="en-US" smtClean="0"/>
-              <a:pPr/>
-              <a:t>‹#›</a:t>
             </a:fld>
             <a:endParaRPr lang="en-US" dirty="0"/>
           </a:p>
         </p:txBody>
       </p:sp>
     </p:spTree>
-    <p:extLst>
-      <p:ext uri="{BB962C8B-B14F-4D97-AF65-F5344CB8AC3E}">
-        <p14:creationId xmlns:p14="http://schemas.microsoft.com/office/powerpoint/2010/main" val="197634960"/>
-      </p:ext>
-    </p:extLst>
   </p:cSld>
   <p:clrMapOvr>
     <a:masterClrMapping/>
@@ -3971,6 +3823,7 @@
               <a:rPr lang="en-US"/>
               <a:t>Click to edit Master text styles</a:t>
             </a:r>
+            <a:endParaRPr lang="en-US"/>
           </a:p>
         </p:txBody>
       </p:sp>
@@ -3991,7 +3844,6 @@
           <a:p>
             <a:fld id="{84C39503-FD92-4117-B7A5-A4F74F3FACE5}" type="datetime1">
               <a:rPr lang="en-US" smtClean="0"/>
-              <a:t>8/18/2022</a:t>
             </a:fld>
             <a:endParaRPr lang="en-US" dirty="0"/>
           </a:p>
@@ -4033,19 +3885,12 @@
           <a:p>
             <a:fld id="{D57F1E4F-1CFF-5643-939E-217C01CDF565}" type="slidenum">
               <a:rPr lang="en-US" smtClean="0"/>
-              <a:pPr/>
-              <a:t>‹#›</a:t>
             </a:fld>
             <a:endParaRPr lang="en-US" dirty="0"/>
           </a:p>
         </p:txBody>
       </p:sp>
     </p:spTree>
-    <p:extLst>
-      <p:ext uri="{BB962C8B-B14F-4D97-AF65-F5344CB8AC3E}">
-        <p14:creationId xmlns:p14="http://schemas.microsoft.com/office/powerpoint/2010/main" val="3535275140"/>
-      </p:ext>
-    </p:extLst>
   </p:cSld>
   <p:clrMapOvr>
     <a:masterClrMapping/>
@@ -4138,6 +3983,7 @@
               <a:rPr lang="en-US"/>
               <a:t>Click to edit Master text styles</a:t>
             </a:r>
+            <a:endParaRPr lang="en-US"/>
           </a:p>
           <a:p>
             <a:pPr lvl="1"/>
@@ -4145,6 +3991,7 @@
               <a:rPr lang="en-US"/>
               <a:t>Second level</a:t>
             </a:r>
+            <a:endParaRPr lang="en-US"/>
           </a:p>
           <a:p>
             <a:pPr lvl="2"/>
@@ -4152,6 +3999,7 @@
               <a:rPr lang="en-US"/>
               <a:t>Third level</a:t>
             </a:r>
+            <a:endParaRPr lang="en-US"/>
           </a:p>
           <a:p>
             <a:pPr lvl="3"/>
@@ -4159,6 +4007,7 @@
               <a:rPr lang="en-US"/>
               <a:t>Fourth level</a:t>
             </a:r>
+            <a:endParaRPr lang="en-US"/>
           </a:p>
           <a:p>
             <a:pPr lvl="4"/>
@@ -4203,7 +4052,6 @@
           <a:p>
             <a:fld id="{AC4EDE73-B552-408F-9E91-34CA9DECFC81}" type="datetime1">
               <a:rPr lang="en-US" smtClean="0"/>
-              <a:t>8/18/2022</a:t>
             </a:fld>
             <a:endParaRPr lang="en-US" dirty="0"/>
           </a:p>
@@ -4245,9 +4093,7 @@
               <a:t>Slide </a:t>
             </a:r>
             <a:fld id="{C3F32E7E-D160-4C4F-9162-FE70E7E167AE}" type="slidenum">
-              <a:rPr lang="en-US" smtClean="0"/>
-              <a:pPr/>
-              <a:t>‹#›</a:t>
+              <a:rPr lang="en-US" dirty="0" smtClean="0"/>
             </a:fld>
             <a:endParaRPr lang="en-US" dirty="0"/>
           </a:p>
@@ -4286,8 +4132,6 @@
           <a:p>
             <a:fld id="{D57F1E4F-1CFF-5643-939E-217C01CDF565}" type="slidenum">
               <a:rPr lang="en-US" smtClean="0"/>
-              <a:pPr/>
-              <a:t>‹#›</a:t>
             </a:fld>
             <a:endParaRPr lang="en-US" dirty="0"/>
           </a:p>
@@ -4405,25 +4249,20 @@
         </p:style>
       </p:sp>
     </p:spTree>
-    <p:extLst>
-      <p:ext uri="{BB962C8B-B14F-4D97-AF65-F5344CB8AC3E}">
-        <p14:creationId xmlns:p14="http://schemas.microsoft.com/office/powerpoint/2010/main" val="2784605535"/>
-      </p:ext>
-    </p:extLst>
   </p:cSld>
   <p:clrMap bg1="lt1" tx1="dk1" bg2="lt2" tx2="dk2" accent1="accent1" accent2="accent2" accent3="accent3" accent4="accent4" accent5="accent5" accent6="accent6" hlink="hlink" folHlink="folHlink"/>
   <p:sldLayoutIdLst>
-    <p:sldLayoutId id="2147483661" r:id="rId1"/>
-    <p:sldLayoutId id="2147483662" r:id="rId2"/>
-    <p:sldLayoutId id="2147483663" r:id="rId3"/>
-    <p:sldLayoutId id="2147483664" r:id="rId4"/>
-    <p:sldLayoutId id="2147483665" r:id="rId5"/>
-    <p:sldLayoutId id="2147483666" r:id="rId6"/>
-    <p:sldLayoutId id="2147483667" r:id="rId7"/>
-    <p:sldLayoutId id="2147483668" r:id="rId8"/>
-    <p:sldLayoutId id="2147483669" r:id="rId9"/>
-    <p:sldLayoutId id="2147483670" r:id="rId10"/>
-    <p:sldLayoutId id="2147483671" r:id="rId11"/>
+    <p:sldLayoutId id="2147483649" r:id="rId1"/>
+    <p:sldLayoutId id="2147483650" r:id="rId2"/>
+    <p:sldLayoutId id="2147483651" r:id="rId3"/>
+    <p:sldLayoutId id="2147483652" r:id="rId4"/>
+    <p:sldLayoutId id="2147483653" r:id="rId5"/>
+    <p:sldLayoutId id="2147483654" r:id="rId6"/>
+    <p:sldLayoutId id="2147483655" r:id="rId7"/>
+    <p:sldLayoutId id="2147483656" r:id="rId8"/>
+    <p:sldLayoutId id="2147483657" r:id="rId9"/>
+    <p:sldLayoutId id="2147483658" r:id="rId10"/>
+    <p:sldLayoutId id="2147483659" r:id="rId11"/>
   </p:sldLayoutIdLst>
   <p:hf sldNum="0" hdr="0" ftr="0" dt="0"/>
   <p:txStyles>
@@ -4500,7 +4339,7 @@
       </a:lvl9pPr>
     </p:titleStyle>
     <p:bodyStyle>
-      <a:lvl1pPr marL="306000" indent="-306000" algn="l" defTabSz="457200" rtl="0" eaLnBrk="1" latinLnBrk="0" hangingPunct="1">
+      <a:lvl1pPr marL="306070" indent="-306070" algn="l" defTabSz="457200" rtl="0" eaLnBrk="1" latinLnBrk="0" hangingPunct="1">
         <a:spcBef>
           <a:spcPct val="20000"/>
         </a:spcBef>
@@ -4522,7 +4361,7 @@
           <a:cs typeface="+mn-cs"/>
         </a:defRPr>
       </a:lvl1pPr>
-      <a:lvl2pPr marL="630000" indent="-306000" algn="l" defTabSz="457200" rtl="0" eaLnBrk="1" latinLnBrk="0" hangingPunct="1">
+      <a:lvl2pPr marL="629920" indent="-306070" algn="l" defTabSz="457200" rtl="0" eaLnBrk="1" latinLnBrk="0" hangingPunct="1">
         <a:spcBef>
           <a:spcPct val="20000"/>
         </a:spcBef>
@@ -4544,7 +4383,7 @@
           <a:cs typeface="+mn-cs"/>
         </a:defRPr>
       </a:lvl2pPr>
-      <a:lvl3pPr marL="900000" indent="-270000" algn="l" defTabSz="457200" rtl="0" eaLnBrk="1" latinLnBrk="0" hangingPunct="1">
+      <a:lvl3pPr marL="899795" indent="-269875" algn="l" defTabSz="457200" rtl="0" eaLnBrk="1" latinLnBrk="0" hangingPunct="1">
         <a:spcBef>
           <a:spcPct val="20000"/>
         </a:spcBef>
@@ -4566,7 +4405,7 @@
           <a:cs typeface="+mn-cs"/>
         </a:defRPr>
       </a:lvl3pPr>
-      <a:lvl4pPr marL="1242000" indent="-234000" algn="l" defTabSz="457200" rtl="0" eaLnBrk="1" latinLnBrk="0" hangingPunct="1">
+      <a:lvl4pPr marL="1242060" indent="-234315" algn="l" defTabSz="457200" rtl="0" eaLnBrk="1" latinLnBrk="0" hangingPunct="1">
         <a:spcBef>
           <a:spcPct val="20000"/>
         </a:spcBef>
@@ -4588,7 +4427,7 @@
           <a:cs typeface="+mn-cs"/>
         </a:defRPr>
       </a:lvl4pPr>
-      <a:lvl5pPr marL="1602000" indent="-234000" algn="l" defTabSz="457200" rtl="0" eaLnBrk="1" latinLnBrk="0" hangingPunct="1">
+      <a:lvl5pPr marL="1602105" indent="-234315" algn="l" defTabSz="457200" rtl="0" eaLnBrk="1" latinLnBrk="0" hangingPunct="1">
         <a:spcBef>
           <a:spcPct val="20000"/>
         </a:spcBef>
@@ -4610,7 +4449,7 @@
           <a:cs typeface="+mn-cs"/>
         </a:defRPr>
       </a:lvl5pPr>
-      <a:lvl6pPr marL="1900000" indent="-228600" algn="l" defTabSz="457200" rtl="0" eaLnBrk="1" latinLnBrk="0" hangingPunct="1">
+      <a:lvl6pPr marL="1899920" indent="-228600" algn="l" defTabSz="457200" rtl="0" eaLnBrk="1" latinLnBrk="0" hangingPunct="1">
         <a:spcBef>
           <a:spcPct val="20000"/>
         </a:spcBef>
@@ -4632,7 +4471,7 @@
           <a:cs typeface="+mn-cs"/>
         </a:defRPr>
       </a:lvl6pPr>
-      <a:lvl7pPr marL="2200000" indent="-228600" algn="l" defTabSz="457200" rtl="0" eaLnBrk="1" latinLnBrk="0" hangingPunct="1">
+      <a:lvl7pPr marL="2200275" indent="-228600" algn="l" defTabSz="457200" rtl="0" eaLnBrk="1" latinLnBrk="0" hangingPunct="1">
         <a:spcBef>
           <a:spcPct val="20000"/>
         </a:spcBef>
@@ -4654,7 +4493,7 @@
           <a:cs typeface="+mn-cs"/>
         </a:defRPr>
       </a:lvl7pPr>
-      <a:lvl8pPr marL="2500000" indent="-228600" algn="l" defTabSz="457200" rtl="0" eaLnBrk="1" latinLnBrk="0" hangingPunct="1">
+      <a:lvl8pPr marL="2499995" indent="-228600" algn="l" defTabSz="457200" rtl="0" eaLnBrk="1" latinLnBrk="0" hangingPunct="1">
         <a:spcBef>
           <a:spcPct val="20000"/>
         </a:spcBef>
@@ -4676,7 +4515,7 @@
           <a:cs typeface="+mn-cs"/>
         </a:defRPr>
       </a:lvl8pPr>
-      <a:lvl9pPr marL="2800000" indent="-228600" algn="l" defTabSz="457200" rtl="0" eaLnBrk="1" latinLnBrk="0" hangingPunct="1">
+      <a:lvl9pPr marL="2799715" indent="-228600" algn="l" defTabSz="457200" rtl="0" eaLnBrk="1" latinLnBrk="0" hangingPunct="1">
         <a:spcBef>
           <a:spcPct val="20000"/>
         </a:spcBef>
@@ -4817,13 +4656,7 @@
       </p:grpSpPr>
       <p:sp>
         <p:nvSpPr>
-          <p:cNvPr id="2" name="Title 1">
-            <a:extLst>
-              <a:ext uri="{FF2B5EF4-FFF2-40B4-BE49-F238E27FC236}">
-                <a16:creationId xmlns:a16="http://schemas.microsoft.com/office/drawing/2014/main" id="{5B040558-A365-4CCE-92FA-5A48CD98F9C9}"/>
-              </a:ext>
-            </a:extLst>
-          </p:cNvPr>
+          <p:cNvPr id="2" name="Title 1"/>
           <p:cNvSpPr>
             <a:spLocks noGrp="1"/>
           </p:cNvSpPr>
@@ -4847,18 +4680,13 @@
               <a:rPr lang="en-US" dirty="0"/>
               <a:t>High LEVEL Requirements</a:t>
             </a:r>
-          </a:p>
-        </p:txBody>
-      </p:sp>
-      <p:sp>
-        <p:nvSpPr>
-          <p:cNvPr id="6" name="Content Placeholder 5">
-            <a:extLst>
-              <a:ext uri="{FF2B5EF4-FFF2-40B4-BE49-F238E27FC236}">
-                <a16:creationId xmlns:a16="http://schemas.microsoft.com/office/drawing/2014/main" id="{0D90DF28-1A85-9C43-AF17-FFF5EC1DD125}"/>
-              </a:ext>
-            </a:extLst>
-          </p:cNvPr>
+            <a:endParaRPr lang="en-US" dirty="0"/>
+          </a:p>
+        </p:txBody>
+      </p:sp>
+      <p:sp>
+        <p:nvSpPr>
+          <p:cNvPr id="6" name="Content Placeholder 5"/>
           <p:cNvSpPr txBox="1">
             <a:spLocks noGrp="1"/>
           </p:cNvSpPr>
@@ -4886,6 +4714,7 @@
               <a:rPr lang="en-US" dirty="0"/>
               <a:t>System should anonymously alert users if they have been in close contact with another user who has tested positive for coronavirus (COVID-19).</a:t>
             </a:r>
+            <a:endParaRPr lang="en-US" dirty="0"/>
           </a:p>
           <a:p>
             <a:pPr marL="285750" indent="-285750">
@@ -4896,6 +4725,7 @@
               <a:rPr lang="en-US" dirty="0"/>
               <a:t>System should allow restaurant, store, or any public event admin to register and create a QR code for venue.</a:t>
             </a:r>
+            <a:endParaRPr lang="en-US" dirty="0"/>
           </a:p>
           <a:p>
             <a:pPr marL="285750" indent="-285750">
@@ -4906,6 +4736,7 @@
               <a:rPr lang="en-US" dirty="0"/>
               <a:t>System should allow QR code scanning for venue check in/outs</a:t>
             </a:r>
+            <a:endParaRPr lang="en-US" dirty="0"/>
           </a:p>
           <a:p>
             <a:pPr marL="285750" indent="-285750">
@@ -4923,11 +4754,6 @@
         </p:txBody>
       </p:sp>
     </p:spTree>
-    <p:extLst>
-      <p:ext uri="{BB962C8B-B14F-4D97-AF65-F5344CB8AC3E}">
-        <p14:creationId xmlns:p14="http://schemas.microsoft.com/office/powerpoint/2010/main" val="1703342593"/>
-      </p:ext>
-    </p:extLst>
   </p:cSld>
   <p:clrMapOvr>
     <a:masterClrMapping/>
@@ -4954,13 +4780,7 @@
       </p:grpSpPr>
       <p:sp>
         <p:nvSpPr>
-          <p:cNvPr id="2" name="Title 1">
-            <a:extLst>
-              <a:ext uri="{FF2B5EF4-FFF2-40B4-BE49-F238E27FC236}">
-                <a16:creationId xmlns:a16="http://schemas.microsoft.com/office/drawing/2014/main" id="{5B040558-A365-4CCE-92FA-5A48CD98F9C9}"/>
-              </a:ext>
-            </a:extLst>
-          </p:cNvPr>
+          <p:cNvPr id="2" name="Title 1"/>
           <p:cNvSpPr>
             <a:spLocks noGrp="1"/>
           </p:cNvSpPr>
@@ -4984,25 +4804,20 @@
               <a:rPr lang="en-US" dirty="0"/>
               <a:t>PROPOSED SOLUTION 1</a:t>
             </a:r>
+            <a:endParaRPr lang="en-US" dirty="0"/>
           </a:p>
         </p:txBody>
       </p:sp>
       <p:pic>
         <p:nvPicPr>
-          <p:cNvPr id="1026" name="Picture 2">
-            <a:extLst>
-              <a:ext uri="{FF2B5EF4-FFF2-40B4-BE49-F238E27FC236}">
-                <a16:creationId xmlns:a16="http://schemas.microsoft.com/office/drawing/2014/main" id="{AB24B47B-1F90-95E4-A667-EEE115163B7B}"/>
-              </a:ext>
-            </a:extLst>
-          </p:cNvPr>
+          <p:cNvPr id="3" name="Picture 2"/>
           <p:cNvPicPr>
             <a:picLocks noChangeAspect="1" noChangeArrowheads="1"/>
           </p:cNvPicPr>
           <p:nvPr/>
         </p:nvPicPr>
         <p:blipFill>
-          <a:blip r:embed="rId3">
+          <a:blip r:embed="rId1">
             <a:extLst>
               <a:ext uri="{28A0092B-C50C-407E-A947-70E740481C1C}">
                 <a14:useLocalDpi xmlns:a14="http://schemas.microsoft.com/office/drawing/2010/main" val="0"/>
@@ -5016,8 +4831,8 @@
         </p:blipFill>
         <p:spPr bwMode="auto">
           <a:xfrm>
-            <a:off x="1818812" y="1646729"/>
-            <a:ext cx="5363498" cy="4192963"/>
+            <a:off x="970252" y="1800225"/>
+            <a:ext cx="5461721" cy="3538786"/>
           </a:xfrm>
           <a:prstGeom prst="rect">
             <a:avLst/>
@@ -5034,12 +4849,99 @@
           </a:extLst>
         </p:spPr>
       </p:pic>
+      <p:sp>
+        <p:nvSpPr>
+          <p:cNvPr id="4" name="Content Placeholder 5"/>
+          <p:cNvSpPr txBox="1">
+            <a:spLocks noGrp="1"/>
+          </p:cNvSpPr>
+          <p:nvPr>
+            <p:ph sz="half" idx="1"/>
+          </p:nvPr>
+        </p:nvSpPr>
+        <p:spPr>
+          <a:xfrm>
+            <a:off x="6710796" y="716973"/>
+            <a:ext cx="5417127" cy="5216236"/>
+          </a:xfrm>
+        </p:spPr>
+        <p:txBody>
+          <a:bodyPr anchor="ctr">
+            <a:normAutofit/>
+          </a:bodyPr>
+          <a:lstStyle/>
+          <a:p>
+            <a:pPr marL="0" indent="0">
+              <a:buFont typeface="Arial" panose="020B0604020202020204" pitchFamily="34" charset="0"/>
+              <a:buNone/>
+            </a:pPr>
+            <a:r>
+              <a:rPr lang="en-IN" b="1" dirty="0">
+                <a:sym typeface="+mn-ea"/>
+              </a:rPr>
+              <a:t>Highlights</a:t>
+            </a:r>
+            <a:endParaRPr lang="en-IN" dirty="0">
+              <a:sym typeface="+mn-ea"/>
+            </a:endParaRPr>
+          </a:p>
+          <a:p>
+            <a:pPr marL="285750" indent="-285750">
+              <a:buFont typeface="Arial" panose="020B0604020202020204" pitchFamily="34" charset="0"/>
+              <a:buChar char="•"/>
+            </a:pPr>
+            <a:r>
+              <a:rPr lang="en-IN" altLang="en-US" dirty="0"/>
+              <a:t>Low cost region deployment with basic functionalites</a:t>
+            </a:r>
+            <a:r>
+              <a:rPr lang="en-US" dirty="0"/>
+              <a:t>.</a:t>
+            </a:r>
+            <a:endParaRPr lang="en-US" dirty="0"/>
+          </a:p>
+          <a:p>
+            <a:pPr marL="285750" indent="-285750">
+              <a:buFont typeface="Arial" panose="020B0604020202020204" pitchFamily="34" charset="0"/>
+              <a:buChar char="•"/>
+            </a:pPr>
+            <a:r>
+              <a:rPr lang="en-IN" altLang="en-US" dirty="0"/>
+              <a:t>For contact tracing</a:t>
+            </a:r>
+            <a:r>
+              <a:rPr lang="en-US" dirty="0"/>
+              <a:t>.</a:t>
+            </a:r>
+            <a:endParaRPr lang="en-US" dirty="0"/>
+          </a:p>
+          <a:p>
+            <a:pPr marL="285750" indent="-285750">
+              <a:buFont typeface="Arial" panose="020B0604020202020204" pitchFamily="34" charset="0"/>
+              <a:buChar char="•"/>
+            </a:pPr>
+            <a:r>
+              <a:rPr lang="en-IN" altLang="en-US" dirty="0"/>
+              <a:t>User notfications </a:t>
+            </a:r>
+            <a:endParaRPr lang="en-US" dirty="0"/>
+          </a:p>
+          <a:p>
+            <a:pPr marL="285750" indent="-285750">
+              <a:buFont typeface="Arial" panose="020B0604020202020204" pitchFamily="34" charset="0"/>
+              <a:buChar char="•"/>
+            </a:pPr>
+            <a:endParaRPr lang="en-US" dirty="0"/>
+          </a:p>
+          <a:p>
+            <a:pPr marL="0" indent="0">
+              <a:buNone/>
+            </a:pPr>
+            <a:endParaRPr lang="en-IN" dirty="0"/>
+          </a:p>
+        </p:txBody>
+      </p:sp>
     </p:spTree>
-    <p:extLst>
-      <p:ext uri="{BB962C8B-B14F-4D97-AF65-F5344CB8AC3E}">
-        <p14:creationId xmlns:p14="http://schemas.microsoft.com/office/powerpoint/2010/main" val="1100151113"/>
-      </p:ext>
-    </p:extLst>
   </p:cSld>
   <p:clrMapOvr>
     <a:masterClrMapping/>
@@ -5066,13 +4968,7 @@
       </p:grpSpPr>
       <p:sp>
         <p:nvSpPr>
-          <p:cNvPr id="2" name="Title 1">
-            <a:extLst>
-              <a:ext uri="{FF2B5EF4-FFF2-40B4-BE49-F238E27FC236}">
-                <a16:creationId xmlns:a16="http://schemas.microsoft.com/office/drawing/2014/main" id="{5B040558-A365-4CCE-92FA-5A48CD98F9C9}"/>
-              </a:ext>
-            </a:extLst>
-          </p:cNvPr>
+          <p:cNvPr id="2" name="Title 1"/>
           <p:cNvSpPr>
             <a:spLocks noGrp="1"/>
           </p:cNvSpPr>
@@ -5096,15 +4992,121 @@
               <a:rPr lang="en-US" dirty="0"/>
               <a:t>PROPOSED SOLUTION 2</a:t>
             </a:r>
+            <a:endParaRPr lang="en-US" dirty="0"/>
+          </a:p>
+        </p:txBody>
+      </p:sp>
+      <p:pic>
+        <p:nvPicPr>
+          <p:cNvPr id="3" name="Picture 2"/>
+          <p:cNvPicPr>
+            <a:picLocks noChangeAspect="1" noChangeArrowheads="1"/>
+          </p:cNvPicPr>
+          <p:nvPr/>
+        </p:nvPicPr>
+        <p:blipFill>
+          <a:blip r:embed="rId1">
+            <a:extLst>
+              <a:ext uri="{28A0092B-C50C-407E-A947-70E740481C1C}">
+                <a14:useLocalDpi xmlns:a14="http://schemas.microsoft.com/office/drawing/2010/main" val="0"/>
+              </a:ext>
+            </a:extLst>
+          </a:blip>
+          <a:srcRect/>
+          <a:stretch>
+            <a:fillRect/>
+          </a:stretch>
+        </p:blipFill>
+        <p:spPr bwMode="auto">
+          <a:xfrm>
+            <a:off x="970253" y="1800225"/>
+            <a:ext cx="5337030" cy="3457996"/>
+          </a:xfrm>
+          <a:prstGeom prst="rect">
+            <a:avLst/>
+          </a:prstGeom>
+          <a:noFill/>
+          <a:extLst>
+            <a:ext uri="{909E8E84-426E-40DD-AFC4-6F175D3DCCD1}">
+              <a14:hiddenFill xmlns:a14="http://schemas.microsoft.com/office/drawing/2010/main">
+                <a:solidFill>
+                  <a:srgbClr val="FFFFFF"/>
+                </a:solidFill>
+              </a14:hiddenFill>
+            </a:ext>
+          </a:extLst>
+        </p:spPr>
+      </p:pic>
+      <p:sp>
+        <p:nvSpPr>
+          <p:cNvPr id="4" name="Content Placeholder 5"/>
+          <p:cNvSpPr txBox="1">
+            <a:spLocks noGrp="1"/>
+          </p:cNvSpPr>
+          <p:nvPr>
+            <p:ph sz="half" idx="1"/>
+          </p:nvPr>
+        </p:nvSpPr>
+        <p:spPr>
+          <a:xfrm>
+            <a:off x="6577446" y="716973"/>
+            <a:ext cx="5417127" cy="5216236"/>
+          </a:xfrm>
+        </p:spPr>
+        <p:txBody>
+          <a:bodyPr anchor="ctr">
+            <a:normAutofit/>
+          </a:bodyPr>
+          <a:lstStyle/>
+          <a:p>
+            <a:pPr marL="285750" indent="-285750">
+              <a:buFont typeface="Arial" panose="020B0604020202020204" pitchFamily="34" charset="0"/>
+              <a:buChar char="•"/>
+            </a:pPr>
+            <a:r>
+              <a:rPr lang="en-US" dirty="0"/>
+              <a:t>System should anonymously alert users if they have been in close contact with another user who has tested positive for coronavirus (COVID-19).</a:t>
+            </a:r>
+            <a:endParaRPr lang="en-US" dirty="0"/>
+          </a:p>
+          <a:p>
+            <a:pPr marL="285750" indent="-285750">
+              <a:buFont typeface="Arial" panose="020B0604020202020204" pitchFamily="34" charset="0"/>
+              <a:buChar char="•"/>
+            </a:pPr>
+            <a:r>
+              <a:rPr lang="en-US" dirty="0"/>
+              <a:t>System should allow restaurant, store, or any public event admin to register and create a QR code for venue.</a:t>
+            </a:r>
+            <a:endParaRPr lang="en-US" dirty="0"/>
+          </a:p>
+          <a:p>
+            <a:pPr marL="285750" indent="-285750">
+              <a:buFont typeface="Arial" panose="020B0604020202020204" pitchFamily="34" charset="0"/>
+              <a:buChar char="•"/>
+            </a:pPr>
+            <a:r>
+              <a:rPr lang="en-US" dirty="0"/>
+              <a:t>System should allow QR code scanning for venue check in/outs</a:t>
+            </a:r>
+            <a:endParaRPr lang="en-US" dirty="0"/>
+          </a:p>
+          <a:p>
+            <a:pPr marL="285750" indent="-285750">
+              <a:buFont typeface="Arial" panose="020B0604020202020204" pitchFamily="34" charset="0"/>
+              <a:buChar char="•"/>
+            </a:pPr>
+            <a:endParaRPr lang="en-US" dirty="0"/>
+          </a:p>
+          <a:p>
+            <a:pPr marL="0" indent="0">
+              <a:buNone/>
+            </a:pPr>
+            <a:endParaRPr lang="en-IN" dirty="0"/>
           </a:p>
         </p:txBody>
       </p:sp>
     </p:spTree>
-    <p:extLst>
-      <p:ext uri="{BB962C8B-B14F-4D97-AF65-F5344CB8AC3E}">
-        <p14:creationId xmlns:p14="http://schemas.microsoft.com/office/powerpoint/2010/main" val="2062140664"/>
-      </p:ext>
-    </p:extLst>
   </p:cSld>
   <p:clrMapOvr>
     <a:masterClrMapping/>
@@ -5131,13 +5133,7 @@
       </p:grpSpPr>
       <p:sp>
         <p:nvSpPr>
-          <p:cNvPr id="2" name="Title 1">
-            <a:extLst>
-              <a:ext uri="{FF2B5EF4-FFF2-40B4-BE49-F238E27FC236}">
-                <a16:creationId xmlns:a16="http://schemas.microsoft.com/office/drawing/2014/main" id="{5B040558-A365-4CCE-92FA-5A48CD98F9C9}"/>
-              </a:ext>
-            </a:extLst>
-          </p:cNvPr>
+          <p:cNvPr id="2" name="Title 1"/>
           <p:cNvSpPr>
             <a:spLocks noGrp="1"/>
           </p:cNvSpPr>
@@ -5161,21 +5157,14 @@
               <a:rPr lang="en-US" dirty="0"/>
               <a:t>KEY DESIGN Considerations</a:t>
             </a:r>
-          </a:p>
-        </p:txBody>
-      </p:sp>
-      <p:sp>
-        <p:nvSpPr>
-          <p:cNvPr id="5" name="Content Placeholder 5">
-            <a:extLst>
-              <a:ext uri="{FF2B5EF4-FFF2-40B4-BE49-F238E27FC236}">
-                <a16:creationId xmlns:a16="http://schemas.microsoft.com/office/drawing/2014/main" id="{CCDFDE1A-1EC5-86E8-F2B8-6FA8D990B5A9}"/>
-              </a:ext>
-            </a:extLst>
-          </p:cNvPr>
-          <p:cNvSpPr txBox="1">
-            <a:spLocks/>
-          </p:cNvSpPr>
+            <a:endParaRPr lang="en-US" dirty="0"/>
+          </a:p>
+        </p:txBody>
+      </p:sp>
+      <p:sp>
+        <p:nvSpPr>
+          <p:cNvPr id="5" name="Content Placeholder 5"/>
+          <p:cNvSpPr txBox="1"/>
           <p:nvPr/>
         </p:nvSpPr>
         <p:spPr>
@@ -5192,7 +5181,7 @@
             <a:normAutofit/>
           </a:bodyPr>
           <a:lstStyle>
-            <a:lvl1pPr marL="306000" indent="-306000" algn="l" defTabSz="457200" rtl="0" eaLnBrk="1" latinLnBrk="0" hangingPunct="1">
+            <a:lvl1pPr marL="306070" indent="-306070" algn="l" defTabSz="457200" rtl="0" eaLnBrk="1" latinLnBrk="0" hangingPunct="1">
               <a:spcBef>
                 <a:spcPct val="20000"/>
               </a:spcBef>
@@ -5214,7 +5203,7 @@
                 <a:cs typeface="+mn-cs"/>
               </a:defRPr>
             </a:lvl1pPr>
-            <a:lvl2pPr marL="630000" indent="-306000" algn="l" defTabSz="457200" rtl="0" eaLnBrk="1" latinLnBrk="0" hangingPunct="1">
+            <a:lvl2pPr marL="629920" indent="-306070" algn="l" defTabSz="457200" rtl="0" eaLnBrk="1" latinLnBrk="0" hangingPunct="1">
               <a:spcBef>
                 <a:spcPct val="20000"/>
               </a:spcBef>
@@ -5236,7 +5225,7 @@
                 <a:cs typeface="+mn-cs"/>
               </a:defRPr>
             </a:lvl2pPr>
-            <a:lvl3pPr marL="900000" indent="-270000" algn="l" defTabSz="457200" rtl="0" eaLnBrk="1" latinLnBrk="0" hangingPunct="1">
+            <a:lvl3pPr marL="899795" indent="-269875" algn="l" defTabSz="457200" rtl="0" eaLnBrk="1" latinLnBrk="0" hangingPunct="1">
               <a:spcBef>
                 <a:spcPct val="20000"/>
               </a:spcBef>
@@ -5258,7 +5247,7 @@
                 <a:cs typeface="+mn-cs"/>
               </a:defRPr>
             </a:lvl3pPr>
-            <a:lvl4pPr marL="1242000" indent="-234000" algn="l" defTabSz="457200" rtl="0" eaLnBrk="1" latinLnBrk="0" hangingPunct="1">
+            <a:lvl4pPr marL="1242060" indent="-234315" algn="l" defTabSz="457200" rtl="0" eaLnBrk="1" latinLnBrk="0" hangingPunct="1">
               <a:spcBef>
                 <a:spcPct val="20000"/>
               </a:spcBef>
@@ -5280,7 +5269,7 @@
                 <a:cs typeface="+mn-cs"/>
               </a:defRPr>
             </a:lvl4pPr>
-            <a:lvl5pPr marL="1602000" indent="-234000" algn="l" defTabSz="457200" rtl="0" eaLnBrk="1" latinLnBrk="0" hangingPunct="1">
+            <a:lvl5pPr marL="1602105" indent="-234315" algn="l" defTabSz="457200" rtl="0" eaLnBrk="1" latinLnBrk="0" hangingPunct="1">
               <a:spcBef>
                 <a:spcPct val="20000"/>
               </a:spcBef>
@@ -5302,7 +5291,7 @@
                 <a:cs typeface="+mn-cs"/>
               </a:defRPr>
             </a:lvl5pPr>
-            <a:lvl6pPr marL="1900000" indent="-228600" algn="l" defTabSz="457200" rtl="0" eaLnBrk="1" latinLnBrk="0" hangingPunct="1">
+            <a:lvl6pPr marL="1899920" indent="-228600" algn="l" defTabSz="457200" rtl="0" eaLnBrk="1" latinLnBrk="0" hangingPunct="1">
               <a:spcBef>
                 <a:spcPct val="20000"/>
               </a:spcBef>
@@ -5324,7 +5313,7 @@
                 <a:cs typeface="+mn-cs"/>
               </a:defRPr>
             </a:lvl6pPr>
-            <a:lvl7pPr marL="2200000" indent="-228600" algn="l" defTabSz="457200" rtl="0" eaLnBrk="1" latinLnBrk="0" hangingPunct="1">
+            <a:lvl7pPr marL="2200275" indent="-228600" algn="l" defTabSz="457200" rtl="0" eaLnBrk="1" latinLnBrk="0" hangingPunct="1">
               <a:spcBef>
                 <a:spcPct val="20000"/>
               </a:spcBef>
@@ -5346,7 +5335,7 @@
                 <a:cs typeface="+mn-cs"/>
               </a:defRPr>
             </a:lvl7pPr>
-            <a:lvl8pPr marL="2500000" indent="-228600" algn="l" defTabSz="457200" rtl="0" eaLnBrk="1" latinLnBrk="0" hangingPunct="1">
+            <a:lvl8pPr marL="2499995" indent="-228600" algn="l" defTabSz="457200" rtl="0" eaLnBrk="1" latinLnBrk="0" hangingPunct="1">
               <a:spcBef>
                 <a:spcPct val="20000"/>
               </a:spcBef>
@@ -5368,7 +5357,7 @@
                 <a:cs typeface="+mn-cs"/>
               </a:defRPr>
             </a:lvl8pPr>
-            <a:lvl9pPr marL="2800000" indent="-228600" algn="l" defTabSz="457200" rtl="0" eaLnBrk="1" latinLnBrk="0" hangingPunct="1">
+            <a:lvl9pPr marL="2799715" indent="-228600" algn="l" defTabSz="457200" rtl="0" eaLnBrk="1" latinLnBrk="0" hangingPunct="1">
               <a:spcBef>
                 <a:spcPct val="20000"/>
               </a:spcBef>
@@ -5400,6 +5389,7 @@
               <a:rPr lang="en-US" dirty="0"/>
               <a:t>Client Authentication recommended for Mobile app</a:t>
             </a:r>
+            <a:endParaRPr lang="en-US" dirty="0"/>
           </a:p>
           <a:p>
             <a:pPr marL="285750" indent="-285750">
@@ -5410,6 +5400,7 @@
               <a:rPr lang="en-US" dirty="0"/>
               <a:t>Sharing Personal Health Data with CT portal</a:t>
             </a:r>
+            <a:endParaRPr lang="en-US" dirty="0"/>
           </a:p>
           <a:p>
             <a:pPr marL="285750" indent="-285750">
@@ -5420,6 +5411,7 @@
               <a:rPr lang="en-US" dirty="0"/>
               <a:t>Cost &amp; Timelines(Indicative)</a:t>
             </a:r>
+            <a:endParaRPr lang="en-US" dirty="0"/>
           </a:p>
           <a:p>
             <a:pPr marL="285750" indent="-285750">
@@ -5458,11 +5450,6 @@
         </p:txBody>
       </p:sp>
     </p:spTree>
-    <p:extLst>
-      <p:ext uri="{BB962C8B-B14F-4D97-AF65-F5344CB8AC3E}">
-        <p14:creationId xmlns:p14="http://schemas.microsoft.com/office/powerpoint/2010/main" val="3503528431"/>
-      </p:ext>
-    </p:extLst>
   </p:cSld>
   <p:clrMapOvr>
     <a:masterClrMapping/>
@@ -5513,7 +5500,7 @@
     </a:clrScheme>
     <a:fontScheme name="Dividend">
       <a:majorFont>
-        <a:latin typeface="Gill Sans MT" panose="020B0502020104020203"/>
+        <a:latin typeface="Gill Sans MT"/>
         <a:ea typeface=""/>
         <a:cs typeface=""/>
         <a:font script="Grek" typeface="Corbel"/>
@@ -5550,7 +5537,7 @@
         <a:font script="Geor" typeface="Sylfaen"/>
       </a:majorFont>
       <a:minorFont>
-        <a:latin typeface="Gill Sans MT" panose="020B0502020104020203"/>
+        <a:latin typeface="Gill Sans MT"/>
         <a:ea typeface=""/>
         <a:cs typeface=""/>
         <a:font script="Grek" typeface="Corbel"/>
@@ -5729,11 +5716,9 @@
       </a:bgFillStyleLst>
     </a:fmtScheme>
   </a:themeElements>
-  <a:objectDefaults/>
-  <a:extraClrSchemeLst/>
   <a:extLst>
     <a:ext uri="{05A4C25C-085E-4340-85A3-A5531E510DB2}">
-      <thm15:themeFamily xmlns:thm15="http://schemas.microsoft.com/office/thememl/2012/main" name="tf56390039_win32_fixed.potx" id="{A1D6ED5A-9B8A-4433-BA99-139C56DB1BDE}" vid="{3B3EDB20-B381-4B6C-99AC-7C5CDA2B40F6}"/>
+      <thm15:themeFamily xmlns:thm15="http://schemas.microsoft.com/office/thememl/2012/main" name="Office Theme" id="{62F939B6-93AF-4DB8-9C6B-D6C7DFDC589F}" vid="{4A3C46E8-61CC-4603-A589-7422A47A8E4A}"/>
     </a:ext>
   </a:extLst>
 </a:theme>
@@ -5782,7 +5767,7 @@
     </a:clrScheme>
     <a:fontScheme name="Office">
       <a:majorFont>
-        <a:latin typeface="Calibri Light" panose="020F0302020204030204"/>
+        <a:latin typeface="Calibri Light"/>
         <a:ea typeface=""/>
         <a:cs typeface=""/>
         <a:font script="Jpan" typeface="游ゴシック Light"/>
@@ -5815,26 +5800,9 @@
         <a:font script="Viet" typeface="Times New Roman"/>
         <a:font script="Uigh" typeface="Microsoft Uighur"/>
         <a:font script="Geor" typeface="Sylfaen"/>
-        <a:font script="Armn" typeface="Arial"/>
-        <a:font script="Bugi" typeface="Leelawadee UI"/>
-        <a:font script="Bopo" typeface="Microsoft JhengHei"/>
-        <a:font script="Java" typeface="Javanese Text"/>
-        <a:font script="Lisu" typeface="Segoe UI"/>
-        <a:font script="Mymr" typeface="Myanmar Text"/>
-        <a:font script="Nkoo" typeface="Ebrima"/>
-        <a:font script="Olck" typeface="Nirmala UI"/>
-        <a:font script="Osma" typeface="Ebrima"/>
-        <a:font script="Phag" typeface="Phagspa"/>
-        <a:font script="Syrn" typeface="Estrangelo Edessa"/>
-        <a:font script="Syrj" typeface="Estrangelo Edessa"/>
-        <a:font script="Syre" typeface="Estrangelo Edessa"/>
-        <a:font script="Sora" typeface="Nirmala UI"/>
-        <a:font script="Tale" typeface="Microsoft Tai Le"/>
-        <a:font script="Talu" typeface="Microsoft New Tai Lue"/>
-        <a:font script="Tfng" typeface="Ebrima"/>
       </a:majorFont>
       <a:minorFont>
-        <a:latin typeface="Calibri" panose="020F0502020204030204"/>
+        <a:latin typeface="Calibri"/>
         <a:ea typeface=""/>
         <a:cs typeface=""/>
         <a:font script="Jpan" typeface="游ゴシック"/>
@@ -5867,23 +5835,6 @@
         <a:font script="Viet" typeface="Arial"/>
         <a:font script="Uigh" typeface="Microsoft Uighur"/>
         <a:font script="Geor" typeface="Sylfaen"/>
-        <a:font script="Armn" typeface="Arial"/>
-        <a:font script="Bugi" typeface="Leelawadee UI"/>
-        <a:font script="Bopo" typeface="Microsoft JhengHei"/>
-        <a:font script="Java" typeface="Javanese Text"/>
-        <a:font script="Lisu" typeface="Segoe UI"/>
-        <a:font script="Mymr" typeface="Myanmar Text"/>
-        <a:font script="Nkoo" typeface="Ebrima"/>
-        <a:font script="Olck" typeface="Nirmala UI"/>
-        <a:font script="Osma" typeface="Ebrima"/>
-        <a:font script="Phag" typeface="Phagspa"/>
-        <a:font script="Syrn" typeface="Estrangelo Edessa"/>
-        <a:font script="Syrj" typeface="Estrangelo Edessa"/>
-        <a:font script="Syre" typeface="Estrangelo Edessa"/>
-        <a:font script="Sora" typeface="Nirmala UI"/>
-        <a:font script="Tale" typeface="Microsoft Tai Le"/>
-        <a:font script="Talu" typeface="Microsoft New Tai Lue"/>
-        <a:font script="Tfng" typeface="Ebrima"/>
       </a:minorFont>
     </a:fontScheme>
     <a:fmtScheme name="Office">
@@ -6024,8 +5975,6 @@
       </a:bgFillStyleLst>
     </a:fmtScheme>
   </a:themeElements>
-  <a:objectDefaults/>
-  <a:extraClrSchemeLst/>
   <a:extLst>
     <a:ext uri="{05A4C25C-085E-4340-85A3-A5531E510DB2}">
       <thm15:themeFamily xmlns:thm15="http://schemas.microsoft.com/office/thememl/2012/main" name="Office Theme" id="{62F939B6-93AF-4DB8-9C6B-D6C7DFDC589F}" vid="{4A3C46E8-61CC-4603-A589-7422A47A8E4A}"/>
